--- a/projet/doc/diagrammecomplet.pptx
+++ b/projet/doc/diagrammecomplet.pptx
@@ -5,7 +5,7 @@
     <p:sldMasterId id="2147483650" r:id="rId1"/>
   </p:sldMasterIdLst>
   <p:notesMasterIdLst>
-    <p:notesMasterId r:id="rId14"/>
+    <p:notesMasterId r:id="rId19"/>
   </p:notesMasterIdLst>
   <p:sldIdLst>
     <p:sldId id="269" r:id="rId2"/>
@@ -18,8 +18,13 @@
     <p:sldId id="261" r:id="rId9"/>
     <p:sldId id="262" r:id="rId10"/>
     <p:sldId id="263" r:id="rId11"/>
-    <p:sldId id="267" r:id="rId12"/>
-    <p:sldId id="268" r:id="rId13"/>
+    <p:sldId id="274" r:id="rId12"/>
+    <p:sldId id="270" r:id="rId13"/>
+    <p:sldId id="271" r:id="rId14"/>
+    <p:sldId id="267" r:id="rId15"/>
+    <p:sldId id="268" r:id="rId16"/>
+    <p:sldId id="273" r:id="rId17"/>
+    <p:sldId id="272" r:id="rId18"/>
   </p:sldIdLst>
   <p:sldSz cx="9144000" cy="6858000" type="screen4x3"/>
   <p:notesSz cx="7559675" cy="10691813"/>
@@ -203,7 +208,7 @@
           <a:p>
             <a:fld id="{B9088137-F6B9-4F43-ACE8-DDB0CBCB656C}" type="datetimeFigureOut">
               <a:rPr lang="fr-FR" smtClean="0"/>
-              <a:t>03/06/2012</a:t>
+              <a:t>05/06/2012</a:t>
             </a:fld>
             <a:endParaRPr lang="fr-FR"/>
           </a:p>
@@ -371,6 +376,11 @@
         </p:txBody>
       </p:sp>
     </p:spTree>
+    <p:extLst>
+      <p:ext uri="{BB962C8B-B14F-4D97-AF65-F5344CB8AC3E}">
+        <p14:creationId xmlns:p14="http://schemas.microsoft.com/office/powerpoint/2010/main" val="153336887"/>
+      </p:ext>
+    </p:extLst>
   </p:cSld>
   <p:clrMap bg1="lt1" tx1="dk1" bg2="lt2" tx2="dk2" accent1="accent1" accent2="accent2" accent3="accent3" accent4="accent4" accent5="accent5" accent6="accent6" hlink="hlink" folHlink="folHlink"/>
   <p:notesStyle>
@@ -647,6 +657,10 @@
           <a:bodyPr/>
           <a:lstStyle/>
           <a:p>
+            <a:r>
+              <a:rPr lang="fr-FR" smtClean="0"/>
+              <a:t>7 juin 2012</a:t>
+            </a:r>
             <a:endParaRPr lang="fr-FR" dirty="0"/>
           </a:p>
         </p:txBody>
@@ -668,23 +682,7 @@
           <a:p>
             <a:r>
               <a:rPr lang="fr-FR" dirty="0" smtClean="0"/>
-              <a:t>Mickaël </a:t>
-            </a:r>
-            <a:r>
-              <a:rPr lang="fr-FR" dirty="0" err="1" smtClean="0"/>
-              <a:t>Rivollet</a:t>
-            </a:r>
-            <a:r>
-              <a:rPr lang="fr-FR" dirty="0" smtClean="0"/>
-              <a:t>, Thibault </a:t>
-            </a:r>
-            <a:r>
-              <a:rPr lang="fr-FR" dirty="0" err="1" smtClean="0"/>
-              <a:t>Lazert</a:t>
-            </a:r>
-            <a:r>
-              <a:rPr lang="fr-FR" dirty="0" smtClean="0"/>
-              <a:t> - UE LIF7 - Semestre printemps 2012 - Hexxagon</a:t>
+              <a:t>Mickaël Rivollet, Thibault Lazert - UE LIF7 - Semestre printemps 2012 - Hexxagon</a:t>
             </a:r>
             <a:endParaRPr lang="fr-FR" dirty="0"/>
           </a:p>
@@ -724,6 +722,25 @@
   <p:clrMapOvr>
     <a:masterClrMapping/>
   </p:clrMapOvr>
+  <mc:AlternateContent xmlns:mc="http://schemas.openxmlformats.org/markup-compatibility/2006">
+    <mc:Choice xmlns:p14="http://schemas.microsoft.com/office/powerpoint/2010/main" Requires="p14">
+      <p:transition spd="slow" p14:dur="800">
+        <p14:honeycomb/>
+      </p:transition>
+    </mc:Choice>
+    <mc:Fallback>
+      <p:transition spd="slow">
+        <p:fade/>
+      </p:transition>
+    </mc:Fallback>
+  </mc:AlternateContent>
+  <p:timing>
+    <p:tnLst>
+      <p:par>
+        <p:cTn id="1" dur="indefinite" restart="never" nodeType="tmRoot"/>
+      </p:par>
+    </p:tnLst>
+  </p:timing>
 </p:sldLayout>
 </file>
 
@@ -834,6 +851,10 @@
           <a:bodyPr/>
           <a:lstStyle/>
           <a:p>
+            <a:r>
+              <a:rPr lang="fr-FR" smtClean="0"/>
+              <a:t>7 juin 2012</a:t>
+            </a:r>
             <a:endParaRPr lang="fr-FR" dirty="0"/>
           </a:p>
         </p:txBody>
@@ -855,23 +876,7 @@
           <a:p>
             <a:r>
               <a:rPr lang="fr-FR" dirty="0" smtClean="0"/>
-              <a:t>Mickaël </a:t>
-            </a:r>
-            <a:r>
-              <a:rPr lang="fr-FR" dirty="0" err="1" smtClean="0"/>
-              <a:t>Rivollet</a:t>
-            </a:r>
-            <a:r>
-              <a:rPr lang="fr-FR" dirty="0" smtClean="0"/>
-              <a:t>, Thibault </a:t>
-            </a:r>
-            <a:r>
-              <a:rPr lang="fr-FR" dirty="0" err="1" smtClean="0"/>
-              <a:t>Lazert</a:t>
-            </a:r>
-            <a:r>
-              <a:rPr lang="fr-FR" dirty="0" smtClean="0"/>
-              <a:t> - UE LIF7 - Semestre printemps 2012 - Hexxagon</a:t>
+              <a:t>Mickaël Rivollet, Thibault Lazert - UE LIF7 - Semestre printemps 2012 - Hexxagon</a:t>
             </a:r>
             <a:endParaRPr lang="fr-FR" dirty="0"/>
           </a:p>
@@ -911,6 +916,18 @@
   <p:clrMapOvr>
     <a:masterClrMapping/>
   </p:clrMapOvr>
+  <mc:AlternateContent xmlns:mc="http://schemas.openxmlformats.org/markup-compatibility/2006">
+    <mc:Choice xmlns:p14="http://schemas.microsoft.com/office/powerpoint/2010/main" Requires="p14">
+      <p:transition spd="slow" p14:dur="800">
+        <p14:honeycomb/>
+      </p:transition>
+    </mc:Choice>
+    <mc:Fallback>
+      <p:transition spd="slow">
+        <p:fade/>
+      </p:transition>
+    </mc:Fallback>
+  </mc:AlternateContent>
 </p:sldLayout>
 </file>
 
@@ -1031,6 +1048,10 @@
           <a:bodyPr/>
           <a:lstStyle/>
           <a:p>
+            <a:r>
+              <a:rPr lang="fr-FR" smtClean="0"/>
+              <a:t>7 juin 2012</a:t>
+            </a:r>
             <a:endParaRPr lang="fr-FR" dirty="0"/>
           </a:p>
         </p:txBody>
@@ -1052,23 +1073,7 @@
           <a:p>
             <a:r>
               <a:rPr lang="fr-FR" dirty="0" smtClean="0"/>
-              <a:t>Mickaël </a:t>
-            </a:r>
-            <a:r>
-              <a:rPr lang="fr-FR" dirty="0" err="1" smtClean="0"/>
-              <a:t>Rivollet</a:t>
-            </a:r>
-            <a:r>
-              <a:rPr lang="fr-FR" dirty="0" smtClean="0"/>
-              <a:t>, Thibault </a:t>
-            </a:r>
-            <a:r>
-              <a:rPr lang="fr-FR" dirty="0" err="1" smtClean="0"/>
-              <a:t>Lazert</a:t>
-            </a:r>
-            <a:r>
-              <a:rPr lang="fr-FR" dirty="0" smtClean="0"/>
-              <a:t> - UE LIF7 - Semestre printemps 2012 - Hexxagon</a:t>
+              <a:t>Mickaël Rivollet, Thibault Lazert - UE LIF7 - Semestre printemps 2012 - Hexxagon</a:t>
             </a:r>
             <a:endParaRPr lang="fr-FR" dirty="0"/>
           </a:p>
@@ -1108,6 +1113,18 @@
   <p:clrMapOvr>
     <a:masterClrMapping/>
   </p:clrMapOvr>
+  <mc:AlternateContent xmlns:mc="http://schemas.openxmlformats.org/markup-compatibility/2006">
+    <mc:Choice xmlns:p14="http://schemas.microsoft.com/office/powerpoint/2010/main" Requires="p14">
+      <p:transition spd="slow" p14:dur="800">
+        <p14:honeycomb/>
+      </p:transition>
+    </mc:Choice>
+    <mc:Fallback>
+      <p:transition spd="slow">
+        <p:fade/>
+      </p:transition>
+    </mc:Fallback>
+  </mc:AlternateContent>
 </p:sldLayout>
 </file>
 
@@ -1133,6 +1150,18 @@
   <p:clrMapOvr>
     <a:masterClrMapping/>
   </p:clrMapOvr>
+  <mc:AlternateContent xmlns:mc="http://schemas.openxmlformats.org/markup-compatibility/2006">
+    <mc:Choice xmlns:p14="http://schemas.microsoft.com/office/powerpoint/2010/main" Requires="p14">
+      <p:transition spd="slow" p14:dur="800">
+        <p14:honeycomb/>
+      </p:transition>
+    </mc:Choice>
+    <mc:Fallback>
+      <p:transition spd="slow">
+        <p:fade/>
+      </p:transition>
+    </mc:Fallback>
+  </mc:AlternateContent>
 </p:sldLayout>
 </file>
 
@@ -1243,6 +1272,10 @@
           <a:bodyPr/>
           <a:lstStyle/>
           <a:p>
+            <a:r>
+              <a:rPr lang="fr-FR" smtClean="0"/>
+              <a:t>7 juin 2012</a:t>
+            </a:r>
             <a:endParaRPr lang="fr-FR" dirty="0"/>
           </a:p>
         </p:txBody>
@@ -1264,23 +1297,7 @@
           <a:p>
             <a:r>
               <a:rPr lang="fr-FR" dirty="0" smtClean="0"/>
-              <a:t>Mickaël </a:t>
-            </a:r>
-            <a:r>
-              <a:rPr lang="fr-FR" dirty="0" err="1" smtClean="0"/>
-              <a:t>Rivollet</a:t>
-            </a:r>
-            <a:r>
-              <a:rPr lang="fr-FR" dirty="0" smtClean="0"/>
-              <a:t>, Thibault </a:t>
-            </a:r>
-            <a:r>
-              <a:rPr lang="fr-FR" dirty="0" err="1" smtClean="0"/>
-              <a:t>Lazert</a:t>
-            </a:r>
-            <a:r>
-              <a:rPr lang="fr-FR" dirty="0" smtClean="0"/>
-              <a:t> - UE LIF7 - Semestre printemps 2012 - Hexxagon</a:t>
+              <a:t>Mickaël Rivollet, Thibault Lazert - UE LIF7 - Semestre printemps 2012 - Hexxagon</a:t>
             </a:r>
             <a:endParaRPr lang="fr-FR" dirty="0"/>
           </a:p>
@@ -1320,6 +1337,18 @@
   <p:clrMapOvr>
     <a:masterClrMapping/>
   </p:clrMapOvr>
+  <mc:AlternateContent xmlns:mc="http://schemas.openxmlformats.org/markup-compatibility/2006">
+    <mc:Choice xmlns:p14="http://schemas.microsoft.com/office/powerpoint/2010/main" Requires="p14">
+      <p:transition spd="slow" p14:dur="800">
+        <p14:honeycomb/>
+      </p:transition>
+    </mc:Choice>
+    <mc:Fallback>
+      <p:transition spd="slow">
+        <p:fade/>
+      </p:transition>
+    </mc:Fallback>
+  </mc:AlternateContent>
 </p:sldLayout>
 </file>
 
@@ -1506,6 +1535,10 @@
           <a:bodyPr/>
           <a:lstStyle/>
           <a:p>
+            <a:r>
+              <a:rPr lang="fr-FR" smtClean="0"/>
+              <a:t>7 juin 2012</a:t>
+            </a:r>
             <a:endParaRPr lang="fr-FR" dirty="0"/>
           </a:p>
         </p:txBody>
@@ -1527,23 +1560,7 @@
           <a:p>
             <a:r>
               <a:rPr lang="fr-FR" dirty="0" smtClean="0"/>
-              <a:t>Mickaël </a:t>
-            </a:r>
-            <a:r>
-              <a:rPr lang="fr-FR" dirty="0" err="1" smtClean="0"/>
-              <a:t>Rivollet</a:t>
-            </a:r>
-            <a:r>
-              <a:rPr lang="fr-FR" dirty="0" smtClean="0"/>
-              <a:t>, Thibault </a:t>
-            </a:r>
-            <a:r>
-              <a:rPr lang="fr-FR" dirty="0" err="1" smtClean="0"/>
-              <a:t>Lazert</a:t>
-            </a:r>
-            <a:r>
-              <a:rPr lang="fr-FR" dirty="0" smtClean="0"/>
-              <a:t> - UE LIF7 - Semestre printemps 2012 - Hexxagon</a:t>
+              <a:t>Mickaël Rivollet, Thibault Lazert - UE LIF7 - Semestre printemps 2012 - Hexxagon</a:t>
             </a:r>
             <a:endParaRPr lang="fr-FR" dirty="0"/>
           </a:p>
@@ -1583,6 +1600,18 @@
   <p:clrMapOvr>
     <a:masterClrMapping/>
   </p:clrMapOvr>
+  <mc:AlternateContent xmlns:mc="http://schemas.openxmlformats.org/markup-compatibility/2006">
+    <mc:Choice xmlns:p14="http://schemas.microsoft.com/office/powerpoint/2010/main" Requires="p14">
+      <p:transition spd="slow" p14:dur="800">
+        <p14:honeycomb/>
+      </p:transition>
+    </mc:Choice>
+    <mc:Fallback>
+      <p:transition spd="slow">
+        <p:fade/>
+      </p:transition>
+    </mc:Fallback>
+  </mc:AlternateContent>
 </p:sldLayout>
 </file>
 
@@ -1811,6 +1840,10 @@
           <a:bodyPr/>
           <a:lstStyle/>
           <a:p>
+            <a:r>
+              <a:rPr lang="fr-FR" smtClean="0"/>
+              <a:t>7 juin 2012</a:t>
+            </a:r>
             <a:endParaRPr lang="fr-FR" dirty="0"/>
           </a:p>
         </p:txBody>
@@ -1832,23 +1865,7 @@
           <a:p>
             <a:r>
               <a:rPr lang="fr-FR" dirty="0" smtClean="0"/>
-              <a:t>Mickaël </a:t>
-            </a:r>
-            <a:r>
-              <a:rPr lang="fr-FR" dirty="0" err="1" smtClean="0"/>
-              <a:t>Rivollet</a:t>
-            </a:r>
-            <a:r>
-              <a:rPr lang="fr-FR" dirty="0" smtClean="0"/>
-              <a:t>, Thibault </a:t>
-            </a:r>
-            <a:r>
-              <a:rPr lang="fr-FR" dirty="0" err="1" smtClean="0"/>
-              <a:t>Lazert</a:t>
-            </a:r>
-            <a:r>
-              <a:rPr lang="fr-FR" dirty="0" smtClean="0"/>
-              <a:t> - UE LIF7 - Semestre printemps 2012 - Hexxagon</a:t>
+              <a:t>Mickaël Rivollet, Thibault Lazert - UE LIF7 - Semestre printemps 2012 - Hexxagon</a:t>
             </a:r>
             <a:endParaRPr lang="fr-FR" dirty="0"/>
           </a:p>
@@ -1888,6 +1905,18 @@
   <p:clrMapOvr>
     <a:masterClrMapping/>
   </p:clrMapOvr>
+  <mc:AlternateContent xmlns:mc="http://schemas.openxmlformats.org/markup-compatibility/2006">
+    <mc:Choice xmlns:p14="http://schemas.microsoft.com/office/powerpoint/2010/main" Requires="p14">
+      <p:transition spd="slow" p14:dur="800">
+        <p14:honeycomb/>
+      </p:transition>
+    </mc:Choice>
+    <mc:Fallback>
+      <p:transition spd="slow">
+        <p:fade/>
+      </p:transition>
+    </mc:Fallback>
+  </mc:AlternateContent>
 </p:sldLayout>
 </file>
 
@@ -2250,6 +2279,10 @@
           <a:bodyPr/>
           <a:lstStyle/>
           <a:p>
+            <a:r>
+              <a:rPr lang="fr-FR" smtClean="0"/>
+              <a:t>7 juin 2012</a:t>
+            </a:r>
             <a:endParaRPr lang="fr-FR" dirty="0"/>
           </a:p>
         </p:txBody>
@@ -2271,23 +2304,7 @@
           <a:p>
             <a:r>
               <a:rPr lang="fr-FR" dirty="0" smtClean="0"/>
-              <a:t>Mickaël </a:t>
-            </a:r>
-            <a:r>
-              <a:rPr lang="fr-FR" dirty="0" err="1" smtClean="0"/>
-              <a:t>Rivollet</a:t>
-            </a:r>
-            <a:r>
-              <a:rPr lang="fr-FR" dirty="0" smtClean="0"/>
-              <a:t>, Thibault </a:t>
-            </a:r>
-            <a:r>
-              <a:rPr lang="fr-FR" dirty="0" err="1" smtClean="0"/>
-              <a:t>Lazert</a:t>
-            </a:r>
-            <a:r>
-              <a:rPr lang="fr-FR" dirty="0" smtClean="0"/>
-              <a:t> - UE LIF7 - Semestre printemps 2012 - Hexxagon</a:t>
+              <a:t>Mickaël Rivollet, Thibault Lazert - UE LIF7 - Semestre printemps 2012 - Hexxagon</a:t>
             </a:r>
             <a:endParaRPr lang="fr-FR" dirty="0"/>
           </a:p>
@@ -2327,6 +2344,18 @@
   <p:clrMapOvr>
     <a:masterClrMapping/>
   </p:clrMapOvr>
+  <mc:AlternateContent xmlns:mc="http://schemas.openxmlformats.org/markup-compatibility/2006">
+    <mc:Choice xmlns:p14="http://schemas.microsoft.com/office/powerpoint/2010/main" Requires="p14">
+      <p:transition spd="slow" p14:dur="800">
+        <p14:honeycomb/>
+      </p:transition>
+    </mc:Choice>
+    <mc:Fallback>
+      <p:transition spd="slow">
+        <p:fade/>
+      </p:transition>
+    </mc:Fallback>
+  </mc:AlternateContent>
 </p:sldLayout>
 </file>
 
@@ -2385,6 +2414,10 @@
           <a:bodyPr/>
           <a:lstStyle/>
           <a:p>
+            <a:r>
+              <a:rPr lang="fr-FR" smtClean="0"/>
+              <a:t>7 juin 2012</a:t>
+            </a:r>
             <a:endParaRPr lang="fr-FR" dirty="0"/>
           </a:p>
         </p:txBody>
@@ -2406,23 +2439,7 @@
           <a:p>
             <a:r>
               <a:rPr lang="fr-FR" dirty="0" smtClean="0"/>
-              <a:t>Mickaël </a:t>
-            </a:r>
-            <a:r>
-              <a:rPr lang="fr-FR" dirty="0" err="1" smtClean="0"/>
-              <a:t>Rivollet</a:t>
-            </a:r>
-            <a:r>
-              <a:rPr lang="fr-FR" dirty="0" smtClean="0"/>
-              <a:t>, Thibault </a:t>
-            </a:r>
-            <a:r>
-              <a:rPr lang="fr-FR" dirty="0" err="1" smtClean="0"/>
-              <a:t>Lazert</a:t>
-            </a:r>
-            <a:r>
-              <a:rPr lang="fr-FR" dirty="0" smtClean="0"/>
-              <a:t> - UE LIF7 - Semestre printemps 2012 - Hexxagon</a:t>
+              <a:t>Mickaël Rivollet, Thibault Lazert - UE LIF7 - Semestre printemps 2012 - Hexxagon</a:t>
             </a:r>
             <a:endParaRPr lang="fr-FR" dirty="0"/>
           </a:p>
@@ -2462,6 +2479,18 @@
   <p:clrMapOvr>
     <a:masterClrMapping/>
   </p:clrMapOvr>
+  <mc:AlternateContent xmlns:mc="http://schemas.openxmlformats.org/markup-compatibility/2006">
+    <mc:Choice xmlns:p14="http://schemas.microsoft.com/office/powerpoint/2010/main" Requires="p14">
+      <p:transition spd="slow" p14:dur="800">
+        <p14:honeycomb/>
+      </p:transition>
+    </mc:Choice>
+    <mc:Fallback>
+      <p:transition spd="slow">
+        <p:fade/>
+      </p:transition>
+    </mc:Fallback>
+  </mc:AlternateContent>
 </p:sldLayout>
 </file>
 
@@ -2497,6 +2526,10 @@
           <a:bodyPr/>
           <a:lstStyle/>
           <a:p>
+            <a:r>
+              <a:rPr lang="fr-FR" smtClean="0"/>
+              <a:t>7 juin 2012</a:t>
+            </a:r>
             <a:endParaRPr lang="fr-FR" dirty="0"/>
           </a:p>
         </p:txBody>
@@ -2518,23 +2551,7 @@
           <a:p>
             <a:r>
               <a:rPr lang="fr-FR" dirty="0" smtClean="0"/>
-              <a:t>Mickaël </a:t>
-            </a:r>
-            <a:r>
-              <a:rPr lang="fr-FR" dirty="0" err="1" smtClean="0"/>
-              <a:t>Rivollet</a:t>
-            </a:r>
-            <a:r>
-              <a:rPr lang="fr-FR" dirty="0" smtClean="0"/>
-              <a:t>, Thibault </a:t>
-            </a:r>
-            <a:r>
-              <a:rPr lang="fr-FR" dirty="0" err="1" smtClean="0"/>
-              <a:t>Lazert</a:t>
-            </a:r>
-            <a:r>
-              <a:rPr lang="fr-FR" dirty="0" smtClean="0"/>
-              <a:t> - UE LIF7 - Semestre printemps 2012 - Hexxagon</a:t>
+              <a:t>Mickaël Rivollet, Thibault Lazert - UE LIF7 - Semestre printemps 2012 - Hexxagon</a:t>
             </a:r>
             <a:endParaRPr lang="fr-FR" dirty="0"/>
           </a:p>
@@ -2574,6 +2591,18 @@
   <p:clrMapOvr>
     <a:masterClrMapping/>
   </p:clrMapOvr>
+  <mc:AlternateContent xmlns:mc="http://schemas.openxmlformats.org/markup-compatibility/2006">
+    <mc:Choice xmlns:p14="http://schemas.microsoft.com/office/powerpoint/2010/main" Requires="p14">
+      <p:transition spd="slow" p14:dur="800">
+        <p14:honeycomb/>
+      </p:transition>
+    </mc:Choice>
+    <mc:Fallback>
+      <p:transition spd="slow">
+        <p:fade/>
+      </p:transition>
+    </mc:Fallback>
+  </mc:AlternateContent>
 </p:sldLayout>
 </file>
 
@@ -2791,6 +2820,10 @@
           <a:bodyPr/>
           <a:lstStyle/>
           <a:p>
+            <a:r>
+              <a:rPr lang="fr-FR" smtClean="0"/>
+              <a:t>7 juin 2012</a:t>
+            </a:r>
             <a:endParaRPr lang="fr-FR" dirty="0"/>
           </a:p>
         </p:txBody>
@@ -2812,23 +2845,7 @@
           <a:p>
             <a:r>
               <a:rPr lang="fr-FR" dirty="0" smtClean="0"/>
-              <a:t>Mickaël </a:t>
-            </a:r>
-            <a:r>
-              <a:rPr lang="fr-FR" dirty="0" err="1" smtClean="0"/>
-              <a:t>Rivollet</a:t>
-            </a:r>
-            <a:r>
-              <a:rPr lang="fr-FR" dirty="0" smtClean="0"/>
-              <a:t>, Thibault </a:t>
-            </a:r>
-            <a:r>
-              <a:rPr lang="fr-FR" dirty="0" err="1" smtClean="0"/>
-              <a:t>Lazert</a:t>
-            </a:r>
-            <a:r>
-              <a:rPr lang="fr-FR" dirty="0" smtClean="0"/>
-              <a:t> - UE LIF7 - Semestre printemps 2012 - Hexxagon</a:t>
+              <a:t>Mickaël Rivollet, Thibault Lazert - UE LIF7 - Semestre printemps 2012 - Hexxagon</a:t>
             </a:r>
             <a:endParaRPr lang="fr-FR" dirty="0"/>
           </a:p>
@@ -2868,6 +2885,18 @@
   <p:clrMapOvr>
     <a:masterClrMapping/>
   </p:clrMapOvr>
+  <mc:AlternateContent xmlns:mc="http://schemas.openxmlformats.org/markup-compatibility/2006">
+    <mc:Choice xmlns:p14="http://schemas.microsoft.com/office/powerpoint/2010/main" Requires="p14">
+      <p:transition spd="slow" p14:dur="800">
+        <p14:honeycomb/>
+      </p:transition>
+    </mc:Choice>
+    <mc:Fallback>
+      <p:transition spd="slow">
+        <p:fade/>
+      </p:transition>
+    </mc:Fallback>
+  </mc:AlternateContent>
 </p:sldLayout>
 </file>
 
@@ -3061,6 +3090,10 @@
           <a:bodyPr/>
           <a:lstStyle/>
           <a:p>
+            <a:r>
+              <a:rPr lang="fr-FR" smtClean="0"/>
+              <a:t>7 juin 2012</a:t>
+            </a:r>
             <a:endParaRPr lang="fr-FR" dirty="0"/>
           </a:p>
         </p:txBody>
@@ -3082,23 +3115,7 @@
           <a:p>
             <a:r>
               <a:rPr lang="fr-FR" dirty="0" smtClean="0"/>
-              <a:t>Mickaël </a:t>
-            </a:r>
-            <a:r>
-              <a:rPr lang="fr-FR" dirty="0" err="1" smtClean="0"/>
-              <a:t>Rivollet</a:t>
-            </a:r>
-            <a:r>
-              <a:rPr lang="fr-FR" dirty="0" smtClean="0"/>
-              <a:t>, Thibault </a:t>
-            </a:r>
-            <a:r>
-              <a:rPr lang="fr-FR" dirty="0" err="1" smtClean="0"/>
-              <a:t>Lazert</a:t>
-            </a:r>
-            <a:r>
-              <a:rPr lang="fr-FR" dirty="0" smtClean="0"/>
-              <a:t> - UE LIF7 - Semestre printemps 2012 - Hexxagon</a:t>
+              <a:t>Mickaël Rivollet, Thibault Lazert - UE LIF7 - Semestre printemps 2012 - Hexxagon</a:t>
             </a:r>
             <a:endParaRPr lang="fr-FR" dirty="0"/>
           </a:p>
@@ -3138,6 +3155,18 @@
   <p:clrMapOvr>
     <a:masterClrMapping/>
   </p:clrMapOvr>
+  <mc:AlternateContent xmlns:mc="http://schemas.openxmlformats.org/markup-compatibility/2006">
+    <mc:Choice xmlns:p14="http://schemas.microsoft.com/office/powerpoint/2010/main" Requires="p14">
+      <p:transition spd="slow" p14:dur="800">
+        <p14:honeycomb/>
+      </p:transition>
+    </mc:Choice>
+    <mc:Fallback>
+      <p:transition spd="slow">
+        <p:fade/>
+      </p:transition>
+    </mc:Fallback>
+  </mc:AlternateContent>
 </p:sldLayout>
 </file>
 
@@ -3307,6 +3336,10 @@
             </a:lvl1pPr>
           </a:lstStyle>
           <a:p>
+            <a:r>
+              <a:rPr lang="fr-FR" smtClean="0"/>
+              <a:t>7 juin 2012</a:t>
+            </a:r>
             <a:endParaRPr lang="fr-FR" dirty="0"/>
           </a:p>
         </p:txBody>
@@ -3346,23 +3379,7 @@
           <a:p>
             <a:r>
               <a:rPr lang="fr-FR" dirty="0" smtClean="0"/>
-              <a:t>Mickaël </a:t>
-            </a:r>
-            <a:r>
-              <a:rPr lang="fr-FR" dirty="0" err="1" smtClean="0"/>
-              <a:t>Rivollet</a:t>
-            </a:r>
-            <a:r>
-              <a:rPr lang="fr-FR" dirty="0" smtClean="0"/>
-              <a:t>, Thibault </a:t>
-            </a:r>
-            <a:r>
-              <a:rPr lang="fr-FR" dirty="0" err="1" smtClean="0"/>
-              <a:t>Lazert</a:t>
-            </a:r>
-            <a:r>
-              <a:rPr lang="fr-FR" dirty="0" smtClean="0"/>
-              <a:t> - UE LIF7 - Semestre printemps 2012 - Hexxagon</a:t>
+              <a:t>Mickaël Rivollet, Thibault Lazert - UE LIF7 - Semestre printemps 2012 - Hexxagon</a:t>
             </a:r>
             <a:endParaRPr lang="fr-FR" dirty="0"/>
           </a:p>
@@ -3448,7 +3465,7 @@
         <p:spPr>
           <a:xfrm>
             <a:off x="108665" y="620688"/>
-            <a:ext cx="430887" cy="1440160"/>
+            <a:ext cx="461665" cy="1800200"/>
           </a:xfrm>
           <a:prstGeom prst="rect">
             <a:avLst/>
@@ -3462,10 +3479,10 @@
           <a:lstStyle/>
           <a:p>
             <a:r>
-              <a:rPr lang="fr-FR" sz="1600" i="0" dirty="0" smtClean="0"/>
+              <a:rPr lang="fr-FR" sz="1800" i="0" dirty="0" smtClean="0"/>
               <a:t>Projet Hexxagon</a:t>
             </a:r>
-            <a:endParaRPr lang="fr-FR" sz="1600" i="0" dirty="0"/>
+            <a:endParaRPr lang="fr-FR" sz="1800" i="0" dirty="0"/>
           </a:p>
         </p:txBody>
       </p:sp>
@@ -3486,7 +3503,26 @@
     <p:sldLayoutId id="2147483661" r:id="rId11"/>
     <p:sldLayoutId id="2147483662" r:id="rId12"/>
   </p:sldLayoutIdLst>
-  <p:hf sldNum="0" hdr="0" dt="0"/>
+  <mc:AlternateContent xmlns:mc="http://schemas.openxmlformats.org/markup-compatibility/2006">
+    <mc:Choice xmlns:p14="http://schemas.microsoft.com/office/powerpoint/2010/main" Requires="p14">
+      <p:transition spd="slow" p14:dur="800">
+        <p14:honeycomb/>
+      </p:transition>
+    </mc:Choice>
+    <mc:Fallback>
+      <p:transition spd="slow">
+        <p:fade/>
+      </p:transition>
+    </mc:Fallback>
+  </mc:AlternateContent>
+  <p:timing>
+    <p:tnLst>
+      <p:par>
+        <p:cTn id="1" dur="indefinite" restart="never" nodeType="tmRoot"/>
+      </p:par>
+    </p:tnLst>
+  </p:timing>
+  <p:hf hdr="0"/>
   <p:txStyles>
     <p:titleStyle>
       <a:lvl1pPr algn="ctr" defTabSz="914400" rtl="0" eaLnBrk="1" latinLnBrk="0" hangingPunct="1">
@@ -3769,17 +3805,71 @@
         </p:nvSpPr>
         <p:spPr>
           <a:xfrm>
-            <a:off x="685800" y="1772816"/>
+            <a:off x="685800" y="980728"/>
             <a:ext cx="7772400" cy="1470025"/>
           </a:xfrm>
         </p:spPr>
         <p:txBody>
+          <a:bodyPr>
+            <a:normAutofit/>
+          </a:bodyPr>
+          <a:lstStyle/>
+          <a:p>
+            <a:r>
+              <a:rPr lang="fr-FR" dirty="0" smtClean="0">
+                <a:solidFill>
+                  <a:schemeClr val="accent1">
+                    <a:lumMod val="75000"/>
+                  </a:schemeClr>
+                </a:solidFill>
+              </a:rPr>
+              <a:t>Projet Hexxagon</a:t>
+            </a:r>
+            <a:endParaRPr lang="fr-FR" dirty="0">
+              <a:solidFill>
+                <a:schemeClr val="accent1">
+                  <a:lumMod val="75000"/>
+                </a:schemeClr>
+              </a:solidFill>
+            </a:endParaRPr>
+          </a:p>
+        </p:txBody>
+      </p:sp>
+      <p:sp>
+        <p:nvSpPr>
+          <p:cNvPr id="3" name="Sous-titre 2"/>
+          <p:cNvSpPr>
+            <a:spLocks noGrp="1"/>
+          </p:cNvSpPr>
+          <p:nvPr>
+            <p:ph type="subTitle" idx="1"/>
+          </p:nvPr>
+        </p:nvSpPr>
+        <p:spPr/>
+        <p:txBody>
           <a:bodyPr/>
           <a:lstStyle/>
           <a:p>
             <a:r>
               <a:rPr lang="fr-FR" dirty="0" smtClean="0"/>
-              <a:t>Projet Hexxagon</a:t>
+              <a:t>UE </a:t>
+            </a:r>
+            <a:r>
+              <a:rPr lang="fr-FR" dirty="0" smtClean="0"/>
+              <a:t>LIF7 – Semestre </a:t>
+            </a:r>
+            <a:r>
+              <a:rPr lang="fr-FR" dirty="0" smtClean="0"/>
+              <a:t>printemps 2012</a:t>
+            </a:r>
+          </a:p>
+          <a:p>
+            <a:endParaRPr lang="fr-FR" dirty="0" smtClean="0"/>
+          </a:p>
+          <a:p>
+            <a:r>
+              <a:rPr lang="fr-FR" dirty="0" smtClean="0"/>
+              <a:t>Mickaël Rivollet – Thibault Lazert</a:t>
             </a:r>
             <a:endParaRPr lang="fr-FR" dirty="0"/>
           </a:p>
@@ -3787,12 +3877,12 @@
       </p:sp>
       <p:sp>
         <p:nvSpPr>
-          <p:cNvPr id="3" name="Sous-titre 2"/>
-          <p:cNvSpPr>
-            <a:spLocks noGrp="1"/>
-          </p:cNvSpPr>
-          <p:nvPr>
-            <p:ph type="subTitle" idx="1"/>
+          <p:cNvPr id="4" name="Espace réservé du pied de page 3"/>
+          <p:cNvSpPr>
+            <a:spLocks noGrp="1"/>
+          </p:cNvSpPr>
+          <p:nvPr>
+            <p:ph type="ftr" sz="quarter" idx="11"/>
           </p:nvPr>
         </p:nvSpPr>
         <p:spPr/>
@@ -3802,41 +3892,95 @@
           <a:p>
             <a:r>
               <a:rPr lang="fr-FR" dirty="0" smtClean="0"/>
-              <a:t>UE LIF 7 –Semestre printemps 2012</a:t>
-            </a:r>
-          </a:p>
-          <a:p>
-            <a:endParaRPr lang="fr-FR" dirty="0" smtClean="0"/>
-          </a:p>
-          <a:p>
-            <a:r>
-              <a:rPr lang="fr-FR" dirty="0" smtClean="0"/>
-              <a:t>Mickaël </a:t>
-            </a:r>
-            <a:r>
-              <a:rPr lang="fr-FR" dirty="0" err="1" smtClean="0"/>
-              <a:t>Rivollet</a:t>
-            </a:r>
-            <a:r>
-              <a:rPr lang="fr-FR" dirty="0" smtClean="0"/>
-              <a:t> – Thibault </a:t>
-            </a:r>
-            <a:r>
-              <a:rPr lang="fr-FR" dirty="0" err="1" smtClean="0"/>
-              <a:t>Lazert</a:t>
+              <a:t>Mickaël Rivollet, Thibault Lazert - UE LIF7 - Semestre printemps 2012 - Hexxagon</a:t>
             </a:r>
             <a:endParaRPr lang="fr-FR" dirty="0"/>
           </a:p>
         </p:txBody>
       </p:sp>
-      <p:sp>
-        <p:nvSpPr>
-          <p:cNvPr id="4" name="Espace réservé du pied de page 3"/>
-          <p:cNvSpPr>
-            <a:spLocks noGrp="1"/>
-          </p:cNvSpPr>
-          <p:nvPr>
-            <p:ph type="ftr" sz="quarter" idx="11"/>
+      <p:grpSp>
+        <p:nvGrpSpPr>
+          <p:cNvPr id="7" name="Groupe 6"/>
+          <p:cNvGrpSpPr/>
+          <p:nvPr/>
+        </p:nvGrpSpPr>
+        <p:grpSpPr>
+          <a:xfrm>
+            <a:off x="3915790" y="2564904"/>
+            <a:ext cx="1312421" cy="1096397"/>
+            <a:chOff x="3635896" y="2564904"/>
+            <a:chExt cx="1312421" cy="1096397"/>
+          </a:xfrm>
+        </p:grpSpPr>
+        <p:pic>
+          <p:nvPicPr>
+            <p:cNvPr id="6" name="Image 5"/>
+            <p:cNvPicPr>
+              <a:picLocks noChangeAspect="1"/>
+            </p:cNvPicPr>
+            <p:nvPr/>
+          </p:nvPicPr>
+          <p:blipFill>
+            <a:blip r:embed="rId2">
+              <a:extLst>
+                <a:ext uri="{28A0092B-C50C-407E-A947-70E740481C1C}">
+                  <a14:useLocalDpi xmlns:a14="http://schemas.microsoft.com/office/drawing/2010/main" val="0"/>
+                </a:ext>
+              </a:extLst>
+            </a:blip>
+            <a:stretch>
+              <a:fillRect/>
+            </a:stretch>
+          </p:blipFill>
+          <p:spPr>
+            <a:xfrm>
+              <a:off x="3635896" y="2636911"/>
+              <a:ext cx="952381" cy="952381"/>
+            </a:xfrm>
+            <a:prstGeom prst="rect">
+              <a:avLst/>
+            </a:prstGeom>
+          </p:spPr>
+        </p:pic>
+        <p:pic>
+          <p:nvPicPr>
+            <p:cNvPr id="5" name="Image 4"/>
+            <p:cNvPicPr>
+              <a:picLocks noChangeAspect="1"/>
+            </p:cNvPicPr>
+            <p:nvPr/>
+          </p:nvPicPr>
+          <p:blipFill>
+            <a:blip r:embed="rId3">
+              <a:extLst>
+                <a:ext uri="{28A0092B-C50C-407E-A947-70E740481C1C}">
+                  <a14:useLocalDpi xmlns:a14="http://schemas.microsoft.com/office/drawing/2010/main" val="0"/>
+                </a:ext>
+              </a:extLst>
+            </a:blip>
+            <a:stretch>
+              <a:fillRect/>
+            </a:stretch>
+          </p:blipFill>
+          <p:spPr>
+            <a:xfrm>
+              <a:off x="3851920" y="2564904"/>
+              <a:ext cx="1096397" cy="1096397"/>
+            </a:xfrm>
+            <a:prstGeom prst="rect">
+              <a:avLst/>
+            </a:prstGeom>
+          </p:spPr>
+        </p:pic>
+      </p:grpSp>
+      <p:sp>
+        <p:nvSpPr>
+          <p:cNvPr id="8" name="Espace réservé de la date 7"/>
+          <p:cNvSpPr>
+            <a:spLocks noGrp="1"/>
+          </p:cNvSpPr>
+          <p:nvPr>
+            <p:ph type="dt" sz="half" idx="10"/>
           </p:nvPr>
         </p:nvSpPr>
         <p:spPr/>
@@ -3846,17 +3990,149 @@
           <a:p>
             <a:r>
               <a:rPr lang="fr-FR" smtClean="0"/>
-              <a:t>Mickaël Rivollet, Thibault Lazert - UE LIF7 - Semestre printemps 2012 - Hexxagon</a:t>
+              <a:t>7 juin 2012</a:t>
             </a:r>
             <a:endParaRPr lang="fr-FR" dirty="0"/>
           </a:p>
         </p:txBody>
       </p:sp>
+      <p:sp>
+        <p:nvSpPr>
+          <p:cNvPr id="9" name="Espace réservé du numéro de diapositive 8"/>
+          <p:cNvSpPr>
+            <a:spLocks noGrp="1"/>
+          </p:cNvSpPr>
+          <p:nvPr>
+            <p:ph type="sldNum" sz="quarter" idx="12"/>
+          </p:nvPr>
+        </p:nvSpPr>
+        <p:spPr/>
+        <p:txBody>
+          <a:bodyPr/>
+          <a:lstStyle/>
+          <a:p>
+            <a:fld id="{D1F1D131-41E1-4141-9181-81A171513161}" type="slidenum">
+              <a:rPr lang="fr-FR" sz="1200" smtClean="0">
+                <a:solidFill>
+                  <a:srgbClr val="8B8B8B"/>
+                </a:solidFill>
+                <a:latin typeface="Calibri"/>
+              </a:rPr>
+              <a:pPr/>
+              <a:t>1</a:t>
+            </a:fld>
+            <a:endParaRPr lang="fr-FR" dirty="0"/>
+          </a:p>
+        </p:txBody>
+      </p:sp>
+      <p:pic>
+        <p:nvPicPr>
+          <p:cNvPr id="10" name="Image 9"/>
+          <p:cNvPicPr>
+            <a:picLocks noChangeAspect="1"/>
+          </p:cNvPicPr>
+          <p:nvPr/>
+        </p:nvPicPr>
+        <p:blipFill>
+          <a:blip r:embed="rId4">
+            <a:extLst>
+              <a:ext uri="{28A0092B-C50C-407E-A947-70E740481C1C}">
+                <a14:useLocalDpi xmlns:a14="http://schemas.microsoft.com/office/drawing/2010/main" val="0"/>
+              </a:ext>
+            </a:extLst>
+          </a:blip>
+          <a:stretch>
+            <a:fillRect/>
+          </a:stretch>
+        </p:blipFill>
+        <p:spPr>
+          <a:xfrm>
+            <a:off x="7884368" y="188640"/>
+            <a:ext cx="1020713" cy="648072"/>
+          </a:xfrm>
+          <a:prstGeom prst="rect">
+            <a:avLst/>
+          </a:prstGeom>
+        </p:spPr>
+      </p:pic>
+      <p:pic>
+        <p:nvPicPr>
+          <p:cNvPr id="11" name="Image 10"/>
+          <p:cNvPicPr>
+            <a:picLocks noChangeAspect="1"/>
+          </p:cNvPicPr>
+          <p:nvPr/>
+        </p:nvPicPr>
+        <p:blipFill>
+          <a:blip r:embed="rId5">
+            <a:extLst>
+              <a:ext uri="{28A0092B-C50C-407E-A947-70E740481C1C}">
+                <a14:useLocalDpi xmlns:a14="http://schemas.microsoft.com/office/drawing/2010/main" val="0"/>
+              </a:ext>
+            </a:extLst>
+          </a:blip>
+          <a:stretch>
+            <a:fillRect/>
+          </a:stretch>
+        </p:blipFill>
+        <p:spPr>
+          <a:xfrm>
+            <a:off x="6451074" y="241874"/>
+            <a:ext cx="1152695" cy="668229"/>
+          </a:xfrm>
+          <a:prstGeom prst="rect">
+            <a:avLst/>
+          </a:prstGeom>
+        </p:spPr>
+      </p:pic>
+      <p:cxnSp>
+        <p:nvCxnSpPr>
+          <p:cNvPr id="13" name="Connecteur droit 12"/>
+          <p:cNvCxnSpPr/>
+          <p:nvPr/>
+        </p:nvCxnSpPr>
+        <p:spPr>
+          <a:xfrm>
+            <a:off x="1870125" y="2564904"/>
+            <a:ext cx="5403750" cy="0"/>
+          </a:xfrm>
+          <a:prstGeom prst="line">
+            <a:avLst/>
+          </a:prstGeom>
+          <a:ln w="9525"/>
+        </p:spPr>
+        <p:style>
+          <a:lnRef idx="2">
+            <a:schemeClr val="accent1"/>
+          </a:lnRef>
+          <a:fillRef idx="0">
+            <a:schemeClr val="accent1"/>
+          </a:fillRef>
+          <a:effectRef idx="1">
+            <a:schemeClr val="accent1"/>
+          </a:effectRef>
+          <a:fontRef idx="minor">
+            <a:schemeClr val="tx1"/>
+          </a:fontRef>
+        </p:style>
+      </p:cxnSp>
     </p:spTree>
   </p:cSld>
   <p:clrMapOvr>
     <a:masterClrMapping/>
   </p:clrMapOvr>
+  <mc:AlternateContent xmlns:mc="http://schemas.openxmlformats.org/markup-compatibility/2006">
+    <mc:Choice xmlns:p14="http://schemas.microsoft.com/office/powerpoint/2010/main" Requires="p14">
+      <p:transition spd="slow" p14:dur="800">
+        <p14:honeycomb/>
+      </p:transition>
+    </mc:Choice>
+    <mc:Fallback>
+      <p:transition spd="slow">
+        <p:fade/>
+      </p:transition>
+    </mc:Fallback>
+  </mc:AlternateContent>
   <p:timing>
     <p:tnLst>
       <p:par>
@@ -3960,18 +4236,239 @@
               <a:buNone/>
             </a:pPr>
             <a:r>
-              <a:rPr lang="fr-FR" sz="1200" dirty="0" err="1" smtClean="0">
+              <a:rPr lang="fr-FR" sz="1200" dirty="0" err="1">
+                <a:latin typeface="Consolas" pitchFamily="49" charset="0"/>
+                <a:cs typeface="Consolas" pitchFamily="49" charset="0"/>
+              </a:rPr>
+              <a:t>void</a:t>
+            </a:r>
+            <a:r>
+              <a:rPr lang="fr-FR" sz="1200" dirty="0">
+                <a:latin typeface="Consolas" pitchFamily="49" charset="0"/>
+                <a:cs typeface="Consolas" pitchFamily="49" charset="0"/>
+              </a:rPr>
+              <a:t> 	</a:t>
+            </a:r>
+            <a:r>
+              <a:rPr lang="fr-FR" sz="1200" dirty="0" err="1">
+                <a:latin typeface="Consolas" pitchFamily="49" charset="0"/>
+                <a:cs typeface="Consolas" pitchFamily="49" charset="0"/>
+              </a:rPr>
+              <a:t>afficheFree</a:t>
+            </a:r>
+            <a:r>
+              <a:rPr lang="fr-FR" sz="1200" dirty="0">
+                <a:latin typeface="Consolas" pitchFamily="49" charset="0"/>
+                <a:cs typeface="Consolas" pitchFamily="49" charset="0"/>
+              </a:rPr>
+              <a:t> (Image *</a:t>
+            </a:r>
+            <a:r>
+              <a:rPr lang="fr-FR" sz="1200" dirty="0" err="1">
+                <a:latin typeface="Consolas" pitchFamily="49" charset="0"/>
+                <a:cs typeface="Consolas" pitchFamily="49" charset="0"/>
+              </a:rPr>
+              <a:t>img</a:t>
+            </a:r>
+            <a:r>
+              <a:rPr lang="fr-FR" sz="1200" dirty="0">
+                <a:latin typeface="Consolas" pitchFamily="49" charset="0"/>
+                <a:cs typeface="Consolas" pitchFamily="49" charset="0"/>
+              </a:rPr>
+              <a:t>)</a:t>
+            </a:r>
+          </a:p>
+          <a:p>
+            <a:pPr>
+              <a:buNone/>
+            </a:pPr>
+            <a:r>
+              <a:rPr lang="fr-FR" sz="1200" dirty="0" err="1">
+                <a:latin typeface="Consolas" pitchFamily="49" charset="0"/>
+                <a:cs typeface="Consolas" pitchFamily="49" charset="0"/>
+              </a:rPr>
+              <a:t>void</a:t>
+            </a:r>
+            <a:r>
+              <a:rPr lang="fr-FR" sz="1200" dirty="0">
+                <a:latin typeface="Consolas" pitchFamily="49" charset="0"/>
+                <a:cs typeface="Consolas" pitchFamily="49" charset="0"/>
+              </a:rPr>
+              <a:t> 	</a:t>
+            </a:r>
+            <a:r>
+              <a:rPr lang="fr-FR" sz="1200" dirty="0" err="1">
+                <a:latin typeface="Consolas" pitchFamily="49" charset="0"/>
+                <a:cs typeface="Consolas" pitchFamily="49" charset="0"/>
+              </a:rPr>
+              <a:t>afficheQuit</a:t>
+            </a:r>
+            <a:r>
+              <a:rPr lang="fr-FR" sz="1200" dirty="0">
+                <a:latin typeface="Consolas" pitchFamily="49" charset="0"/>
+                <a:cs typeface="Consolas" pitchFamily="49" charset="0"/>
+              </a:rPr>
+              <a:t> ()</a:t>
+            </a:r>
+          </a:p>
+          <a:p>
+            <a:pPr>
+              <a:buNone/>
+            </a:pPr>
+            <a:r>
+              <a:rPr lang="fr-FR" sz="1200" dirty="0" err="1">
+                <a:latin typeface="Consolas" pitchFamily="49" charset="0"/>
+                <a:cs typeface="Consolas" pitchFamily="49" charset="0"/>
+              </a:rPr>
+              <a:t>void</a:t>
+            </a:r>
+            <a:r>
+              <a:rPr lang="fr-FR" sz="1200" dirty="0">
+                <a:latin typeface="Consolas" pitchFamily="49" charset="0"/>
+                <a:cs typeface="Consolas" pitchFamily="49" charset="0"/>
+              </a:rPr>
+              <a:t> 	</a:t>
+            </a:r>
+            <a:r>
+              <a:rPr lang="fr-FR" sz="1200" dirty="0" err="1">
+                <a:latin typeface="Consolas" pitchFamily="49" charset="0"/>
+                <a:cs typeface="Consolas" pitchFamily="49" charset="0"/>
+              </a:rPr>
+              <a:t>afficheVideEcran</a:t>
+            </a:r>
+            <a:r>
+              <a:rPr lang="fr-FR" sz="1200" dirty="0">
+                <a:latin typeface="Consolas" pitchFamily="49" charset="0"/>
+                <a:cs typeface="Consolas" pitchFamily="49" charset="0"/>
+              </a:rPr>
+              <a:t> (Image *</a:t>
+            </a:r>
+            <a:r>
+              <a:rPr lang="fr-FR" sz="1200" dirty="0" err="1">
+                <a:latin typeface="Consolas" pitchFamily="49" charset="0"/>
+                <a:cs typeface="Consolas" pitchFamily="49" charset="0"/>
+              </a:rPr>
+              <a:t>ecran</a:t>
+            </a:r>
+            <a:r>
+              <a:rPr lang="fr-FR" sz="1200" dirty="0">
+                <a:latin typeface="Consolas" pitchFamily="49" charset="0"/>
+                <a:cs typeface="Consolas" pitchFamily="49" charset="0"/>
+              </a:rPr>
+              <a:t>)</a:t>
+            </a:r>
+          </a:p>
+          <a:p>
+            <a:pPr>
+              <a:buNone/>
+            </a:pPr>
+            <a:r>
+              <a:rPr lang="fr-FR" sz="1200" dirty="0">
+                <a:latin typeface="Consolas" pitchFamily="49" charset="0"/>
+                <a:cs typeface="Consolas" pitchFamily="49" charset="0"/>
+              </a:rPr>
+              <a:t>Image * 	</a:t>
+            </a:r>
+            <a:r>
+              <a:rPr lang="fr-FR" sz="1200" dirty="0" err="1">
+                <a:latin typeface="Consolas" pitchFamily="49" charset="0"/>
+                <a:cs typeface="Consolas" pitchFamily="49" charset="0"/>
+              </a:rPr>
+              <a:t>afficheChargeImage</a:t>
+            </a:r>
+            <a:r>
+              <a:rPr lang="fr-FR" sz="1200" dirty="0">
+                <a:latin typeface="Consolas" pitchFamily="49" charset="0"/>
+                <a:cs typeface="Consolas" pitchFamily="49" charset="0"/>
+              </a:rPr>
+              <a:t> (char fichier[])</a:t>
+            </a:r>
+          </a:p>
+          <a:p>
+            <a:pPr>
+              <a:buNone/>
+            </a:pPr>
+            <a:r>
+              <a:rPr lang="fr-FR" sz="1200" dirty="0" err="1">
                 <a:latin typeface="Consolas" pitchFamily="49" charset="0"/>
                 <a:cs typeface="Consolas" pitchFamily="49" charset="0"/>
               </a:rPr>
               <a:t>int</a:t>
             </a:r>
             <a:r>
-              <a:rPr lang="fr-FR" sz="1200" dirty="0" smtClean="0">
+              <a:rPr lang="fr-FR" sz="1200" dirty="0">
                 <a:latin typeface="Consolas" pitchFamily="49" charset="0"/>
                 <a:cs typeface="Consolas" pitchFamily="49" charset="0"/>
               </a:rPr>
               <a:t> 		</a:t>
+            </a:r>
+            <a:r>
+              <a:rPr lang="fr-FR" sz="1200" dirty="0" err="1">
+                <a:latin typeface="Consolas" pitchFamily="49" charset="0"/>
+                <a:cs typeface="Consolas" pitchFamily="49" charset="0"/>
+              </a:rPr>
+              <a:t>afficheEvenements</a:t>
+            </a:r>
+            <a:r>
+              <a:rPr lang="fr-FR" sz="1200" dirty="0">
+                <a:latin typeface="Consolas" pitchFamily="49" charset="0"/>
+                <a:cs typeface="Consolas" pitchFamily="49" charset="0"/>
+              </a:rPr>
+              <a:t> (</a:t>
+            </a:r>
+            <a:r>
+              <a:rPr lang="fr-FR" sz="1200" dirty="0" err="1">
+                <a:latin typeface="Consolas" pitchFamily="49" charset="0"/>
+                <a:cs typeface="Consolas" pitchFamily="49" charset="0"/>
+              </a:rPr>
+              <a:t>Evenements</a:t>
+            </a:r>
+            <a:r>
+              <a:rPr lang="fr-FR" sz="1200" dirty="0">
+                <a:latin typeface="Consolas" pitchFamily="49" charset="0"/>
+                <a:cs typeface="Consolas" pitchFamily="49" charset="0"/>
+              </a:rPr>
+              <a:t> *</a:t>
+            </a:r>
+            <a:r>
+              <a:rPr lang="fr-FR" sz="1200" dirty="0" err="1">
+                <a:latin typeface="Consolas" pitchFamily="49" charset="0"/>
+                <a:cs typeface="Consolas" pitchFamily="49" charset="0"/>
+              </a:rPr>
+              <a:t>ev</a:t>
+            </a:r>
+            <a:r>
+              <a:rPr lang="fr-FR" sz="1200" dirty="0">
+                <a:latin typeface="Consolas" pitchFamily="49" charset="0"/>
+                <a:cs typeface="Consolas" pitchFamily="49" charset="0"/>
+              </a:rPr>
+              <a:t>)</a:t>
+            </a:r>
+          </a:p>
+          <a:p>
+            <a:pPr>
+              <a:buNone/>
+            </a:pPr>
+            <a:r>
+              <a:rPr lang="fr-FR" sz="1200" dirty="0" err="1" smtClean="0">
+                <a:latin typeface="Consolas" pitchFamily="49" charset="0"/>
+                <a:cs typeface="Consolas" pitchFamily="49" charset="0"/>
+              </a:rPr>
+              <a:t>int</a:t>
+            </a:r>
+            <a:r>
+              <a:rPr lang="fr-FR" sz="1200" dirty="0" smtClean="0">
+                <a:latin typeface="Consolas" pitchFamily="49" charset="0"/>
+                <a:cs typeface="Consolas" pitchFamily="49" charset="0"/>
+              </a:rPr>
+              <a:t> </a:t>
+            </a:r>
+            <a:r>
+              <a:rPr lang="fr-FR" sz="1200" dirty="0" smtClean="0">
+                <a:latin typeface="Consolas" pitchFamily="49" charset="0"/>
+                <a:cs typeface="Consolas" pitchFamily="49" charset="0"/>
+              </a:rPr>
+              <a:t>		</a:t>
             </a:r>
             <a:r>
               <a:rPr lang="fr-FR" sz="1200" dirty="0" err="1" smtClean="0">
@@ -4266,9 +4763,61 @@
           <a:lstStyle/>
           <a:p>
             <a:r>
+              <a:rPr lang="fr-FR" dirty="0" smtClean="0"/>
+              <a:t>Mickaël Rivollet, Thibault Lazert - UE LIF7 - Semestre printemps 2012 - Hexxagon</a:t>
+            </a:r>
+            <a:endParaRPr lang="fr-FR" dirty="0"/>
+          </a:p>
+        </p:txBody>
+      </p:sp>
+      <p:sp>
+        <p:nvSpPr>
+          <p:cNvPr id="2" name="Espace réservé de la date 1"/>
+          <p:cNvSpPr>
+            <a:spLocks noGrp="1"/>
+          </p:cNvSpPr>
+          <p:nvPr>
+            <p:ph type="dt" sz="half" idx="10"/>
+          </p:nvPr>
+        </p:nvSpPr>
+        <p:spPr/>
+        <p:txBody>
+          <a:bodyPr/>
+          <a:lstStyle/>
+          <a:p>
+            <a:r>
               <a:rPr lang="fr-FR" smtClean="0"/>
-              <a:t>Mickaël Rivollet, Thibault Lazert - UE LIF7 - Semestre printemps 2012 - Hexxagon</a:t>
-            </a:r>
+              <a:t>7 juin 2012</a:t>
+            </a:r>
+            <a:endParaRPr lang="fr-FR" dirty="0"/>
+          </a:p>
+        </p:txBody>
+      </p:sp>
+      <p:sp>
+        <p:nvSpPr>
+          <p:cNvPr id="6" name="Espace réservé du numéro de diapositive 5"/>
+          <p:cNvSpPr>
+            <a:spLocks noGrp="1"/>
+          </p:cNvSpPr>
+          <p:nvPr>
+            <p:ph type="sldNum" sz="quarter" idx="12"/>
+          </p:nvPr>
+        </p:nvSpPr>
+        <p:spPr/>
+        <p:txBody>
+          <a:bodyPr/>
+          <a:lstStyle/>
+          <a:p>
+            <a:fld id="{D1F1D131-41E1-4141-9181-81A171513161}" type="slidenum">
+              <a:rPr lang="fr-FR" sz="1200" smtClean="0">
+                <a:solidFill>
+                  <a:srgbClr val="8B8B8B"/>
+                </a:solidFill>
+                <a:latin typeface="Calibri"/>
+              </a:rPr>
+              <a:pPr/>
+              <a:t>10</a:t>
+            </a:fld>
             <a:endParaRPr lang="fr-FR" dirty="0"/>
           </a:p>
         </p:txBody>
@@ -4278,6 +4827,18 @@
   <p:clrMapOvr>
     <a:masterClrMapping/>
   </p:clrMapOvr>
+  <mc:AlternateContent xmlns:mc="http://schemas.openxmlformats.org/markup-compatibility/2006">
+    <mc:Choice xmlns:p14="http://schemas.microsoft.com/office/powerpoint/2010/main" Requires="p14">
+      <p:transition spd="slow" p14:dur="800">
+        <p14:honeycomb/>
+      </p:transition>
+    </mc:Choice>
+    <mc:Fallback>
+      <p:transition spd="slow">
+        <p:fade/>
+      </p:transition>
+    </mc:Fallback>
+  </mc:AlternateContent>
   <p:timing>
     <p:tnLst>
       <p:par>
@@ -4322,9 +4883,146 @@
           <a:p>
             <a:r>
               <a:rPr lang="fr-FR" dirty="0" smtClean="0"/>
-              <a:t>Aperçu du menu</a:t>
+              <a:t>Paramètres</a:t>
             </a:r>
             <a:endParaRPr lang="fr-FR" dirty="0"/>
+          </a:p>
+        </p:txBody>
+      </p:sp>
+      <p:sp>
+        <p:nvSpPr>
+          <p:cNvPr id="5" name="Espace réservé du contenu 4"/>
+          <p:cNvSpPr>
+            <a:spLocks noGrp="1"/>
+          </p:cNvSpPr>
+          <p:nvPr>
+            <p:ph idx="1"/>
+          </p:nvPr>
+        </p:nvSpPr>
+        <p:spPr>
+          <a:xfrm>
+            <a:off x="590872" y="1196752"/>
+            <a:ext cx="8229600" cy="5069160"/>
+          </a:xfrm>
+        </p:spPr>
+        <p:txBody>
+          <a:bodyPr>
+            <a:noAutofit/>
+          </a:bodyPr>
+          <a:lstStyle/>
+          <a:p>
+            <a:pPr>
+              <a:buNone/>
+            </a:pPr>
+            <a:endParaRPr lang="fr-FR" sz="1200" dirty="0" smtClean="0">
+              <a:latin typeface="Verdana" pitchFamily="34" charset="0"/>
+              <a:ea typeface="Verdana" pitchFamily="34" charset="0"/>
+              <a:cs typeface="Verdana" pitchFamily="34" charset="0"/>
+            </a:endParaRPr>
+          </a:p>
+          <a:p>
+            <a:pPr>
+              <a:buNone/>
+            </a:pPr>
+            <a:endParaRPr lang="fr-FR" sz="1200" dirty="0" smtClean="0">
+              <a:latin typeface="Verdana" pitchFamily="34" charset="0"/>
+              <a:ea typeface="Verdana" pitchFamily="34" charset="0"/>
+              <a:cs typeface="Verdana" pitchFamily="34" charset="0"/>
+            </a:endParaRPr>
+          </a:p>
+          <a:p>
+            <a:pPr>
+              <a:buNone/>
+            </a:pPr>
+            <a:endParaRPr lang="fr-FR" sz="1200" dirty="0">
+              <a:latin typeface="Verdana" pitchFamily="34" charset="0"/>
+              <a:ea typeface="Verdana" pitchFamily="34" charset="0"/>
+              <a:cs typeface="Verdana" pitchFamily="34" charset="0"/>
+            </a:endParaRPr>
+          </a:p>
+          <a:p>
+            <a:pPr>
+              <a:buNone/>
+            </a:pPr>
+            <a:endParaRPr lang="fr-FR" sz="1200" dirty="0" smtClean="0">
+              <a:latin typeface="Verdana" pitchFamily="34" charset="0"/>
+              <a:ea typeface="Verdana" pitchFamily="34" charset="0"/>
+              <a:cs typeface="Verdana" pitchFamily="34" charset="0"/>
+            </a:endParaRPr>
+          </a:p>
+          <a:p>
+            <a:pPr>
+              <a:buNone/>
+            </a:pPr>
+            <a:endParaRPr lang="fr-FR" sz="1200" dirty="0">
+              <a:latin typeface="Verdana" pitchFamily="34" charset="0"/>
+              <a:ea typeface="Verdana" pitchFamily="34" charset="0"/>
+              <a:cs typeface="Verdana" pitchFamily="34" charset="0"/>
+            </a:endParaRPr>
+          </a:p>
+          <a:p>
+            <a:pPr>
+              <a:buNone/>
+            </a:pPr>
+            <a:r>
+              <a:rPr lang="fr-FR" sz="1200" dirty="0" smtClean="0">
+                <a:latin typeface="Verdana" pitchFamily="34" charset="0"/>
+                <a:ea typeface="Verdana" pitchFamily="34" charset="0"/>
+                <a:cs typeface="Verdana" pitchFamily="34" charset="0"/>
+              </a:rPr>
+              <a:t>Le fichier contient les variables de préprocesseur avec les valeurs des paramètres.</a:t>
+            </a:r>
+          </a:p>
+          <a:p>
+            <a:pPr>
+              <a:buNone/>
+            </a:pPr>
+            <a:endParaRPr lang="fr-FR" sz="1200" dirty="0">
+              <a:latin typeface="Verdana" pitchFamily="34" charset="0"/>
+              <a:ea typeface="Verdana" pitchFamily="34" charset="0"/>
+              <a:cs typeface="Verdana" pitchFamily="34" charset="0"/>
+            </a:endParaRPr>
+          </a:p>
+          <a:p>
+            <a:pPr>
+              <a:buNone/>
+            </a:pPr>
+            <a:r>
+              <a:rPr lang="fr-FR" sz="1200" dirty="0" smtClean="0">
+                <a:latin typeface="Verdana" pitchFamily="34" charset="0"/>
+                <a:ea typeface="Verdana" pitchFamily="34" charset="0"/>
+                <a:cs typeface="Verdana" pitchFamily="34" charset="0"/>
+              </a:rPr>
+              <a:t>Les paramètres correspondent aux chemins vers les fichiers, ou aux options pour la compilation (sons, commentaires).</a:t>
+            </a:r>
+          </a:p>
+          <a:p>
+            <a:pPr>
+              <a:buNone/>
+            </a:pPr>
+            <a:endParaRPr lang="fr-FR" sz="1200" dirty="0">
+              <a:latin typeface="Verdana" pitchFamily="34" charset="0"/>
+              <a:ea typeface="Verdana" pitchFamily="34" charset="0"/>
+              <a:cs typeface="Verdana" pitchFamily="34" charset="0"/>
+            </a:endParaRPr>
+          </a:p>
+          <a:p>
+            <a:pPr>
+              <a:buNone/>
+            </a:pPr>
+            <a:r>
+              <a:rPr lang="fr-FR" sz="1200" dirty="0" smtClean="0">
+                <a:latin typeface="Verdana" pitchFamily="34" charset="0"/>
+                <a:ea typeface="Verdana" pitchFamily="34" charset="0"/>
+                <a:cs typeface="Verdana" pitchFamily="34" charset="0"/>
+              </a:rPr>
+              <a:t>Le fichier contient les variables fixés utilisés pour l’affichage.</a:t>
+            </a:r>
+            <a:endParaRPr lang="fr-FR" sz="1200" dirty="0">
+              <a:latin typeface="Verdana" pitchFamily="34" charset="0"/>
+              <a:ea typeface="Verdana" pitchFamily="34" charset="0"/>
+              <a:cs typeface="Verdana" pitchFamily="34" charset="0"/>
+            </a:endParaRPr>
           </a:p>
         </p:txBody>
       </p:sp>
@@ -4344,52 +5042,87 @@
           <a:lstStyle/>
           <a:p>
             <a:r>
+              <a:rPr lang="fr-FR" dirty="0" smtClean="0"/>
+              <a:t>Mickaël Rivollet, Thibault Lazert - UE LIF7 - Semestre printemps 2012 - Hexxagon</a:t>
+            </a:r>
+            <a:endParaRPr lang="fr-FR" dirty="0"/>
+          </a:p>
+        </p:txBody>
+      </p:sp>
+      <p:sp>
+        <p:nvSpPr>
+          <p:cNvPr id="2" name="Espace réservé de la date 1"/>
+          <p:cNvSpPr>
+            <a:spLocks noGrp="1"/>
+          </p:cNvSpPr>
+          <p:nvPr>
+            <p:ph type="dt" sz="half" idx="10"/>
+          </p:nvPr>
+        </p:nvSpPr>
+        <p:spPr/>
+        <p:txBody>
+          <a:bodyPr/>
+          <a:lstStyle/>
+          <a:p>
+            <a:r>
               <a:rPr lang="fr-FR" smtClean="0"/>
-              <a:t>Mickaël Rivollet, Thibault Lazert - UE LIF7 - Semestre printemps 2012 - Hexxagon</a:t>
+              <a:t>7 juin 2012</a:t>
             </a:r>
             <a:endParaRPr lang="fr-FR" dirty="0"/>
           </a:p>
         </p:txBody>
       </p:sp>
-      <p:pic>
-        <p:nvPicPr>
-          <p:cNvPr id="1026" name="Picture 2"/>
-          <p:cNvPicPr>
-            <a:picLocks noGrp="1" noChangeAspect="1" noChangeArrowheads="1"/>
-          </p:cNvPicPr>
-          <p:nvPr>
-            <p:ph idx="1"/>
-          </p:nvPr>
-        </p:nvPicPr>
-        <p:blipFill>
-          <a:blip r:embed="rId2" cstate="print"/>
-          <a:srcRect l="497" t="2836" r="1169" b="1984"/>
-          <a:stretch>
-            <a:fillRect/>
-          </a:stretch>
-        </p:blipFill>
-        <p:spPr bwMode="auto">
-          <a:xfrm>
-            <a:off x="971600" y="1340768"/>
-            <a:ext cx="7416824" cy="4824536"/>
-          </a:xfrm>
-          <a:prstGeom prst="rect">
-            <a:avLst/>
-          </a:prstGeom>
-          <a:noFill/>
-          <a:ln w="9525">
-            <a:noFill/>
-            <a:miter lim="800000"/>
-            <a:headEnd/>
-            <a:tailEnd/>
-          </a:ln>
-        </p:spPr>
-      </p:pic>
+      <p:sp>
+        <p:nvSpPr>
+          <p:cNvPr id="6" name="Espace réservé du numéro de diapositive 5"/>
+          <p:cNvSpPr>
+            <a:spLocks noGrp="1"/>
+          </p:cNvSpPr>
+          <p:nvPr>
+            <p:ph type="sldNum" sz="quarter" idx="12"/>
+          </p:nvPr>
+        </p:nvSpPr>
+        <p:spPr/>
+        <p:txBody>
+          <a:bodyPr/>
+          <a:lstStyle/>
+          <a:p>
+            <a:fld id="{D1F1D131-41E1-4141-9181-81A171513161}" type="slidenum">
+              <a:rPr lang="fr-FR" sz="1200" smtClean="0">
+                <a:solidFill>
+                  <a:srgbClr val="8B8B8B"/>
+                </a:solidFill>
+                <a:latin typeface="Calibri"/>
+              </a:rPr>
+              <a:pPr/>
+              <a:t>11</a:t>
+            </a:fld>
+            <a:endParaRPr lang="fr-FR" dirty="0"/>
+          </a:p>
+        </p:txBody>
+      </p:sp>
     </p:spTree>
+    <p:extLst>
+      <p:ext uri="{BB962C8B-B14F-4D97-AF65-F5344CB8AC3E}">
+        <p14:creationId xmlns:p14="http://schemas.microsoft.com/office/powerpoint/2010/main" val="550614223"/>
+      </p:ext>
+    </p:extLst>
   </p:cSld>
   <p:clrMapOvr>
     <a:masterClrMapping/>
   </p:clrMapOvr>
+  <mc:AlternateContent xmlns:mc="http://schemas.openxmlformats.org/markup-compatibility/2006">
+    <mc:Choice xmlns:p14="http://schemas.microsoft.com/office/powerpoint/2010/main" Requires="p14">
+      <p:transition spd="slow" p14:dur="800">
+        <p14:honeycomb/>
+      </p:transition>
+    </mc:Choice>
+    <mc:Fallback>
+      <p:transition spd="slow">
+        <p:fade/>
+      </p:transition>
+    </mc:Fallback>
+  </mc:AlternateContent>
   <p:timing>
     <p:tnLst>
       <p:par>
@@ -4434,9 +5167,132 @@
           <a:p>
             <a:r>
               <a:rPr lang="fr-FR" dirty="0" smtClean="0"/>
-              <a:t>Aperçu du jeu</a:t>
+              <a:t>Tâches</a:t>
             </a:r>
             <a:endParaRPr lang="fr-FR" dirty="0"/>
+          </a:p>
+        </p:txBody>
+      </p:sp>
+      <p:sp>
+        <p:nvSpPr>
+          <p:cNvPr id="5" name="Espace réservé du contenu 4"/>
+          <p:cNvSpPr>
+            <a:spLocks noGrp="1"/>
+          </p:cNvSpPr>
+          <p:nvPr>
+            <p:ph idx="1"/>
+          </p:nvPr>
+        </p:nvSpPr>
+        <p:spPr>
+          <a:xfrm>
+            <a:off x="590872" y="2636912"/>
+            <a:ext cx="8229600" cy="3629000"/>
+          </a:xfrm>
+        </p:spPr>
+        <p:txBody>
+          <a:bodyPr>
+            <a:noAutofit/>
+          </a:bodyPr>
+          <a:lstStyle/>
+          <a:p>
+            <a:pPr>
+              <a:spcAft>
+                <a:spcPts val="600"/>
+              </a:spcAft>
+            </a:pPr>
+            <a:r>
+              <a:rPr lang="fr-FR" sz="2000" dirty="0" smtClean="0">
+                <a:latin typeface="Verdana" pitchFamily="34" charset="0"/>
+                <a:ea typeface="Verdana" pitchFamily="34" charset="0"/>
+                <a:cs typeface="Verdana" pitchFamily="34" charset="0"/>
+              </a:rPr>
+              <a:t>Répartition des tâches au sein du groupe</a:t>
+            </a:r>
+          </a:p>
+          <a:p>
+            <a:pPr lvl="1">
+              <a:spcAft>
+                <a:spcPts val="600"/>
+              </a:spcAft>
+            </a:pPr>
+            <a:r>
+              <a:rPr lang="fr-FR" sz="1400" dirty="0" smtClean="0">
+                <a:latin typeface="Verdana" pitchFamily="34" charset="0"/>
+                <a:ea typeface="Verdana" pitchFamily="34" charset="0"/>
+                <a:cs typeface="Verdana" pitchFamily="34" charset="0"/>
+              </a:rPr>
+              <a:t>Répartition équitable au fur et à mesure</a:t>
+            </a:r>
+          </a:p>
+          <a:p>
+            <a:pPr lvl="1">
+              <a:spcAft>
+                <a:spcPts val="600"/>
+              </a:spcAft>
+            </a:pPr>
+            <a:r>
+              <a:rPr lang="fr-FR" sz="1400" dirty="0" smtClean="0">
+                <a:latin typeface="Verdana" pitchFamily="34" charset="0"/>
+                <a:ea typeface="Verdana" pitchFamily="34" charset="0"/>
+                <a:cs typeface="Verdana" pitchFamily="34" charset="0"/>
+              </a:rPr>
+              <a:t>Travail en parallèle grâce à SVN</a:t>
+            </a:r>
+          </a:p>
+          <a:p>
+            <a:pPr lvl="2">
+              <a:spcAft>
+                <a:spcPts val="600"/>
+              </a:spcAft>
+            </a:pPr>
+            <a:r>
+              <a:rPr lang="fr-FR" sz="1200" dirty="0" smtClean="0">
+                <a:latin typeface="Verdana" pitchFamily="34" charset="0"/>
+                <a:ea typeface="Verdana" pitchFamily="34" charset="0"/>
+                <a:cs typeface="Verdana" pitchFamily="34" charset="0"/>
+              </a:rPr>
+              <a:t>Travail sur le même fichier</a:t>
+            </a:r>
+          </a:p>
+          <a:p>
+            <a:pPr lvl="2">
+              <a:spcAft>
+                <a:spcPts val="600"/>
+              </a:spcAft>
+            </a:pPr>
+            <a:r>
+              <a:rPr lang="fr-FR" sz="1200" dirty="0" smtClean="0">
+                <a:latin typeface="Verdana" pitchFamily="34" charset="0"/>
+                <a:ea typeface="Verdana" pitchFamily="34" charset="0"/>
+                <a:cs typeface="Verdana" pitchFamily="34" charset="0"/>
+              </a:rPr>
+              <a:t>Historique des mises à jour</a:t>
+            </a:r>
+            <a:endParaRPr lang="fr-FR" sz="1200" dirty="0" smtClean="0">
+              <a:latin typeface="Verdana" pitchFamily="34" charset="0"/>
+              <a:ea typeface="Verdana" pitchFamily="34" charset="0"/>
+              <a:cs typeface="Verdana" pitchFamily="34" charset="0"/>
+            </a:endParaRPr>
+          </a:p>
+          <a:p>
+            <a:pPr lvl="1">
+              <a:spcAft>
+                <a:spcPts val="600"/>
+              </a:spcAft>
+            </a:pPr>
+            <a:r>
+              <a:rPr lang="fr-FR" sz="1400" dirty="0" smtClean="0">
+                <a:latin typeface="Verdana" pitchFamily="34" charset="0"/>
+                <a:ea typeface="Verdana" pitchFamily="34" charset="0"/>
+                <a:cs typeface="Verdana" pitchFamily="34" charset="0"/>
+              </a:rPr>
+              <a:t>Fichier « TODO » avec la liste des prochaines tâches</a:t>
+            </a:r>
+            <a:endParaRPr lang="fr-FR" sz="1400" dirty="0">
+              <a:latin typeface="Verdana" pitchFamily="34" charset="0"/>
+              <a:ea typeface="Verdana" pitchFamily="34" charset="0"/>
+              <a:cs typeface="Verdana" pitchFamily="34" charset="0"/>
+            </a:endParaRPr>
           </a:p>
         </p:txBody>
       </p:sp>
@@ -4456,7 +5312,655 @@
           <a:lstStyle/>
           <a:p>
             <a:r>
+              <a:rPr lang="fr-FR" dirty="0" smtClean="0"/>
+              <a:t>Mickaël Rivollet, Thibault Lazert - UE LIF7 - Semestre printemps 2012 - Hexxagon</a:t>
+            </a:r>
+            <a:endParaRPr lang="fr-FR" dirty="0"/>
+          </a:p>
+        </p:txBody>
+      </p:sp>
+      <p:sp>
+        <p:nvSpPr>
+          <p:cNvPr id="2" name="Espace réservé de la date 1"/>
+          <p:cNvSpPr>
+            <a:spLocks noGrp="1"/>
+          </p:cNvSpPr>
+          <p:nvPr>
+            <p:ph type="dt" sz="half" idx="10"/>
+          </p:nvPr>
+        </p:nvSpPr>
+        <p:spPr/>
+        <p:txBody>
+          <a:bodyPr/>
+          <a:lstStyle/>
+          <a:p>
+            <a:r>
               <a:rPr lang="fr-FR" smtClean="0"/>
+              <a:t>7 juin 2012</a:t>
+            </a:r>
+            <a:endParaRPr lang="fr-FR" dirty="0"/>
+          </a:p>
+        </p:txBody>
+      </p:sp>
+      <p:sp>
+        <p:nvSpPr>
+          <p:cNvPr id="6" name="Espace réservé du numéro de diapositive 5"/>
+          <p:cNvSpPr>
+            <a:spLocks noGrp="1"/>
+          </p:cNvSpPr>
+          <p:nvPr>
+            <p:ph type="sldNum" sz="quarter" idx="12"/>
+          </p:nvPr>
+        </p:nvSpPr>
+        <p:spPr/>
+        <p:txBody>
+          <a:bodyPr/>
+          <a:lstStyle/>
+          <a:p>
+            <a:fld id="{D1F1D131-41E1-4141-9181-81A171513161}" type="slidenum">
+              <a:rPr lang="fr-FR" sz="1200" smtClean="0">
+                <a:solidFill>
+                  <a:srgbClr val="8B8B8B"/>
+                </a:solidFill>
+                <a:latin typeface="Calibri"/>
+              </a:rPr>
+              <a:pPr/>
+              <a:t>12</a:t>
+            </a:fld>
+            <a:endParaRPr lang="fr-FR" dirty="0"/>
+          </a:p>
+        </p:txBody>
+      </p:sp>
+    </p:spTree>
+    <p:extLst>
+      <p:ext uri="{BB962C8B-B14F-4D97-AF65-F5344CB8AC3E}">
+        <p14:creationId xmlns:p14="http://schemas.microsoft.com/office/powerpoint/2010/main" val="2431959646"/>
+      </p:ext>
+    </p:extLst>
+  </p:cSld>
+  <p:clrMapOvr>
+    <a:masterClrMapping/>
+  </p:clrMapOvr>
+  <mc:AlternateContent xmlns:mc="http://schemas.openxmlformats.org/markup-compatibility/2006">
+    <mc:Choice xmlns:p14="http://schemas.microsoft.com/office/powerpoint/2010/main" Requires="p14">
+      <p:transition spd="slow" p14:dur="800">
+        <p14:honeycomb/>
+      </p:transition>
+    </mc:Choice>
+    <mc:Fallback>
+      <p:transition spd="slow">
+        <p:fade/>
+      </p:transition>
+    </mc:Fallback>
+  </mc:AlternateContent>
+  <p:timing>
+    <p:tnLst>
+      <p:par>
+        <p:cTn id="1" dur="indefinite" restart="never" nodeType="tmRoot"/>
+      </p:par>
+    </p:tnLst>
+  </p:timing>
+</p:sld>
+</file>
+
+<file path=ppt/slides/slide13.xml><?xml version="1.0" encoding="utf-8"?>
+<p:sld xmlns:a="http://schemas.openxmlformats.org/drawingml/2006/main" xmlns:r="http://schemas.openxmlformats.org/officeDocument/2006/relationships" xmlns:p="http://schemas.openxmlformats.org/presentationml/2006/main">
+  <p:cSld>
+    <p:spTree>
+      <p:nvGrpSpPr>
+        <p:cNvPr id="1" name=""/>
+        <p:cNvGrpSpPr/>
+        <p:nvPr/>
+      </p:nvGrpSpPr>
+      <p:grpSpPr>
+        <a:xfrm>
+          <a:off x="0" y="0"/>
+          <a:ext cx="0" cy="0"/>
+          <a:chOff x="0" y="0"/>
+          <a:chExt cx="0" cy="0"/>
+        </a:xfrm>
+      </p:grpSpPr>
+      <p:sp>
+        <p:nvSpPr>
+          <p:cNvPr id="4" name="Titre 3"/>
+          <p:cNvSpPr>
+            <a:spLocks noGrp="1"/>
+          </p:cNvSpPr>
+          <p:nvPr>
+            <p:ph type="title"/>
+          </p:nvPr>
+        </p:nvSpPr>
+        <p:spPr/>
+        <p:txBody>
+          <a:bodyPr/>
+          <a:lstStyle/>
+          <a:p>
+            <a:r>
+              <a:rPr lang="fr-FR" dirty="0" smtClean="0"/>
+              <a:t>Fonctionnalités</a:t>
+            </a:r>
+            <a:endParaRPr lang="fr-FR" dirty="0"/>
+          </a:p>
+        </p:txBody>
+      </p:sp>
+      <p:sp>
+        <p:nvSpPr>
+          <p:cNvPr id="5" name="Espace réservé du contenu 4"/>
+          <p:cNvSpPr>
+            <a:spLocks noGrp="1"/>
+          </p:cNvSpPr>
+          <p:nvPr>
+            <p:ph idx="1"/>
+          </p:nvPr>
+        </p:nvSpPr>
+        <p:spPr>
+          <a:xfrm>
+            <a:off x="590872" y="1700808"/>
+            <a:ext cx="8229600" cy="4565104"/>
+          </a:xfrm>
+        </p:spPr>
+        <p:txBody>
+          <a:bodyPr>
+            <a:noAutofit/>
+          </a:bodyPr>
+          <a:lstStyle/>
+          <a:p>
+            <a:r>
+              <a:rPr lang="fr-FR" sz="2400" dirty="0" smtClean="0">
+                <a:latin typeface="Verdana" pitchFamily="34" charset="0"/>
+                <a:ea typeface="Verdana" pitchFamily="34" charset="0"/>
+                <a:cs typeface="Verdana" pitchFamily="34" charset="0"/>
+              </a:rPr>
+              <a:t>Les possibilités de l’utilisateur :</a:t>
+            </a:r>
+          </a:p>
+          <a:p>
+            <a:pPr lvl="1">
+              <a:spcAft>
+                <a:spcPts val="600"/>
+              </a:spcAft>
+            </a:pPr>
+            <a:r>
+              <a:rPr lang="fr-FR" sz="1600" dirty="0" smtClean="0">
+                <a:latin typeface="Verdana" pitchFamily="34" charset="0"/>
+                <a:ea typeface="Verdana" pitchFamily="34" charset="0"/>
+                <a:cs typeface="Verdana" pitchFamily="34" charset="0"/>
+              </a:rPr>
+              <a:t>Choix du plateau </a:t>
+            </a:r>
+            <a:r>
+              <a:rPr lang="fr-FR" sz="1600" smtClean="0">
+                <a:latin typeface="Verdana" pitchFamily="34" charset="0"/>
+                <a:ea typeface="Verdana" pitchFamily="34" charset="0"/>
+                <a:cs typeface="Verdana" pitchFamily="34" charset="0"/>
+              </a:rPr>
+              <a:t>parmi quatre</a:t>
+            </a:r>
+            <a:endParaRPr lang="fr-FR" sz="1600" dirty="0" smtClean="0">
+              <a:latin typeface="Verdana" pitchFamily="34" charset="0"/>
+              <a:ea typeface="Verdana" pitchFamily="34" charset="0"/>
+              <a:cs typeface="Verdana" pitchFamily="34" charset="0"/>
+            </a:endParaRPr>
+          </a:p>
+          <a:p>
+            <a:pPr lvl="1">
+              <a:spcAft>
+                <a:spcPts val="600"/>
+              </a:spcAft>
+            </a:pPr>
+            <a:r>
+              <a:rPr lang="fr-FR" sz="1600" dirty="0" smtClean="0">
+                <a:latin typeface="Verdana" pitchFamily="34" charset="0"/>
+                <a:ea typeface="Verdana" pitchFamily="34" charset="0"/>
+                <a:cs typeface="Verdana" pitchFamily="34" charset="0"/>
+              </a:rPr>
+              <a:t>Choix du mode de jeu</a:t>
+            </a:r>
+          </a:p>
+          <a:p>
+            <a:pPr lvl="2">
+              <a:spcAft>
+                <a:spcPts val="600"/>
+              </a:spcAft>
+            </a:pPr>
+            <a:r>
+              <a:rPr lang="fr-FR" sz="1400" dirty="0" smtClean="0">
+                <a:latin typeface="Verdana" pitchFamily="34" charset="0"/>
+                <a:ea typeface="Verdana" pitchFamily="34" charset="0"/>
+                <a:cs typeface="Verdana" pitchFamily="34" charset="0"/>
+              </a:rPr>
+              <a:t>Contre un autre joueur</a:t>
+            </a:r>
+          </a:p>
+          <a:p>
+            <a:pPr lvl="2">
+              <a:spcAft>
+                <a:spcPts val="600"/>
+              </a:spcAft>
+            </a:pPr>
+            <a:r>
+              <a:rPr lang="fr-FR" sz="1400" dirty="0" smtClean="0">
+                <a:latin typeface="Verdana" pitchFamily="34" charset="0"/>
+                <a:ea typeface="Verdana" pitchFamily="34" charset="0"/>
+                <a:cs typeface="Verdana" pitchFamily="34" charset="0"/>
+              </a:rPr>
+              <a:t>Contre </a:t>
+            </a:r>
+            <a:r>
+              <a:rPr lang="fr-FR" sz="1400" dirty="0">
+                <a:latin typeface="Verdana" pitchFamily="34" charset="0"/>
+                <a:ea typeface="Verdana" pitchFamily="34" charset="0"/>
+                <a:cs typeface="Verdana" pitchFamily="34" charset="0"/>
+              </a:rPr>
+              <a:t>l’ordinateur (</a:t>
+            </a:r>
+            <a:r>
+              <a:rPr lang="fr-FR" sz="1400" dirty="0" smtClean="0">
+                <a:latin typeface="Verdana" pitchFamily="34" charset="0"/>
+                <a:ea typeface="Verdana" pitchFamily="34" charset="0"/>
+                <a:cs typeface="Verdana" pitchFamily="34" charset="0"/>
+              </a:rPr>
+              <a:t>différents niveaux</a:t>
+            </a:r>
+            <a:r>
+              <a:rPr lang="fr-FR" sz="1400" dirty="0">
+                <a:latin typeface="Verdana" pitchFamily="34" charset="0"/>
+                <a:ea typeface="Verdana" pitchFamily="34" charset="0"/>
+                <a:cs typeface="Verdana" pitchFamily="34" charset="0"/>
+              </a:rPr>
+              <a:t>)</a:t>
+            </a:r>
+            <a:endParaRPr lang="fr-FR" sz="1400" dirty="0" smtClean="0">
+              <a:latin typeface="Verdana" pitchFamily="34" charset="0"/>
+              <a:ea typeface="Verdana" pitchFamily="34" charset="0"/>
+              <a:cs typeface="Verdana" pitchFamily="34" charset="0"/>
+            </a:endParaRPr>
+          </a:p>
+          <a:p>
+            <a:pPr lvl="1">
+              <a:spcAft>
+                <a:spcPts val="600"/>
+              </a:spcAft>
+            </a:pPr>
+            <a:r>
+              <a:rPr lang="fr-FR" sz="1600" dirty="0" smtClean="0">
+                <a:latin typeface="Verdana" pitchFamily="34" charset="0"/>
+                <a:ea typeface="Verdana" pitchFamily="34" charset="0"/>
+                <a:cs typeface="Verdana" pitchFamily="34" charset="0"/>
+              </a:rPr>
+              <a:t>Fonction de sauvegarde de la partie en cours</a:t>
+            </a:r>
+          </a:p>
+          <a:p>
+            <a:pPr lvl="1">
+              <a:spcAft>
+                <a:spcPts val="600"/>
+              </a:spcAft>
+            </a:pPr>
+            <a:r>
+              <a:rPr lang="fr-FR" sz="1600" dirty="0" smtClean="0">
+                <a:latin typeface="Verdana" pitchFamily="34" charset="0"/>
+                <a:ea typeface="Verdana" pitchFamily="34" charset="0"/>
+                <a:cs typeface="Verdana" pitchFamily="34" charset="0"/>
+              </a:rPr>
+              <a:t>Fonction d’aide pendant le jeu</a:t>
+            </a:r>
+            <a:endParaRPr lang="fr-FR" sz="1600" dirty="0" smtClean="0">
+              <a:latin typeface="Verdana" pitchFamily="34" charset="0"/>
+              <a:ea typeface="Verdana" pitchFamily="34" charset="0"/>
+              <a:cs typeface="Verdana" pitchFamily="34" charset="0"/>
+            </a:endParaRPr>
+          </a:p>
+          <a:p>
+            <a:pPr lvl="1"/>
+            <a:endParaRPr lang="fr-FR" sz="1500" dirty="0">
+              <a:latin typeface="Verdana" pitchFamily="34" charset="0"/>
+              <a:ea typeface="Verdana" pitchFamily="34" charset="0"/>
+              <a:cs typeface="Verdana" pitchFamily="34" charset="0"/>
+            </a:endParaRPr>
+          </a:p>
+        </p:txBody>
+      </p:sp>
+      <p:sp>
+        <p:nvSpPr>
+          <p:cNvPr id="3" name="Espace réservé du pied de page 2"/>
+          <p:cNvSpPr>
+            <a:spLocks noGrp="1"/>
+          </p:cNvSpPr>
+          <p:nvPr>
+            <p:ph type="ftr" sz="quarter" idx="11"/>
+          </p:nvPr>
+        </p:nvSpPr>
+        <p:spPr/>
+        <p:txBody>
+          <a:bodyPr/>
+          <a:lstStyle/>
+          <a:p>
+            <a:r>
+              <a:rPr lang="fr-FR" dirty="0" smtClean="0"/>
+              <a:t>Mickaël Rivollet, Thibault Lazert - UE LIF7 - Semestre printemps 2012 - Hexxagon</a:t>
+            </a:r>
+            <a:endParaRPr lang="fr-FR" dirty="0"/>
+          </a:p>
+        </p:txBody>
+      </p:sp>
+      <p:sp>
+        <p:nvSpPr>
+          <p:cNvPr id="2" name="Espace réservé de la date 1"/>
+          <p:cNvSpPr>
+            <a:spLocks noGrp="1"/>
+          </p:cNvSpPr>
+          <p:nvPr>
+            <p:ph type="dt" sz="half" idx="10"/>
+          </p:nvPr>
+        </p:nvSpPr>
+        <p:spPr/>
+        <p:txBody>
+          <a:bodyPr/>
+          <a:lstStyle/>
+          <a:p>
+            <a:r>
+              <a:rPr lang="fr-FR" smtClean="0"/>
+              <a:t>7 juin 2012</a:t>
+            </a:r>
+            <a:endParaRPr lang="fr-FR" dirty="0"/>
+          </a:p>
+        </p:txBody>
+      </p:sp>
+      <p:sp>
+        <p:nvSpPr>
+          <p:cNvPr id="6" name="Espace réservé du numéro de diapositive 5"/>
+          <p:cNvSpPr>
+            <a:spLocks noGrp="1"/>
+          </p:cNvSpPr>
+          <p:nvPr>
+            <p:ph type="sldNum" sz="quarter" idx="12"/>
+          </p:nvPr>
+        </p:nvSpPr>
+        <p:spPr/>
+        <p:txBody>
+          <a:bodyPr/>
+          <a:lstStyle/>
+          <a:p>
+            <a:fld id="{D1F1D131-41E1-4141-9181-81A171513161}" type="slidenum">
+              <a:rPr lang="fr-FR" sz="1200" smtClean="0">
+                <a:solidFill>
+                  <a:srgbClr val="8B8B8B"/>
+                </a:solidFill>
+                <a:latin typeface="Calibri"/>
+              </a:rPr>
+              <a:pPr/>
+              <a:t>13</a:t>
+            </a:fld>
+            <a:endParaRPr lang="fr-FR" dirty="0"/>
+          </a:p>
+        </p:txBody>
+      </p:sp>
+    </p:spTree>
+    <p:extLst>
+      <p:ext uri="{BB962C8B-B14F-4D97-AF65-F5344CB8AC3E}">
+        <p14:creationId xmlns:p14="http://schemas.microsoft.com/office/powerpoint/2010/main" val="353008338"/>
+      </p:ext>
+    </p:extLst>
+  </p:cSld>
+  <p:clrMapOvr>
+    <a:masterClrMapping/>
+  </p:clrMapOvr>
+  <mc:AlternateContent xmlns:mc="http://schemas.openxmlformats.org/markup-compatibility/2006">
+    <mc:Choice xmlns:p14="http://schemas.microsoft.com/office/powerpoint/2010/main" Requires="p14">
+      <p:transition spd="slow" p14:dur="800">
+        <p14:honeycomb/>
+      </p:transition>
+    </mc:Choice>
+    <mc:Fallback>
+      <p:transition spd="slow">
+        <p:fade/>
+      </p:transition>
+    </mc:Fallback>
+  </mc:AlternateContent>
+  <p:timing>
+    <p:tnLst>
+      <p:par>
+        <p:cTn id="1" dur="indefinite" restart="never" nodeType="tmRoot"/>
+      </p:par>
+    </p:tnLst>
+  </p:timing>
+</p:sld>
+</file>
+
+<file path=ppt/slides/slide14.xml><?xml version="1.0" encoding="utf-8"?>
+<p:sld xmlns:a="http://schemas.openxmlformats.org/drawingml/2006/main" xmlns:r="http://schemas.openxmlformats.org/officeDocument/2006/relationships" xmlns:p="http://schemas.openxmlformats.org/presentationml/2006/main">
+  <p:cSld>
+    <p:spTree>
+      <p:nvGrpSpPr>
+        <p:cNvPr id="1" name=""/>
+        <p:cNvGrpSpPr/>
+        <p:nvPr/>
+      </p:nvGrpSpPr>
+      <p:grpSpPr>
+        <a:xfrm>
+          <a:off x="0" y="0"/>
+          <a:ext cx="0" cy="0"/>
+          <a:chOff x="0" y="0"/>
+          <a:chExt cx="0" cy="0"/>
+        </a:xfrm>
+      </p:grpSpPr>
+      <p:sp>
+        <p:nvSpPr>
+          <p:cNvPr id="4" name="Titre 3"/>
+          <p:cNvSpPr>
+            <a:spLocks noGrp="1"/>
+          </p:cNvSpPr>
+          <p:nvPr>
+            <p:ph type="title"/>
+          </p:nvPr>
+        </p:nvSpPr>
+        <p:spPr/>
+        <p:txBody>
+          <a:bodyPr/>
+          <a:lstStyle/>
+          <a:p>
+            <a:r>
+              <a:rPr lang="fr-FR" dirty="0" smtClean="0"/>
+              <a:t>Aperçu du menu</a:t>
+            </a:r>
+            <a:endParaRPr lang="fr-FR" dirty="0"/>
+          </a:p>
+        </p:txBody>
+      </p:sp>
+      <p:sp>
+        <p:nvSpPr>
+          <p:cNvPr id="3" name="Espace réservé du pied de page 2"/>
+          <p:cNvSpPr>
+            <a:spLocks noGrp="1"/>
+          </p:cNvSpPr>
+          <p:nvPr>
+            <p:ph type="ftr" sz="quarter" idx="11"/>
+          </p:nvPr>
+        </p:nvSpPr>
+        <p:spPr/>
+        <p:txBody>
+          <a:bodyPr/>
+          <a:lstStyle/>
+          <a:p>
+            <a:r>
+              <a:rPr lang="fr-FR" dirty="0" smtClean="0"/>
+              <a:t>Mickaël Rivollet, Thibault Lazert - UE LIF7 - Semestre printemps 2012 - Hexxagon</a:t>
+            </a:r>
+            <a:endParaRPr lang="fr-FR" dirty="0"/>
+          </a:p>
+        </p:txBody>
+      </p:sp>
+      <p:pic>
+        <p:nvPicPr>
+          <p:cNvPr id="1026" name="Picture 2"/>
+          <p:cNvPicPr>
+            <a:picLocks noGrp="1" noChangeAspect="1" noChangeArrowheads="1"/>
+          </p:cNvPicPr>
+          <p:nvPr>
+            <p:ph idx="1"/>
+          </p:nvPr>
+        </p:nvPicPr>
+        <p:blipFill>
+          <a:blip r:embed="rId2" cstate="print"/>
+          <a:srcRect l="497" t="2836" r="1169" b="1984"/>
+          <a:stretch>
+            <a:fillRect/>
+          </a:stretch>
+        </p:blipFill>
+        <p:spPr bwMode="auto">
+          <a:xfrm>
+            <a:off x="971600" y="1340768"/>
+            <a:ext cx="7416824" cy="4824536"/>
+          </a:xfrm>
+          <a:prstGeom prst="rect">
+            <a:avLst/>
+          </a:prstGeom>
+          <a:noFill/>
+          <a:ln w="9525">
+            <a:noFill/>
+            <a:miter lim="800000"/>
+            <a:headEnd/>
+            <a:tailEnd/>
+          </a:ln>
+        </p:spPr>
+      </p:pic>
+      <p:sp>
+        <p:nvSpPr>
+          <p:cNvPr id="2" name="Espace réservé de la date 1"/>
+          <p:cNvSpPr>
+            <a:spLocks noGrp="1"/>
+          </p:cNvSpPr>
+          <p:nvPr>
+            <p:ph type="dt" sz="half" idx="10"/>
+          </p:nvPr>
+        </p:nvSpPr>
+        <p:spPr/>
+        <p:txBody>
+          <a:bodyPr/>
+          <a:lstStyle/>
+          <a:p>
+            <a:r>
+              <a:rPr lang="fr-FR" smtClean="0"/>
+              <a:t>7 juin 2012</a:t>
+            </a:r>
+            <a:endParaRPr lang="fr-FR" dirty="0"/>
+          </a:p>
+        </p:txBody>
+      </p:sp>
+      <p:sp>
+        <p:nvSpPr>
+          <p:cNvPr id="5" name="Espace réservé du numéro de diapositive 4"/>
+          <p:cNvSpPr>
+            <a:spLocks noGrp="1"/>
+          </p:cNvSpPr>
+          <p:nvPr>
+            <p:ph type="sldNum" sz="quarter" idx="12"/>
+          </p:nvPr>
+        </p:nvSpPr>
+        <p:spPr/>
+        <p:txBody>
+          <a:bodyPr/>
+          <a:lstStyle/>
+          <a:p>
+            <a:fld id="{D1F1D131-41E1-4141-9181-81A171513161}" type="slidenum">
+              <a:rPr lang="fr-FR" sz="1200" smtClean="0">
+                <a:solidFill>
+                  <a:srgbClr val="8B8B8B"/>
+                </a:solidFill>
+                <a:latin typeface="Calibri"/>
+              </a:rPr>
+              <a:pPr/>
+              <a:t>14</a:t>
+            </a:fld>
+            <a:endParaRPr lang="fr-FR" dirty="0"/>
+          </a:p>
+        </p:txBody>
+      </p:sp>
+    </p:spTree>
+  </p:cSld>
+  <p:clrMapOvr>
+    <a:masterClrMapping/>
+  </p:clrMapOvr>
+  <mc:AlternateContent xmlns:mc="http://schemas.openxmlformats.org/markup-compatibility/2006">
+    <mc:Choice xmlns:p14="http://schemas.microsoft.com/office/powerpoint/2010/main" Requires="p14">
+      <p:transition spd="slow" p14:dur="800">
+        <p14:honeycomb/>
+      </p:transition>
+    </mc:Choice>
+    <mc:Fallback>
+      <p:transition spd="slow">
+        <p:fade/>
+      </p:transition>
+    </mc:Fallback>
+  </mc:AlternateContent>
+  <p:timing>
+    <p:tnLst>
+      <p:par>
+        <p:cTn id="1" dur="indefinite" restart="never" nodeType="tmRoot"/>
+      </p:par>
+    </p:tnLst>
+  </p:timing>
+</p:sld>
+</file>
+
+<file path=ppt/slides/slide15.xml><?xml version="1.0" encoding="utf-8"?>
+<p:sld xmlns:a="http://schemas.openxmlformats.org/drawingml/2006/main" xmlns:r="http://schemas.openxmlformats.org/officeDocument/2006/relationships" xmlns:p="http://schemas.openxmlformats.org/presentationml/2006/main">
+  <p:cSld>
+    <p:spTree>
+      <p:nvGrpSpPr>
+        <p:cNvPr id="1" name=""/>
+        <p:cNvGrpSpPr/>
+        <p:nvPr/>
+      </p:nvGrpSpPr>
+      <p:grpSpPr>
+        <a:xfrm>
+          <a:off x="0" y="0"/>
+          <a:ext cx="0" cy="0"/>
+          <a:chOff x="0" y="0"/>
+          <a:chExt cx="0" cy="0"/>
+        </a:xfrm>
+      </p:grpSpPr>
+      <p:sp>
+        <p:nvSpPr>
+          <p:cNvPr id="4" name="Titre 3"/>
+          <p:cNvSpPr>
+            <a:spLocks noGrp="1"/>
+          </p:cNvSpPr>
+          <p:nvPr>
+            <p:ph type="title"/>
+          </p:nvPr>
+        </p:nvSpPr>
+        <p:spPr/>
+        <p:txBody>
+          <a:bodyPr/>
+          <a:lstStyle/>
+          <a:p>
+            <a:r>
+              <a:rPr lang="fr-FR" dirty="0" smtClean="0"/>
+              <a:t>Aperçu du jeu</a:t>
+            </a:r>
+            <a:endParaRPr lang="fr-FR" dirty="0"/>
+          </a:p>
+        </p:txBody>
+      </p:sp>
+      <p:sp>
+        <p:nvSpPr>
+          <p:cNvPr id="3" name="Espace réservé du pied de page 2"/>
+          <p:cNvSpPr>
+            <a:spLocks noGrp="1"/>
+          </p:cNvSpPr>
+          <p:nvPr>
+            <p:ph type="ftr" sz="quarter" idx="11"/>
+          </p:nvPr>
+        </p:nvSpPr>
+        <p:spPr/>
+        <p:txBody>
+          <a:bodyPr/>
+          <a:lstStyle/>
+          <a:p>
+            <a:r>
+              <a:rPr lang="fr-FR" dirty="0" smtClean="0"/>
               <a:t>Mickaël Rivollet, Thibault Lazert - UE LIF7 - Semestre printemps 2012 - Hexxagon</a:t>
             </a:r>
             <a:endParaRPr lang="fr-FR" dirty="0"/>
@@ -4497,11 +6001,405 @@
           </a:ln>
         </p:spPr>
       </p:pic>
+      <p:sp>
+        <p:nvSpPr>
+          <p:cNvPr id="2" name="Espace réservé de la date 1"/>
+          <p:cNvSpPr>
+            <a:spLocks noGrp="1"/>
+          </p:cNvSpPr>
+          <p:nvPr>
+            <p:ph type="dt" sz="half" idx="10"/>
+          </p:nvPr>
+        </p:nvSpPr>
+        <p:spPr/>
+        <p:txBody>
+          <a:bodyPr/>
+          <a:lstStyle/>
+          <a:p>
+            <a:r>
+              <a:rPr lang="fr-FR" smtClean="0"/>
+              <a:t>7 juin 2012</a:t>
+            </a:r>
+            <a:endParaRPr lang="fr-FR" dirty="0"/>
+          </a:p>
+        </p:txBody>
+      </p:sp>
+      <p:sp>
+        <p:nvSpPr>
+          <p:cNvPr id="5" name="Espace réservé du numéro de diapositive 4"/>
+          <p:cNvSpPr>
+            <a:spLocks noGrp="1"/>
+          </p:cNvSpPr>
+          <p:nvPr>
+            <p:ph type="sldNum" sz="quarter" idx="12"/>
+          </p:nvPr>
+        </p:nvSpPr>
+        <p:spPr/>
+        <p:txBody>
+          <a:bodyPr/>
+          <a:lstStyle/>
+          <a:p>
+            <a:fld id="{D1F1D131-41E1-4141-9181-81A171513161}" type="slidenum">
+              <a:rPr lang="fr-FR" sz="1200" smtClean="0">
+                <a:solidFill>
+                  <a:srgbClr val="8B8B8B"/>
+                </a:solidFill>
+                <a:latin typeface="Calibri"/>
+              </a:rPr>
+              <a:pPr/>
+              <a:t>15</a:t>
+            </a:fld>
+            <a:endParaRPr lang="fr-FR" dirty="0"/>
+          </a:p>
+        </p:txBody>
+      </p:sp>
     </p:spTree>
   </p:cSld>
   <p:clrMapOvr>
     <a:masterClrMapping/>
   </p:clrMapOvr>
+  <mc:AlternateContent xmlns:mc="http://schemas.openxmlformats.org/markup-compatibility/2006">
+    <mc:Choice xmlns:p14="http://schemas.microsoft.com/office/powerpoint/2010/main" Requires="p14">
+      <p:transition spd="slow" p14:dur="800">
+        <p14:honeycomb/>
+      </p:transition>
+    </mc:Choice>
+    <mc:Fallback>
+      <p:transition spd="slow">
+        <p:fade/>
+      </p:transition>
+    </mc:Fallback>
+  </mc:AlternateContent>
+  <p:timing>
+    <p:tnLst>
+      <p:par>
+        <p:cTn id="1" dur="indefinite" restart="never" nodeType="tmRoot"/>
+      </p:par>
+    </p:tnLst>
+  </p:timing>
+</p:sld>
+</file>
+
+<file path=ppt/slides/slide16.xml><?xml version="1.0" encoding="utf-8"?>
+<p:sld xmlns:a="http://schemas.openxmlformats.org/drawingml/2006/main" xmlns:r="http://schemas.openxmlformats.org/officeDocument/2006/relationships" xmlns:p="http://schemas.openxmlformats.org/presentationml/2006/main">
+  <p:cSld>
+    <p:spTree>
+      <p:nvGrpSpPr>
+        <p:cNvPr id="1" name=""/>
+        <p:cNvGrpSpPr/>
+        <p:nvPr/>
+      </p:nvGrpSpPr>
+      <p:grpSpPr>
+        <a:xfrm>
+          <a:off x="0" y="0"/>
+          <a:ext cx="0" cy="0"/>
+          <a:chOff x="0" y="0"/>
+          <a:chExt cx="0" cy="0"/>
+        </a:xfrm>
+      </p:grpSpPr>
+      <p:sp>
+        <p:nvSpPr>
+          <p:cNvPr id="2" name="Titre 1"/>
+          <p:cNvSpPr>
+            <a:spLocks noGrp="1"/>
+          </p:cNvSpPr>
+          <p:nvPr>
+            <p:ph type="title"/>
+          </p:nvPr>
+        </p:nvSpPr>
+        <p:spPr>
+          <a:xfrm>
+            <a:off x="395536" y="2636912"/>
+            <a:ext cx="8229600" cy="1143000"/>
+          </a:xfrm>
+        </p:spPr>
+        <p:txBody>
+          <a:bodyPr/>
+          <a:lstStyle/>
+          <a:p>
+            <a:r>
+              <a:rPr lang="fr-FR" dirty="0" smtClean="0"/>
+              <a:t>Merci de votre attention</a:t>
+            </a:r>
+            <a:endParaRPr lang="fr-FR" dirty="0"/>
+          </a:p>
+        </p:txBody>
+      </p:sp>
+      <p:sp>
+        <p:nvSpPr>
+          <p:cNvPr id="4" name="Espace réservé de la date 3"/>
+          <p:cNvSpPr>
+            <a:spLocks noGrp="1"/>
+          </p:cNvSpPr>
+          <p:nvPr>
+            <p:ph type="dt" sz="half" idx="10"/>
+          </p:nvPr>
+        </p:nvSpPr>
+        <p:spPr/>
+        <p:txBody>
+          <a:bodyPr/>
+          <a:lstStyle/>
+          <a:p>
+            <a:r>
+              <a:rPr lang="fr-FR" smtClean="0"/>
+              <a:t>7 juin 2012</a:t>
+            </a:r>
+            <a:endParaRPr lang="fr-FR" dirty="0"/>
+          </a:p>
+        </p:txBody>
+      </p:sp>
+      <p:sp>
+        <p:nvSpPr>
+          <p:cNvPr id="5" name="Espace réservé du pied de page 4"/>
+          <p:cNvSpPr>
+            <a:spLocks noGrp="1"/>
+          </p:cNvSpPr>
+          <p:nvPr>
+            <p:ph type="ftr" sz="quarter" idx="11"/>
+          </p:nvPr>
+        </p:nvSpPr>
+        <p:spPr/>
+        <p:txBody>
+          <a:bodyPr/>
+          <a:lstStyle/>
+          <a:p>
+            <a:r>
+              <a:rPr lang="fr-FR" smtClean="0"/>
+              <a:t>Mickaël Rivollet, Thibault Lazert - UE LIF7 - Semestre printemps 2012 - Hexxagon</a:t>
+            </a:r>
+            <a:endParaRPr lang="fr-FR" dirty="0"/>
+          </a:p>
+        </p:txBody>
+      </p:sp>
+      <p:sp>
+        <p:nvSpPr>
+          <p:cNvPr id="6" name="Espace réservé du numéro de diapositive 5"/>
+          <p:cNvSpPr>
+            <a:spLocks noGrp="1"/>
+          </p:cNvSpPr>
+          <p:nvPr>
+            <p:ph type="sldNum" sz="quarter" idx="12"/>
+          </p:nvPr>
+        </p:nvSpPr>
+        <p:spPr/>
+        <p:txBody>
+          <a:bodyPr/>
+          <a:lstStyle/>
+          <a:p>
+            <a:fld id="{D1F1D131-41E1-4141-9181-81A171513161}" type="slidenum">
+              <a:rPr lang="fr-FR" sz="1200" smtClean="0">
+                <a:solidFill>
+                  <a:srgbClr val="8B8B8B"/>
+                </a:solidFill>
+                <a:latin typeface="Calibri"/>
+              </a:rPr>
+              <a:pPr/>
+              <a:t>16</a:t>
+            </a:fld>
+            <a:endParaRPr lang="fr-FR" dirty="0"/>
+          </a:p>
+        </p:txBody>
+      </p:sp>
+    </p:spTree>
+    <p:extLst>
+      <p:ext uri="{BB962C8B-B14F-4D97-AF65-F5344CB8AC3E}">
+        <p14:creationId xmlns:p14="http://schemas.microsoft.com/office/powerpoint/2010/main" val="230228527"/>
+      </p:ext>
+    </p:extLst>
+  </p:cSld>
+  <p:clrMapOvr>
+    <a:masterClrMapping/>
+  </p:clrMapOvr>
+  <mc:AlternateContent xmlns:mc="http://schemas.openxmlformats.org/markup-compatibility/2006">
+    <mc:Choice xmlns:p14="http://schemas.microsoft.com/office/powerpoint/2010/main" Requires="p14">
+      <p:transition spd="slow" p14:dur="800">
+        <p14:honeycomb/>
+      </p:transition>
+    </mc:Choice>
+    <mc:Fallback>
+      <p:transition spd="slow">
+        <p:fade/>
+      </p:transition>
+    </mc:Fallback>
+  </mc:AlternateContent>
+  <p:timing>
+    <p:tnLst>
+      <p:par>
+        <p:cTn id="1" dur="indefinite" restart="never" nodeType="tmRoot"/>
+      </p:par>
+    </p:tnLst>
+  </p:timing>
+</p:sld>
+</file>
+
+<file path=ppt/slides/slide17.xml><?xml version="1.0" encoding="utf-8"?>
+<p:sld xmlns:a="http://schemas.openxmlformats.org/drawingml/2006/main" xmlns:r="http://schemas.openxmlformats.org/officeDocument/2006/relationships" xmlns:p="http://schemas.openxmlformats.org/presentationml/2006/main">
+  <p:cSld>
+    <p:spTree>
+      <p:nvGrpSpPr>
+        <p:cNvPr id="1" name=""/>
+        <p:cNvGrpSpPr/>
+        <p:nvPr/>
+      </p:nvGrpSpPr>
+      <p:grpSpPr>
+        <a:xfrm>
+          <a:off x="0" y="0"/>
+          <a:ext cx="0" cy="0"/>
+          <a:chOff x="0" y="0"/>
+          <a:chExt cx="0" cy="0"/>
+        </a:xfrm>
+      </p:grpSpPr>
+      <p:sp>
+        <p:nvSpPr>
+          <p:cNvPr id="4" name="Titre 3"/>
+          <p:cNvSpPr>
+            <a:spLocks noGrp="1"/>
+          </p:cNvSpPr>
+          <p:nvPr>
+            <p:ph type="title"/>
+          </p:nvPr>
+        </p:nvSpPr>
+        <p:spPr/>
+        <p:txBody>
+          <a:bodyPr/>
+          <a:lstStyle/>
+          <a:p>
+            <a:r>
+              <a:rPr lang="fr-FR" dirty="0" smtClean="0"/>
+              <a:t>Démo</a:t>
+            </a:r>
+            <a:endParaRPr lang="fr-FR" dirty="0"/>
+          </a:p>
+        </p:txBody>
+      </p:sp>
+      <p:pic>
+        <p:nvPicPr>
+          <p:cNvPr id="7" name="Espace réservé du contenu 6">
+            <a:hlinkClick r:id="" action="ppaction://hlinkshowjump?jump=endshow"/>
+          </p:cNvPr>
+          <p:cNvPicPr>
+            <a:picLocks noGrp="1" noChangeAspect="1"/>
+          </p:cNvPicPr>
+          <p:nvPr>
+            <p:ph idx="1"/>
+          </p:nvPr>
+        </p:nvPicPr>
+        <p:blipFill>
+          <a:blip r:embed="rId2">
+            <a:extLst>
+              <a:ext uri="{28A0092B-C50C-407E-A947-70E740481C1C}">
+                <a14:useLocalDpi xmlns:a14="http://schemas.microsoft.com/office/drawing/2010/main" val="0"/>
+              </a:ext>
+            </a:extLst>
+          </a:blip>
+          <a:stretch>
+            <a:fillRect/>
+          </a:stretch>
+        </p:blipFill>
+        <p:spPr>
+          <a:xfrm>
+            <a:off x="3779912" y="2852936"/>
+            <a:ext cx="1728192" cy="864096"/>
+          </a:xfrm>
+        </p:spPr>
+      </p:pic>
+      <p:sp>
+        <p:nvSpPr>
+          <p:cNvPr id="3" name="Espace réservé du pied de page 2"/>
+          <p:cNvSpPr>
+            <a:spLocks noGrp="1"/>
+          </p:cNvSpPr>
+          <p:nvPr>
+            <p:ph type="ftr" sz="quarter" idx="11"/>
+          </p:nvPr>
+        </p:nvSpPr>
+        <p:spPr/>
+        <p:txBody>
+          <a:bodyPr/>
+          <a:lstStyle/>
+          <a:p>
+            <a:r>
+              <a:rPr lang="fr-FR" dirty="0" smtClean="0"/>
+              <a:t>Mickaël Rivollet, Thibault Lazert - UE LIF7 - Semestre printemps 2012 - Hexxagon</a:t>
+            </a:r>
+            <a:endParaRPr lang="fr-FR" dirty="0"/>
+          </a:p>
+        </p:txBody>
+      </p:sp>
+      <p:sp>
+        <p:nvSpPr>
+          <p:cNvPr id="2" name="Espace réservé de la date 1"/>
+          <p:cNvSpPr>
+            <a:spLocks noGrp="1"/>
+          </p:cNvSpPr>
+          <p:nvPr>
+            <p:ph type="dt" sz="half" idx="10"/>
+          </p:nvPr>
+        </p:nvSpPr>
+        <p:spPr/>
+        <p:txBody>
+          <a:bodyPr/>
+          <a:lstStyle/>
+          <a:p>
+            <a:r>
+              <a:rPr lang="fr-FR" smtClean="0"/>
+              <a:t>7 juin 2012</a:t>
+            </a:r>
+            <a:endParaRPr lang="fr-FR" dirty="0"/>
+          </a:p>
+        </p:txBody>
+      </p:sp>
+      <p:sp>
+        <p:nvSpPr>
+          <p:cNvPr id="6" name="Espace réservé du numéro de diapositive 5"/>
+          <p:cNvSpPr>
+            <a:spLocks noGrp="1"/>
+          </p:cNvSpPr>
+          <p:nvPr>
+            <p:ph type="sldNum" sz="quarter" idx="12"/>
+          </p:nvPr>
+        </p:nvSpPr>
+        <p:spPr/>
+        <p:txBody>
+          <a:bodyPr/>
+          <a:lstStyle/>
+          <a:p>
+            <a:fld id="{D1F1D131-41E1-4141-9181-81A171513161}" type="slidenum">
+              <a:rPr lang="fr-FR" sz="1200" smtClean="0">
+                <a:solidFill>
+                  <a:srgbClr val="8B8B8B"/>
+                </a:solidFill>
+                <a:latin typeface="Calibri"/>
+              </a:rPr>
+              <a:pPr/>
+              <a:t>17</a:t>
+            </a:fld>
+            <a:endParaRPr lang="fr-FR" dirty="0"/>
+          </a:p>
+        </p:txBody>
+      </p:sp>
+    </p:spTree>
+    <p:extLst>
+      <p:ext uri="{BB962C8B-B14F-4D97-AF65-F5344CB8AC3E}">
+        <p14:creationId xmlns:p14="http://schemas.microsoft.com/office/powerpoint/2010/main" val="250309710"/>
+      </p:ext>
+    </p:extLst>
+  </p:cSld>
+  <p:clrMapOvr>
+    <a:masterClrMapping/>
+  </p:clrMapOvr>
+  <mc:AlternateContent xmlns:mc="http://schemas.openxmlformats.org/markup-compatibility/2006">
+    <mc:Choice xmlns:p14="http://schemas.microsoft.com/office/powerpoint/2010/main" Requires="p14">
+      <p:transition spd="slow" p14:dur="800">
+        <p14:honeycomb/>
+      </p:transition>
+    </mc:Choice>
+    <mc:Fallback>
+      <p:transition spd="slow">
+        <p:fade/>
+      </p:transition>
+    </mc:Fallback>
+  </mc:AlternateContent>
   <p:timing>
     <p:tnLst>
       <p:par>
@@ -4557,7 +6455,9 @@
             <a:prstGeom prst="rect">
               <a:avLst/>
             </a:prstGeom>
-            <a:ln w="12700"/>
+            <a:ln w="12700">
+              <a:tailEnd type="none"/>
+            </a:ln>
           </p:spPr>
           <p:style>
             <a:lnRef idx="2">
@@ -4612,7 +6512,9 @@
             <a:prstGeom prst="rect">
               <a:avLst/>
             </a:prstGeom>
-            <a:ln w="12700"/>
+            <a:ln w="12700">
+              <a:tailEnd type="none"/>
+            </a:ln>
           </p:spPr>
           <p:style>
             <a:lnRef idx="2">
@@ -4667,7 +6569,9 @@
             <a:prstGeom prst="rect">
               <a:avLst/>
             </a:prstGeom>
-            <a:ln w="12700"/>
+            <a:ln w="12700">
+              <a:tailEnd type="none"/>
+            </a:ln>
           </p:spPr>
           <p:style>
             <a:lnRef idx="2">
@@ -4722,7 +6626,9 @@
             <a:prstGeom prst="rect">
               <a:avLst/>
             </a:prstGeom>
-            <a:ln w="12700"/>
+            <a:ln w="12700">
+              <a:tailEnd type="none"/>
+            </a:ln>
           </p:spPr>
           <p:style>
             <a:lnRef idx="2">
@@ -4837,7 +6743,9 @@
             <a:prstGeom prst="rect">
               <a:avLst/>
             </a:prstGeom>
-            <a:ln w="12700"/>
+            <a:ln w="12700">
+              <a:tailEnd type="none"/>
+            </a:ln>
           </p:spPr>
           <p:style>
             <a:lnRef idx="2">
@@ -4965,7 +6873,9 @@
             <a:prstGeom prst="rect">
               <a:avLst/>
             </a:prstGeom>
-            <a:ln w="12700"/>
+            <a:ln w="12700">
+              <a:tailEnd type="none"/>
+            </a:ln>
           </p:spPr>
           <p:style>
             <a:lnRef idx="2">
@@ -5020,7 +6930,9 @@
             <a:prstGeom prst="rect">
               <a:avLst/>
             </a:prstGeom>
-            <a:ln w="12700"/>
+            <a:ln w="12700">
+              <a:tailEnd type="none"/>
+            </a:ln>
           </p:spPr>
           <p:style>
             <a:lnRef idx="2">
@@ -5067,6 +6979,7 @@
               <a:solidFill>
                 <a:schemeClr val="accent3"/>
               </a:solidFill>
+              <a:tailEnd type="none"/>
             </a:ln>
           </p:spPr>
           <p:style>
@@ -5126,6 +7039,7 @@
               <a:solidFill>
                 <a:schemeClr val="accent3"/>
               </a:solidFill>
+              <a:tailEnd type="none"/>
             </a:ln>
           </p:spPr>
           <p:style>
@@ -5185,7 +7099,8 @@
               <a:avLst/>
             </a:prstGeom>
             <a:ln>
-              <a:tailEnd type="arrow"/>
+              <a:headEnd type="arrow"/>
+              <a:tailEnd type="none"/>
             </a:ln>
           </p:spPr>
           <p:style>
@@ -5221,7 +7136,8 @@
               <a:avLst/>
             </a:prstGeom>
             <a:ln>
-              <a:tailEnd type="arrow"/>
+              <a:headEnd type="arrow"/>
+              <a:tailEnd type="none"/>
             </a:ln>
           </p:spPr>
           <p:style>
@@ -5257,7 +7173,8 @@
               <a:avLst/>
             </a:prstGeom>
             <a:ln>
-              <a:tailEnd type="arrow"/>
+              <a:headEnd type="arrow"/>
+              <a:tailEnd type="none"/>
             </a:ln>
           </p:spPr>
           <p:style>
@@ -5293,7 +7210,8 @@
               <a:avLst/>
             </a:prstGeom>
             <a:ln>
-              <a:tailEnd type="arrow"/>
+              <a:headEnd type="arrow"/>
+              <a:tailEnd type="none"/>
             </a:ln>
           </p:spPr>
           <p:style>
@@ -5329,7 +7247,8 @@
               <a:avLst/>
             </a:prstGeom>
             <a:ln>
-              <a:tailEnd type="arrow"/>
+              <a:headEnd type="arrow"/>
+              <a:tailEnd type="none"/>
             </a:ln>
           </p:spPr>
           <p:style>
@@ -5365,8 +7284,15 @@
               <a:avLst/>
             </a:prstGeom>
             <a:ln>
-              <a:tailEnd type="arrow"/>
+              <a:headEnd type="arrow"/>
+              <a:tailEnd type="none"/>
             </a:ln>
+            <a:scene3d>
+              <a:camera prst="orthographicFront">
+                <a:rot lat="0" lon="0" rev="0"/>
+              </a:camera>
+              <a:lightRig rig="threePt" dir="t"/>
+            </a:scene3d>
           </p:spPr>
           <p:style>
             <a:lnRef idx="1">
@@ -5401,7 +7327,8 @@
               <a:avLst/>
             </a:prstGeom>
             <a:ln>
-              <a:tailEnd type="arrow"/>
+              <a:headEnd type="arrow"/>
+              <a:tailEnd type="none"/>
             </a:ln>
           </p:spPr>
           <p:style>
@@ -5437,7 +7364,8 @@
               <a:avLst/>
             </a:prstGeom>
             <a:ln>
-              <a:tailEnd type="arrow"/>
+              <a:headEnd type="arrow"/>
+              <a:tailEnd type="none"/>
             </a:ln>
           </p:spPr>
           <p:style>
@@ -5473,7 +7401,8 @@
               <a:avLst/>
             </a:prstGeom>
             <a:ln>
-              <a:tailEnd type="arrow"/>
+              <a:headEnd type="arrow"/>
+              <a:tailEnd type="none"/>
             </a:ln>
           </p:spPr>
           <p:style>
@@ -5509,7 +7438,8 @@
               <a:avLst/>
             </a:prstGeom>
             <a:ln>
-              <a:tailEnd type="arrow"/>
+              <a:headEnd type="arrow"/>
+              <a:tailEnd type="none"/>
             </a:ln>
           </p:spPr>
           <p:style>
@@ -5602,9 +7532,122 @@
           <a:lstStyle/>
           <a:p>
             <a:r>
+              <a:rPr lang="fr-FR" dirty="0" smtClean="0"/>
+              <a:t>Mickaël Rivollet, Thibault Lazert - UE LIF7 - Semestre printemps 2012 - Hexxagon</a:t>
+            </a:r>
+            <a:endParaRPr lang="fr-FR" dirty="0"/>
+          </a:p>
+        </p:txBody>
+      </p:sp>
+      <p:sp>
+        <p:nvSpPr>
+          <p:cNvPr id="24" name="Rectangle 23"/>
+          <p:cNvSpPr/>
+          <p:nvPr/>
+        </p:nvSpPr>
+        <p:spPr>
+          <a:xfrm>
+            <a:off x="4555392" y="4941168"/>
+            <a:ext cx="1800200" cy="360040"/>
+          </a:xfrm>
+          <a:prstGeom prst="rect">
+            <a:avLst/>
+          </a:prstGeom>
+          <a:ln w="12700">
+            <a:solidFill>
+              <a:schemeClr val="accent2">
+                <a:lumMod val="75000"/>
+              </a:schemeClr>
+            </a:solidFill>
+          </a:ln>
+        </p:spPr>
+        <p:style>
+          <a:lnRef idx="2">
+            <a:schemeClr val="accent1"/>
+          </a:lnRef>
+          <a:fillRef idx="1">
+            <a:schemeClr val="lt1"/>
+          </a:fillRef>
+          <a:effectRef idx="0">
+            <a:schemeClr val="accent1"/>
+          </a:effectRef>
+          <a:fontRef idx="minor">
+            <a:schemeClr val="dk1"/>
+          </a:fontRef>
+        </p:style>
+        <p:txBody>
+          <a:bodyPr rtlCol="0" anchor="ctr"/>
+          <a:lstStyle/>
+          <a:p>
+            <a:pPr algn="ctr"/>
+            <a:r>
+              <a:rPr lang="fr-FR" dirty="0" smtClean="0">
+                <a:solidFill>
+                  <a:schemeClr val="accent2">
+                    <a:lumMod val="75000"/>
+                  </a:schemeClr>
+                </a:solidFill>
+              </a:rPr>
+              <a:t>Paramètres</a:t>
+            </a:r>
+            <a:endParaRPr lang="fr-FR" dirty="0">
+              <a:solidFill>
+                <a:schemeClr val="accent2">
+                  <a:lumMod val="75000"/>
+                </a:schemeClr>
+              </a:solidFill>
+            </a:endParaRPr>
+          </a:p>
+        </p:txBody>
+      </p:sp>
+      <p:sp>
+        <p:nvSpPr>
+          <p:cNvPr id="11" name="Espace réservé de la date 10"/>
+          <p:cNvSpPr>
+            <a:spLocks noGrp="1"/>
+          </p:cNvSpPr>
+          <p:nvPr>
+            <p:ph type="dt" sz="half" idx="10"/>
+          </p:nvPr>
+        </p:nvSpPr>
+        <p:spPr/>
+        <p:txBody>
+          <a:bodyPr/>
+          <a:lstStyle/>
+          <a:p>
+            <a:r>
               <a:rPr lang="fr-FR" smtClean="0"/>
-              <a:t>Mickaël Rivollet, Thibault Lazert - UE LIF7 - Semestre printemps 2012 - Hexxagon</a:t>
-            </a:r>
+              <a:t>7 juin 2012</a:t>
+            </a:r>
+            <a:endParaRPr lang="fr-FR" dirty="0"/>
+          </a:p>
+        </p:txBody>
+      </p:sp>
+      <p:sp>
+        <p:nvSpPr>
+          <p:cNvPr id="12" name="Espace réservé du numéro de diapositive 11"/>
+          <p:cNvSpPr>
+            <a:spLocks noGrp="1"/>
+          </p:cNvSpPr>
+          <p:nvPr>
+            <p:ph type="sldNum" sz="quarter" idx="12"/>
+          </p:nvPr>
+        </p:nvSpPr>
+        <p:spPr/>
+        <p:txBody>
+          <a:bodyPr/>
+          <a:lstStyle/>
+          <a:p>
+            <a:fld id="{D1F1D131-41E1-4141-9181-81A171513161}" type="slidenum">
+              <a:rPr lang="fr-FR" sz="1200" smtClean="0">
+                <a:solidFill>
+                  <a:srgbClr val="8B8B8B"/>
+                </a:solidFill>
+                <a:latin typeface="Calibri"/>
+              </a:rPr>
+              <a:pPr/>
+              <a:t>2</a:t>
+            </a:fld>
             <a:endParaRPr lang="fr-FR" dirty="0"/>
           </a:p>
         </p:txBody>
@@ -5614,6 +7657,18 @@
   <p:clrMapOvr>
     <a:masterClrMapping/>
   </p:clrMapOvr>
+  <mc:AlternateContent xmlns:mc="http://schemas.openxmlformats.org/markup-compatibility/2006">
+    <mc:Choice xmlns:p14="http://schemas.microsoft.com/office/powerpoint/2010/main" Requires="p14">
+      <p:transition spd="slow" p14:dur="800">
+        <p14:honeycomb/>
+      </p:transition>
+    </mc:Choice>
+    <mc:Fallback>
+      <p:transition spd="slow">
+        <p:fade/>
+      </p:transition>
+    </mc:Fallback>
+  </mc:AlternateContent>
   <p:timing>
     <p:tnLst>
       <p:par>
@@ -5819,11 +7874,75 @@
               </a:rPr>
               <a:t>)</a:t>
             </a:r>
+          </a:p>
+          <a:p>
+            <a:pPr>
+              <a:buNone/>
+            </a:pPr>
+            <a:endParaRPr lang="fr-FR" sz="1200" dirty="0" smtClean="0">
+              <a:latin typeface="Consolas" pitchFamily="49" charset="0"/>
+              <a:cs typeface="Consolas" pitchFamily="49" charset="0"/>
+            </a:endParaRPr>
+          </a:p>
+          <a:p>
+            <a:pPr>
+              <a:buNone/>
+            </a:pPr>
             <a:endParaRPr lang="fr-FR" sz="1200" dirty="0">
               <a:latin typeface="Consolas" pitchFamily="49" charset="0"/>
               <a:cs typeface="Consolas" pitchFamily="49" charset="0"/>
             </a:endParaRPr>
           </a:p>
+          <a:p>
+            <a:pPr>
+              <a:buNone/>
+            </a:pPr>
+            <a:endParaRPr lang="fr-FR" sz="1200" dirty="0">
+              <a:latin typeface="Consolas" pitchFamily="49" charset="0"/>
+              <a:cs typeface="Consolas" pitchFamily="49" charset="0"/>
+            </a:endParaRPr>
+          </a:p>
+          <a:p>
+            <a:pPr>
+              <a:buNone/>
+            </a:pPr>
+            <a:r>
+              <a:rPr lang="fr-FR" sz="1200" dirty="0" smtClean="0">
+                <a:latin typeface="Verdana" pitchFamily="34" charset="0"/>
+                <a:ea typeface="Verdana" pitchFamily="34" charset="0"/>
+                <a:cs typeface="Verdana" pitchFamily="34" charset="0"/>
+              </a:rPr>
+              <a:t>Appel du jeu avec le paramètre « -r » pour les tests de régression.</a:t>
+            </a:r>
+          </a:p>
+          <a:p>
+            <a:pPr>
+              <a:buNone/>
+            </a:pPr>
+            <a:endParaRPr lang="fr-FR" sz="1200" dirty="0" smtClean="0">
+              <a:latin typeface="Verdana" pitchFamily="34" charset="0"/>
+              <a:ea typeface="Verdana" pitchFamily="34" charset="0"/>
+              <a:cs typeface="Verdana" pitchFamily="34" charset="0"/>
+            </a:endParaRPr>
+          </a:p>
+          <a:p>
+            <a:pPr>
+              <a:buNone/>
+            </a:pPr>
+            <a:r>
+              <a:rPr lang="fr-FR" sz="1200" dirty="0" smtClean="0">
+                <a:latin typeface="Verdana" pitchFamily="34" charset="0"/>
+                <a:ea typeface="Verdana" pitchFamily="34" charset="0"/>
+                <a:cs typeface="Verdana" pitchFamily="34" charset="0"/>
+              </a:rPr>
+              <a:t>Le main gère les échanges entre le menu principal et le jeu.</a:t>
+            </a:r>
+            <a:endParaRPr lang="fr-FR" sz="1200" dirty="0" smtClean="0">
+              <a:latin typeface="Verdana" pitchFamily="34" charset="0"/>
+              <a:ea typeface="Verdana" pitchFamily="34" charset="0"/>
+              <a:cs typeface="Verdana" pitchFamily="34" charset="0"/>
+            </a:endParaRPr>
+          </a:p>
         </p:txBody>
       </p:sp>
       <p:sp>
@@ -5842,9 +7961,61 @@
           <a:lstStyle/>
           <a:p>
             <a:r>
+              <a:rPr lang="fr-FR" dirty="0" smtClean="0"/>
+              <a:t>Mickaël Rivollet, Thibault Lazert - UE LIF7 - Semestre printemps 2012 - Hexxagon</a:t>
+            </a:r>
+            <a:endParaRPr lang="fr-FR" dirty="0"/>
+          </a:p>
+        </p:txBody>
+      </p:sp>
+      <p:sp>
+        <p:nvSpPr>
+          <p:cNvPr id="2" name="Espace réservé de la date 1"/>
+          <p:cNvSpPr>
+            <a:spLocks noGrp="1"/>
+          </p:cNvSpPr>
+          <p:nvPr>
+            <p:ph type="dt" sz="half" idx="10"/>
+          </p:nvPr>
+        </p:nvSpPr>
+        <p:spPr/>
+        <p:txBody>
+          <a:bodyPr/>
+          <a:lstStyle/>
+          <a:p>
+            <a:r>
               <a:rPr lang="fr-FR" smtClean="0"/>
-              <a:t>Mickaël Rivollet, Thibault Lazert - UE LIF7 - Semestre printemps 2012 - Hexxagon</a:t>
-            </a:r>
+              <a:t>7 juin 2012</a:t>
+            </a:r>
+            <a:endParaRPr lang="fr-FR" dirty="0"/>
+          </a:p>
+        </p:txBody>
+      </p:sp>
+      <p:sp>
+        <p:nvSpPr>
+          <p:cNvPr id="6" name="Espace réservé du numéro de diapositive 5"/>
+          <p:cNvSpPr>
+            <a:spLocks noGrp="1"/>
+          </p:cNvSpPr>
+          <p:nvPr>
+            <p:ph type="sldNum" sz="quarter" idx="12"/>
+          </p:nvPr>
+        </p:nvSpPr>
+        <p:spPr/>
+        <p:txBody>
+          <a:bodyPr/>
+          <a:lstStyle/>
+          <a:p>
+            <a:fld id="{D1F1D131-41E1-4141-9181-81A171513161}" type="slidenum">
+              <a:rPr lang="fr-FR" sz="1200" smtClean="0">
+                <a:solidFill>
+                  <a:srgbClr val="8B8B8B"/>
+                </a:solidFill>
+                <a:latin typeface="Calibri"/>
+              </a:rPr>
+              <a:pPr/>
+              <a:t>3</a:t>
+            </a:fld>
             <a:endParaRPr lang="fr-FR" dirty="0"/>
           </a:p>
         </p:txBody>
@@ -5854,6 +8025,18 @@
   <p:clrMapOvr>
     <a:masterClrMapping/>
   </p:clrMapOvr>
+  <mc:AlternateContent xmlns:mc="http://schemas.openxmlformats.org/markup-compatibility/2006">
+    <mc:Choice xmlns:p14="http://schemas.microsoft.com/office/powerpoint/2010/main" Requires="p14">
+      <p:transition spd="slow" p14:dur="800">
+        <p14:honeycomb/>
+      </p:transition>
+    </mc:Choice>
+    <mc:Fallback>
+      <p:transition spd="slow">
+        <p:fade/>
+      </p:transition>
+    </mc:Fallback>
+  </mc:AlternateContent>
   <p:timing>
     <p:tnLst>
       <p:par>
@@ -6099,13 +8282,121 @@
                 <a:latin typeface="Consolas" pitchFamily="49" charset="0"/>
                 <a:cs typeface="Consolas" pitchFamily="49" charset="0"/>
               </a:rPr>
-              <a:t> FMOD_SOUND *son)</a:t>
-            </a:r>
+              <a:t> FMOD_SOUND *son</a:t>
+            </a:r>
+            <a:r>
+              <a:rPr lang="fr-FR" sz="1200" dirty="0" smtClean="0">
+                <a:latin typeface="Consolas" pitchFamily="49" charset="0"/>
+                <a:cs typeface="Consolas" pitchFamily="49" charset="0"/>
+              </a:rPr>
+              <a:t>)</a:t>
+            </a:r>
+          </a:p>
+          <a:p>
+            <a:pPr>
+              <a:buNone/>
+            </a:pPr>
+            <a:endParaRPr lang="fr-FR" sz="1200" dirty="0" smtClean="0">
+              <a:latin typeface="Consolas" pitchFamily="49" charset="0"/>
+              <a:cs typeface="Consolas" pitchFamily="49" charset="0"/>
+            </a:endParaRPr>
+          </a:p>
+          <a:p>
+            <a:pPr>
+              <a:buNone/>
+            </a:pPr>
             <a:endParaRPr lang="fr-FR" sz="1200" dirty="0">
               <a:latin typeface="Consolas" pitchFamily="49" charset="0"/>
               <a:cs typeface="Consolas" pitchFamily="49" charset="0"/>
             </a:endParaRPr>
           </a:p>
+          <a:p>
+            <a:pPr>
+              <a:buNone/>
+            </a:pPr>
+            <a:r>
+              <a:rPr lang="fr-FR" sz="1200" b="1" dirty="0" smtClean="0">
+                <a:latin typeface="Verdana" pitchFamily="34" charset="0"/>
+                <a:ea typeface="Verdana" pitchFamily="34" charset="0"/>
+                <a:cs typeface="Verdana" pitchFamily="34" charset="0"/>
+              </a:rPr>
+              <a:t>Menu principal :</a:t>
+            </a:r>
+          </a:p>
+          <a:p>
+            <a:pPr>
+              <a:buNone/>
+            </a:pPr>
+            <a:r>
+              <a:rPr lang="fr-FR" sz="1200" dirty="0" smtClean="0">
+                <a:latin typeface="Verdana" pitchFamily="34" charset="0"/>
+                <a:ea typeface="Verdana" pitchFamily="34" charset="0"/>
+                <a:cs typeface="Verdana" pitchFamily="34" charset="0"/>
+              </a:rPr>
+              <a:t>Cette fenêtre contient un descriptif du jeu et de ces fonctionnalités.</a:t>
+            </a:r>
+            <a:endParaRPr lang="fr-FR" sz="1200" dirty="0">
+              <a:latin typeface="Verdana" pitchFamily="34" charset="0"/>
+              <a:ea typeface="Verdana" pitchFamily="34" charset="0"/>
+              <a:cs typeface="Verdana" pitchFamily="34" charset="0"/>
+            </a:endParaRPr>
+          </a:p>
+          <a:p>
+            <a:pPr>
+              <a:buNone/>
+            </a:pPr>
+            <a:endParaRPr lang="fr-FR" sz="1200" dirty="0" smtClean="0">
+              <a:latin typeface="Verdana" pitchFamily="34" charset="0"/>
+              <a:ea typeface="Verdana" pitchFamily="34" charset="0"/>
+              <a:cs typeface="Verdana" pitchFamily="34" charset="0"/>
+            </a:endParaRPr>
+          </a:p>
+          <a:p>
+            <a:pPr>
+              <a:buNone/>
+            </a:pPr>
+            <a:r>
+              <a:rPr lang="fr-FR" sz="1200" dirty="0" smtClean="0">
+                <a:latin typeface="Verdana" pitchFamily="34" charset="0"/>
+                <a:ea typeface="Verdana" pitchFamily="34" charset="0"/>
+                <a:cs typeface="Verdana" pitchFamily="34" charset="0"/>
+              </a:rPr>
+              <a:t>C’est dans cette fenêtre que l’utilisateur peut choisir le terrain et le mode de jeu.</a:t>
+            </a:r>
+            <a:endParaRPr lang="fr-FR" sz="1200" dirty="0">
+              <a:latin typeface="Verdana" pitchFamily="34" charset="0"/>
+              <a:ea typeface="Verdana" pitchFamily="34" charset="0"/>
+              <a:cs typeface="Verdana" pitchFamily="34" charset="0"/>
+            </a:endParaRPr>
+          </a:p>
+          <a:p>
+            <a:pPr>
+              <a:buNone/>
+            </a:pPr>
+            <a:endParaRPr lang="fr-FR" sz="1200" dirty="0" smtClean="0">
+              <a:latin typeface="Verdana" pitchFamily="34" charset="0"/>
+              <a:ea typeface="Verdana" pitchFamily="34" charset="0"/>
+              <a:cs typeface="Verdana" pitchFamily="34" charset="0"/>
+            </a:endParaRPr>
+          </a:p>
+          <a:p>
+            <a:pPr>
+              <a:buNone/>
+            </a:pPr>
+            <a:r>
+              <a:rPr lang="fr-FR" sz="1200" dirty="0" smtClean="0">
+                <a:latin typeface="Verdana" pitchFamily="34" charset="0"/>
+                <a:ea typeface="Verdana" pitchFamily="34" charset="0"/>
+                <a:cs typeface="Verdana" pitchFamily="34" charset="0"/>
+              </a:rPr>
+              <a:t>Il est possible de reprendre une partie enregistrée depuis ce menu.</a:t>
+            </a:r>
+            <a:endParaRPr lang="fr-FR" sz="1200" dirty="0">
+              <a:latin typeface="Verdana" pitchFamily="34" charset="0"/>
+              <a:ea typeface="Verdana" pitchFamily="34" charset="0"/>
+              <a:cs typeface="Verdana" pitchFamily="34" charset="0"/>
+            </a:endParaRPr>
+          </a:p>
         </p:txBody>
       </p:sp>
       <p:sp>
@@ -6124,9 +8415,61 @@
           <a:lstStyle/>
           <a:p>
             <a:r>
+              <a:rPr lang="fr-FR" dirty="0" smtClean="0"/>
+              <a:t>Mickaël Rivollet, Thibault Lazert - UE LIF7 - Semestre printemps 2012 - Hexxagon</a:t>
+            </a:r>
+            <a:endParaRPr lang="fr-FR" dirty="0"/>
+          </a:p>
+        </p:txBody>
+      </p:sp>
+      <p:sp>
+        <p:nvSpPr>
+          <p:cNvPr id="2" name="Espace réservé de la date 1"/>
+          <p:cNvSpPr>
+            <a:spLocks noGrp="1"/>
+          </p:cNvSpPr>
+          <p:nvPr>
+            <p:ph type="dt" sz="half" idx="10"/>
+          </p:nvPr>
+        </p:nvSpPr>
+        <p:spPr/>
+        <p:txBody>
+          <a:bodyPr/>
+          <a:lstStyle/>
+          <a:p>
+            <a:r>
               <a:rPr lang="fr-FR" smtClean="0"/>
-              <a:t>Mickaël Rivollet, Thibault Lazert - UE LIF7 - Semestre printemps 2012 - Hexxagon</a:t>
-            </a:r>
+              <a:t>7 juin 2012</a:t>
+            </a:r>
+            <a:endParaRPr lang="fr-FR" dirty="0"/>
+          </a:p>
+        </p:txBody>
+      </p:sp>
+      <p:sp>
+        <p:nvSpPr>
+          <p:cNvPr id="6" name="Espace réservé du numéro de diapositive 5"/>
+          <p:cNvSpPr>
+            <a:spLocks noGrp="1"/>
+          </p:cNvSpPr>
+          <p:nvPr>
+            <p:ph type="sldNum" sz="quarter" idx="12"/>
+          </p:nvPr>
+        </p:nvSpPr>
+        <p:spPr/>
+        <p:txBody>
+          <a:bodyPr/>
+          <a:lstStyle/>
+          <a:p>
+            <a:fld id="{D1F1D131-41E1-4141-9181-81A171513161}" type="slidenum">
+              <a:rPr lang="fr-FR" sz="1200" smtClean="0">
+                <a:solidFill>
+                  <a:srgbClr val="8B8B8B"/>
+                </a:solidFill>
+                <a:latin typeface="Calibri"/>
+              </a:rPr>
+              <a:pPr/>
+              <a:t>4</a:t>
+            </a:fld>
             <a:endParaRPr lang="fr-FR" dirty="0"/>
           </a:p>
         </p:txBody>
@@ -6136,6 +8479,18 @@
   <p:clrMapOvr>
     <a:masterClrMapping/>
   </p:clrMapOvr>
+  <mc:AlternateContent xmlns:mc="http://schemas.openxmlformats.org/markup-compatibility/2006">
+    <mc:Choice xmlns:p14="http://schemas.microsoft.com/office/powerpoint/2010/main" Requires="p14">
+      <p:transition spd="slow" p14:dur="800">
+        <p14:honeycomb/>
+      </p:transition>
+    </mc:Choice>
+    <mc:Fallback>
+      <p:transition spd="slow">
+        <p:fade/>
+      </p:transition>
+    </mc:Fallback>
+  </mc:AlternateContent>
   <p:timing>
     <p:tnLst>
       <p:par>
@@ -6203,7 +8558,7 @@
           </a:xfrm>
         </p:spPr>
         <p:txBody>
-          <a:bodyPr>
+          <a:bodyPr bIns="0">
             <a:noAutofit/>
           </a:bodyPr>
           <a:lstStyle/>
@@ -6362,13 +8717,114 @@
                 <a:latin typeface="Consolas" pitchFamily="49" charset="0"/>
                 <a:cs typeface="Consolas" pitchFamily="49" charset="0"/>
               </a:rPr>
-              <a:t> plateau)</a:t>
-            </a:r>
+              <a:t> plateau</a:t>
+            </a:r>
+            <a:r>
+              <a:rPr lang="fr-FR" sz="1200" dirty="0" smtClean="0">
+                <a:latin typeface="Consolas" pitchFamily="49" charset="0"/>
+                <a:cs typeface="Consolas" pitchFamily="49" charset="0"/>
+              </a:rPr>
+              <a:t>)</a:t>
+            </a:r>
+          </a:p>
+          <a:p>
+            <a:pPr>
+              <a:buNone/>
+            </a:pPr>
+            <a:endParaRPr lang="fr-FR" sz="1200" dirty="0" smtClean="0">
+              <a:latin typeface="Consolas" pitchFamily="49" charset="0"/>
+              <a:cs typeface="Consolas" pitchFamily="49" charset="0"/>
+            </a:endParaRPr>
+          </a:p>
+          <a:p>
+            <a:pPr>
+              <a:buNone/>
+            </a:pPr>
             <a:endParaRPr lang="fr-FR" sz="1200" dirty="0">
               <a:latin typeface="Consolas" pitchFamily="49" charset="0"/>
               <a:cs typeface="Consolas" pitchFamily="49" charset="0"/>
             </a:endParaRPr>
           </a:p>
+          <a:p>
+            <a:pPr>
+              <a:buNone/>
+            </a:pPr>
+            <a:endParaRPr lang="fr-FR" sz="1200" dirty="0">
+              <a:latin typeface="Consolas" pitchFamily="49" charset="0"/>
+              <a:cs typeface="Consolas" pitchFamily="49" charset="0"/>
+            </a:endParaRPr>
+          </a:p>
+          <a:p>
+            <a:pPr>
+              <a:buNone/>
+            </a:pPr>
+            <a:r>
+              <a:rPr lang="fr-FR" sz="1200" b="1" dirty="0" smtClean="0">
+                <a:latin typeface="Verdana" pitchFamily="34" charset="0"/>
+                <a:ea typeface="Verdana" pitchFamily="34" charset="0"/>
+                <a:cs typeface="Verdana" pitchFamily="34" charset="0"/>
+              </a:rPr>
+              <a:t>Jeu :</a:t>
+            </a:r>
+            <a:endParaRPr lang="fr-FR" sz="1200" b="1" dirty="0" smtClean="0">
+              <a:latin typeface="Verdana" pitchFamily="34" charset="0"/>
+              <a:ea typeface="Verdana" pitchFamily="34" charset="0"/>
+              <a:cs typeface="Verdana" pitchFamily="34" charset="0"/>
+            </a:endParaRPr>
+          </a:p>
+          <a:p>
+            <a:pPr>
+              <a:spcAft>
+                <a:spcPts val="500"/>
+              </a:spcAft>
+              <a:buNone/>
+            </a:pPr>
+            <a:r>
+              <a:rPr lang="fr-FR" sz="1200" dirty="0" smtClean="0">
+                <a:latin typeface="Verdana" pitchFamily="34" charset="0"/>
+                <a:ea typeface="Verdana" pitchFamily="34" charset="0"/>
+                <a:cs typeface="Verdana" pitchFamily="34" charset="0"/>
+              </a:rPr>
+              <a:t>Fenêtre de jeu dans laquelle se déroule la partie.</a:t>
+            </a:r>
+          </a:p>
+          <a:p>
+            <a:pPr>
+              <a:spcAft>
+                <a:spcPts val="500"/>
+              </a:spcAft>
+              <a:buNone/>
+            </a:pPr>
+            <a:r>
+              <a:rPr lang="fr-FR" sz="1200" dirty="0" smtClean="0">
+                <a:latin typeface="Verdana" pitchFamily="34" charset="0"/>
+                <a:ea typeface="Verdana" pitchFamily="34" charset="0"/>
+                <a:cs typeface="Verdana" pitchFamily="34" charset="0"/>
+              </a:rPr>
+              <a:t>Le bouton pour enregistrer la partie est en bas de cette fenêtre.</a:t>
+            </a:r>
+          </a:p>
+          <a:p>
+            <a:pPr>
+              <a:spcAft>
+                <a:spcPts val="500"/>
+              </a:spcAft>
+              <a:buNone/>
+            </a:pPr>
+            <a:r>
+              <a:rPr lang="fr-FR" sz="1200" dirty="0" smtClean="0">
+                <a:latin typeface="Verdana" pitchFamily="34" charset="0"/>
+                <a:ea typeface="Verdana" pitchFamily="34" charset="0"/>
+                <a:cs typeface="Verdana" pitchFamily="34" charset="0"/>
+              </a:rPr>
+              <a:t>Dans cette fenêtre, on voit le plateau complet ainsi que le score et le joueur qui est en train de jouer</a:t>
+            </a:r>
+            <a:endParaRPr lang="fr-FR" sz="1200" dirty="0">
+              <a:latin typeface="Verdana" pitchFamily="34" charset="0"/>
+              <a:ea typeface="Verdana" pitchFamily="34" charset="0"/>
+              <a:cs typeface="Verdana" pitchFamily="34" charset="0"/>
+            </a:endParaRPr>
+          </a:p>
         </p:txBody>
       </p:sp>
       <p:sp>
@@ -6387,9 +8843,61 @@
           <a:lstStyle/>
           <a:p>
             <a:r>
+              <a:rPr lang="fr-FR" dirty="0" smtClean="0"/>
+              <a:t>Mickaël Rivollet, Thibault Lazert - UE LIF7 - Semestre printemps 2012 - Hexxagon</a:t>
+            </a:r>
+            <a:endParaRPr lang="fr-FR" dirty="0"/>
+          </a:p>
+        </p:txBody>
+      </p:sp>
+      <p:sp>
+        <p:nvSpPr>
+          <p:cNvPr id="2" name="Espace réservé de la date 1"/>
+          <p:cNvSpPr>
+            <a:spLocks noGrp="1"/>
+          </p:cNvSpPr>
+          <p:nvPr>
+            <p:ph type="dt" sz="half" idx="10"/>
+          </p:nvPr>
+        </p:nvSpPr>
+        <p:spPr/>
+        <p:txBody>
+          <a:bodyPr/>
+          <a:lstStyle/>
+          <a:p>
+            <a:r>
               <a:rPr lang="fr-FR" smtClean="0"/>
-              <a:t>Mickaël Rivollet, Thibault Lazert - UE LIF7 - Semestre printemps 2012 - Hexxagon</a:t>
-            </a:r>
+              <a:t>7 juin 2012</a:t>
+            </a:r>
+            <a:endParaRPr lang="fr-FR" dirty="0"/>
+          </a:p>
+        </p:txBody>
+      </p:sp>
+      <p:sp>
+        <p:nvSpPr>
+          <p:cNvPr id="6" name="Espace réservé du numéro de diapositive 5"/>
+          <p:cNvSpPr>
+            <a:spLocks noGrp="1"/>
+          </p:cNvSpPr>
+          <p:nvPr>
+            <p:ph type="sldNum" sz="quarter" idx="12"/>
+          </p:nvPr>
+        </p:nvSpPr>
+        <p:spPr/>
+        <p:txBody>
+          <a:bodyPr/>
+          <a:lstStyle/>
+          <a:p>
+            <a:fld id="{D1F1D131-41E1-4141-9181-81A171513161}" type="slidenum">
+              <a:rPr lang="fr-FR" sz="1200" smtClean="0">
+                <a:solidFill>
+                  <a:srgbClr val="8B8B8B"/>
+                </a:solidFill>
+                <a:latin typeface="Calibri"/>
+              </a:rPr>
+              <a:pPr/>
+              <a:t>5</a:t>
+            </a:fld>
             <a:endParaRPr lang="fr-FR" dirty="0"/>
           </a:p>
         </p:txBody>
@@ -6399,6 +8907,18 @@
   <p:clrMapOvr>
     <a:masterClrMapping/>
   </p:clrMapOvr>
+  <mc:AlternateContent xmlns:mc="http://schemas.openxmlformats.org/markup-compatibility/2006">
+    <mc:Choice xmlns:p14="http://schemas.microsoft.com/office/powerpoint/2010/main" Requires="p14">
+      <p:transition spd="slow" p14:dur="800">
+        <p14:honeycomb/>
+      </p:transition>
+    </mc:Choice>
+    <mc:Fallback>
+      <p:transition spd="slow">
+        <p:fade/>
+      </p:transition>
+    </mc:Fallback>
+  </mc:AlternateContent>
   <p:timing>
     <p:tnLst>
       <p:par>
@@ -6474,6 +8994,15 @@
             <a:pPr>
               <a:buNone/>
             </a:pPr>
+            <a:endParaRPr lang="fr-FR" sz="1200" dirty="0" smtClean="0">
+              <a:latin typeface="Consolas" pitchFamily="49" charset="0"/>
+              <a:cs typeface="Consolas" pitchFamily="49" charset="0"/>
+            </a:endParaRPr>
+          </a:p>
+          <a:p>
+            <a:pPr>
+              <a:buNone/>
+            </a:pPr>
             <a:r>
               <a:rPr lang="fr-FR" sz="1200" dirty="0" err="1" smtClean="0">
                 <a:latin typeface="Consolas" pitchFamily="49" charset="0"/>
@@ -6486,6 +9015,74 @@
                 <a:latin typeface="Consolas" pitchFamily="49" charset="0"/>
                 <a:cs typeface="Consolas" pitchFamily="49" charset="0"/>
               </a:rPr>
+              <a:t> </a:t>
+            </a:r>
+            <a:r>
+              <a:rPr lang="fr-FR" sz="1200" dirty="0" smtClean="0">
+                <a:latin typeface="Consolas" pitchFamily="49" charset="0"/>
+                <a:cs typeface="Consolas" pitchFamily="49" charset="0"/>
+              </a:rPr>
+              <a:t>	</a:t>
+            </a:r>
+            <a:r>
+              <a:rPr lang="fr-FR" sz="1200" dirty="0" err="1" smtClean="0">
+                <a:latin typeface="Consolas" pitchFamily="49" charset="0"/>
+                <a:cs typeface="Consolas" pitchFamily="49" charset="0"/>
+              </a:rPr>
+              <a:t>plateauInit</a:t>
+            </a:r>
+            <a:r>
+              <a:rPr lang="fr-FR" sz="1200" dirty="0" smtClean="0">
+                <a:latin typeface="Consolas" pitchFamily="49" charset="0"/>
+                <a:cs typeface="Consolas" pitchFamily="49" charset="0"/>
+              </a:rPr>
+              <a:t> (Plateau *p, </a:t>
+            </a:r>
+            <a:r>
+              <a:rPr lang="fr-FR" sz="1200" dirty="0" err="1" smtClean="0">
+                <a:latin typeface="Consolas" pitchFamily="49" charset="0"/>
+                <a:cs typeface="Consolas" pitchFamily="49" charset="0"/>
+              </a:rPr>
+              <a:t>int</a:t>
+            </a:r>
+            <a:r>
+              <a:rPr lang="fr-FR" sz="1200" dirty="0" smtClean="0">
+                <a:latin typeface="Consolas" pitchFamily="49" charset="0"/>
+                <a:cs typeface="Consolas" pitchFamily="49" charset="0"/>
+              </a:rPr>
+              <a:t> </a:t>
+            </a:r>
+            <a:r>
+              <a:rPr lang="fr-FR" sz="1200" dirty="0" err="1" smtClean="0">
+                <a:latin typeface="Consolas" pitchFamily="49" charset="0"/>
+                <a:cs typeface="Consolas" pitchFamily="49" charset="0"/>
+              </a:rPr>
+              <a:t>capacite</a:t>
+            </a:r>
+            <a:r>
+              <a:rPr lang="fr-FR" sz="1200" dirty="0" smtClean="0">
+                <a:latin typeface="Consolas" pitchFamily="49" charset="0"/>
+                <a:cs typeface="Consolas" pitchFamily="49" charset="0"/>
+              </a:rPr>
+              <a:t>)</a:t>
+            </a:r>
+          </a:p>
+          <a:p>
+            <a:pPr>
+              <a:buNone/>
+            </a:pPr>
+            <a:r>
+              <a:rPr lang="fr-FR" sz="1200" dirty="0" err="1" smtClean="0">
+                <a:latin typeface="Consolas" pitchFamily="49" charset="0"/>
+                <a:cs typeface="Consolas" pitchFamily="49" charset="0"/>
+              </a:rPr>
+              <a:t>void</a:t>
+            </a:r>
+            <a:r>
+              <a:rPr lang="fr-FR" sz="1200" dirty="0" smtClean="0">
+                <a:latin typeface="Consolas" pitchFamily="49" charset="0"/>
+                <a:cs typeface="Consolas" pitchFamily="49" charset="0"/>
+              </a:rPr>
               <a:t> 	</a:t>
             </a:r>
             <a:r>
@@ -6493,7 +9090,356 @@
                 <a:latin typeface="Consolas" pitchFamily="49" charset="0"/>
                 <a:cs typeface="Consolas" pitchFamily="49" charset="0"/>
               </a:rPr>
-              <a:t>plateauInit</a:t>
+              <a:t>plateauChangeJoueur</a:t>
+            </a:r>
+            <a:r>
+              <a:rPr lang="fr-FR" sz="1200" dirty="0" smtClean="0">
+                <a:latin typeface="Consolas" pitchFamily="49" charset="0"/>
+                <a:cs typeface="Consolas" pitchFamily="49" charset="0"/>
+              </a:rPr>
+              <a:t> (Plateau *p, Case *c, </a:t>
+            </a:r>
+            <a:r>
+              <a:rPr lang="fr-FR" sz="1200" dirty="0" err="1" smtClean="0">
+                <a:latin typeface="Consolas" pitchFamily="49" charset="0"/>
+                <a:cs typeface="Consolas" pitchFamily="49" charset="0"/>
+              </a:rPr>
+              <a:t>int</a:t>
+            </a:r>
+            <a:r>
+              <a:rPr lang="fr-FR" sz="1200" dirty="0" smtClean="0">
+                <a:latin typeface="Consolas" pitchFamily="49" charset="0"/>
+                <a:cs typeface="Consolas" pitchFamily="49" charset="0"/>
+              </a:rPr>
+              <a:t> joueur)</a:t>
+            </a:r>
+          </a:p>
+          <a:p>
+            <a:pPr>
+              <a:buNone/>
+            </a:pPr>
+            <a:r>
+              <a:rPr lang="fr-FR" sz="1200" dirty="0" err="1" smtClean="0">
+                <a:latin typeface="Consolas" pitchFamily="49" charset="0"/>
+                <a:cs typeface="Consolas" pitchFamily="49" charset="0"/>
+              </a:rPr>
+              <a:t>void</a:t>
+            </a:r>
+            <a:r>
+              <a:rPr lang="fr-FR" sz="1200" dirty="0" smtClean="0">
+                <a:latin typeface="Consolas" pitchFamily="49" charset="0"/>
+                <a:cs typeface="Consolas" pitchFamily="49" charset="0"/>
+              </a:rPr>
+              <a:t> </a:t>
+            </a:r>
+            <a:r>
+              <a:rPr lang="fr-FR" sz="1200" dirty="0" smtClean="0">
+                <a:latin typeface="Consolas" pitchFamily="49" charset="0"/>
+                <a:cs typeface="Consolas" pitchFamily="49" charset="0"/>
+              </a:rPr>
+              <a:t>	</a:t>
+            </a:r>
+            <a:r>
+              <a:rPr lang="fr-FR" sz="1200" dirty="0" err="1" smtClean="0">
+                <a:latin typeface="Consolas" pitchFamily="49" charset="0"/>
+                <a:cs typeface="Consolas" pitchFamily="49" charset="0"/>
+              </a:rPr>
+              <a:t>plateauDecrementePlacesLibres</a:t>
+            </a:r>
+            <a:r>
+              <a:rPr lang="fr-FR" sz="1200" dirty="0" smtClean="0">
+                <a:latin typeface="Consolas" pitchFamily="49" charset="0"/>
+                <a:cs typeface="Consolas" pitchFamily="49" charset="0"/>
+              </a:rPr>
+              <a:t> (Plateau *p)</a:t>
+            </a:r>
+          </a:p>
+          <a:p>
+            <a:pPr>
+              <a:buNone/>
+            </a:pPr>
+            <a:r>
+              <a:rPr lang="fr-FR" sz="1200" dirty="0" err="1" smtClean="0">
+                <a:latin typeface="Consolas" pitchFamily="49" charset="0"/>
+                <a:cs typeface="Consolas" pitchFamily="49" charset="0"/>
+              </a:rPr>
+              <a:t>int</a:t>
+            </a:r>
+            <a:r>
+              <a:rPr lang="fr-FR" sz="1200" dirty="0" smtClean="0">
+                <a:latin typeface="Consolas" pitchFamily="49" charset="0"/>
+                <a:cs typeface="Consolas" pitchFamily="49" charset="0"/>
+              </a:rPr>
+              <a:t> </a:t>
+            </a:r>
+            <a:r>
+              <a:rPr lang="fr-FR" sz="1200" dirty="0" smtClean="0">
+                <a:latin typeface="Consolas" pitchFamily="49" charset="0"/>
+                <a:cs typeface="Consolas" pitchFamily="49" charset="0"/>
+              </a:rPr>
+              <a:t>		</a:t>
+            </a:r>
+            <a:r>
+              <a:rPr lang="fr-FR" sz="1200" dirty="0" err="1" smtClean="0">
+                <a:latin typeface="Consolas" pitchFamily="49" charset="0"/>
+                <a:cs typeface="Consolas" pitchFamily="49" charset="0"/>
+              </a:rPr>
+              <a:t>plateauSourisDansCase</a:t>
+            </a:r>
+            <a:r>
+              <a:rPr lang="fr-FR" sz="1200" dirty="0" smtClean="0">
+                <a:latin typeface="Consolas" pitchFamily="49" charset="0"/>
+                <a:cs typeface="Consolas" pitchFamily="49" charset="0"/>
+              </a:rPr>
+              <a:t> (</a:t>
+            </a:r>
+            <a:r>
+              <a:rPr lang="fr-FR" sz="1200" dirty="0" err="1" smtClean="0">
+                <a:latin typeface="Consolas" pitchFamily="49" charset="0"/>
+                <a:cs typeface="Consolas" pitchFamily="49" charset="0"/>
+              </a:rPr>
+              <a:t>int</a:t>
+            </a:r>
+            <a:r>
+              <a:rPr lang="fr-FR" sz="1200" dirty="0" smtClean="0">
+                <a:latin typeface="Consolas" pitchFamily="49" charset="0"/>
+                <a:cs typeface="Consolas" pitchFamily="49" charset="0"/>
+              </a:rPr>
+              <a:t> </a:t>
+            </a:r>
+            <a:r>
+              <a:rPr lang="fr-FR" sz="1200" dirty="0" err="1" smtClean="0">
+                <a:latin typeface="Consolas" pitchFamily="49" charset="0"/>
+                <a:cs typeface="Consolas" pitchFamily="49" charset="0"/>
+              </a:rPr>
+              <a:t>sx</a:t>
+            </a:r>
+            <a:r>
+              <a:rPr lang="fr-FR" sz="1200" dirty="0" smtClean="0">
+                <a:latin typeface="Consolas" pitchFamily="49" charset="0"/>
+                <a:cs typeface="Consolas" pitchFamily="49" charset="0"/>
+              </a:rPr>
+              <a:t>, </a:t>
+            </a:r>
+            <a:r>
+              <a:rPr lang="fr-FR" sz="1200" dirty="0" err="1" smtClean="0">
+                <a:latin typeface="Consolas" pitchFamily="49" charset="0"/>
+                <a:cs typeface="Consolas" pitchFamily="49" charset="0"/>
+              </a:rPr>
+              <a:t>int</a:t>
+            </a:r>
+            <a:r>
+              <a:rPr lang="fr-FR" sz="1200" dirty="0" smtClean="0">
+                <a:latin typeface="Consolas" pitchFamily="49" charset="0"/>
+                <a:cs typeface="Consolas" pitchFamily="49" charset="0"/>
+              </a:rPr>
+              <a:t> </a:t>
+            </a:r>
+            <a:r>
+              <a:rPr lang="fr-FR" sz="1200" dirty="0" err="1" smtClean="0">
+                <a:latin typeface="Consolas" pitchFamily="49" charset="0"/>
+                <a:cs typeface="Consolas" pitchFamily="49" charset="0"/>
+              </a:rPr>
+              <a:t>sy</a:t>
+            </a:r>
+            <a:r>
+              <a:rPr lang="fr-FR" sz="1200" dirty="0" smtClean="0">
+                <a:latin typeface="Consolas" pitchFamily="49" charset="0"/>
+                <a:cs typeface="Consolas" pitchFamily="49" charset="0"/>
+              </a:rPr>
+              <a:t>, </a:t>
+            </a:r>
+            <a:r>
+              <a:rPr lang="fr-FR" sz="1200" dirty="0" err="1" smtClean="0">
+                <a:latin typeface="Consolas" pitchFamily="49" charset="0"/>
+                <a:cs typeface="Consolas" pitchFamily="49" charset="0"/>
+              </a:rPr>
+              <a:t>const</a:t>
+            </a:r>
+            <a:r>
+              <a:rPr lang="fr-FR" sz="1200" dirty="0" smtClean="0">
+                <a:latin typeface="Consolas" pitchFamily="49" charset="0"/>
+                <a:cs typeface="Consolas" pitchFamily="49" charset="0"/>
+              </a:rPr>
+              <a:t> Case *c, </a:t>
+            </a:r>
+            <a:r>
+              <a:rPr lang="fr-FR" sz="1200" dirty="0" err="1" smtClean="0">
+                <a:latin typeface="Consolas" pitchFamily="49" charset="0"/>
+                <a:cs typeface="Consolas" pitchFamily="49" charset="0"/>
+              </a:rPr>
+              <a:t>int</a:t>
+            </a:r>
+            <a:r>
+              <a:rPr lang="fr-FR" sz="1200" dirty="0" smtClean="0">
+                <a:latin typeface="Consolas" pitchFamily="49" charset="0"/>
+                <a:cs typeface="Consolas" pitchFamily="49" charset="0"/>
+              </a:rPr>
+              <a:t> </a:t>
+            </a:r>
+            <a:r>
+              <a:rPr lang="fr-FR" sz="1200" dirty="0" err="1" smtClean="0">
+                <a:latin typeface="Consolas" pitchFamily="49" charset="0"/>
+                <a:cs typeface="Consolas" pitchFamily="49" charset="0"/>
+              </a:rPr>
+              <a:t>dim</a:t>
+            </a:r>
+            <a:r>
+              <a:rPr lang="fr-FR" sz="1200" dirty="0" smtClean="0">
+                <a:latin typeface="Consolas" pitchFamily="49" charset="0"/>
+                <a:cs typeface="Consolas" pitchFamily="49" charset="0"/>
+              </a:rPr>
+              <a:t>)</a:t>
+            </a:r>
+          </a:p>
+          <a:p>
+            <a:pPr>
+              <a:buNone/>
+            </a:pPr>
+            <a:r>
+              <a:rPr lang="fr-FR" sz="1200" dirty="0" smtClean="0">
+                <a:latin typeface="Consolas" pitchFamily="49" charset="0"/>
+                <a:cs typeface="Consolas" pitchFamily="49" charset="0"/>
+              </a:rPr>
+              <a:t>Case * 	</a:t>
+            </a:r>
+            <a:r>
+              <a:rPr lang="fr-FR" sz="1200" dirty="0" err="1" smtClean="0">
+                <a:latin typeface="Consolas" pitchFamily="49" charset="0"/>
+                <a:cs typeface="Consolas" pitchFamily="49" charset="0"/>
+              </a:rPr>
+              <a:t>plateauCaseSurvollee</a:t>
+            </a:r>
+            <a:r>
+              <a:rPr lang="fr-FR" sz="1200" dirty="0" smtClean="0">
+                <a:latin typeface="Consolas" pitchFamily="49" charset="0"/>
+                <a:cs typeface="Consolas" pitchFamily="49" charset="0"/>
+              </a:rPr>
+              <a:t> (</a:t>
+            </a:r>
+            <a:r>
+              <a:rPr lang="fr-FR" sz="1200" dirty="0" err="1" smtClean="0">
+                <a:latin typeface="Consolas" pitchFamily="49" charset="0"/>
+                <a:cs typeface="Consolas" pitchFamily="49" charset="0"/>
+              </a:rPr>
+              <a:t>int</a:t>
+            </a:r>
+            <a:r>
+              <a:rPr lang="fr-FR" sz="1200" dirty="0" smtClean="0">
+                <a:latin typeface="Consolas" pitchFamily="49" charset="0"/>
+                <a:cs typeface="Consolas" pitchFamily="49" charset="0"/>
+              </a:rPr>
+              <a:t> </a:t>
+            </a:r>
+            <a:r>
+              <a:rPr lang="fr-FR" sz="1200" dirty="0" err="1" smtClean="0">
+                <a:latin typeface="Consolas" pitchFamily="49" charset="0"/>
+                <a:cs typeface="Consolas" pitchFamily="49" charset="0"/>
+              </a:rPr>
+              <a:t>sx</a:t>
+            </a:r>
+            <a:r>
+              <a:rPr lang="fr-FR" sz="1200" dirty="0" smtClean="0">
+                <a:latin typeface="Consolas" pitchFamily="49" charset="0"/>
+                <a:cs typeface="Consolas" pitchFamily="49" charset="0"/>
+              </a:rPr>
+              <a:t>, </a:t>
+            </a:r>
+            <a:r>
+              <a:rPr lang="fr-FR" sz="1200" dirty="0" err="1" smtClean="0">
+                <a:latin typeface="Consolas" pitchFamily="49" charset="0"/>
+                <a:cs typeface="Consolas" pitchFamily="49" charset="0"/>
+              </a:rPr>
+              <a:t>int</a:t>
+            </a:r>
+            <a:r>
+              <a:rPr lang="fr-FR" sz="1200" dirty="0" smtClean="0">
+                <a:latin typeface="Consolas" pitchFamily="49" charset="0"/>
+                <a:cs typeface="Consolas" pitchFamily="49" charset="0"/>
+              </a:rPr>
+              <a:t> </a:t>
+            </a:r>
+            <a:r>
+              <a:rPr lang="fr-FR" sz="1200" dirty="0" err="1" smtClean="0">
+                <a:latin typeface="Consolas" pitchFamily="49" charset="0"/>
+                <a:cs typeface="Consolas" pitchFamily="49" charset="0"/>
+              </a:rPr>
+              <a:t>sy</a:t>
+            </a:r>
+            <a:r>
+              <a:rPr lang="fr-FR" sz="1200" dirty="0" smtClean="0">
+                <a:latin typeface="Consolas" pitchFamily="49" charset="0"/>
+                <a:cs typeface="Consolas" pitchFamily="49" charset="0"/>
+              </a:rPr>
+              <a:t>, </a:t>
+            </a:r>
+            <a:r>
+              <a:rPr lang="fr-FR" sz="1200" dirty="0" err="1" smtClean="0">
+                <a:latin typeface="Consolas" pitchFamily="49" charset="0"/>
+                <a:cs typeface="Consolas" pitchFamily="49" charset="0"/>
+              </a:rPr>
+              <a:t>const</a:t>
+            </a:r>
+            <a:r>
+              <a:rPr lang="fr-FR" sz="1200" dirty="0" smtClean="0">
+                <a:latin typeface="Consolas" pitchFamily="49" charset="0"/>
+                <a:cs typeface="Consolas" pitchFamily="49" charset="0"/>
+              </a:rPr>
+              <a:t> Plateau *p, </a:t>
+            </a:r>
+            <a:r>
+              <a:rPr lang="fr-FR" sz="1200" dirty="0" err="1" smtClean="0">
+                <a:latin typeface="Consolas" pitchFamily="49" charset="0"/>
+                <a:cs typeface="Consolas" pitchFamily="49" charset="0"/>
+              </a:rPr>
+              <a:t>int</a:t>
+            </a:r>
+            <a:r>
+              <a:rPr lang="fr-FR" sz="1200" dirty="0" smtClean="0">
+                <a:latin typeface="Consolas" pitchFamily="49" charset="0"/>
+                <a:cs typeface="Consolas" pitchFamily="49" charset="0"/>
+              </a:rPr>
+              <a:t> </a:t>
+            </a:r>
+            <a:r>
+              <a:rPr lang="fr-FR" sz="1200" dirty="0" err="1" smtClean="0">
+                <a:latin typeface="Consolas" pitchFamily="49" charset="0"/>
+                <a:cs typeface="Consolas" pitchFamily="49" charset="0"/>
+              </a:rPr>
+              <a:t>dim</a:t>
+            </a:r>
+            <a:r>
+              <a:rPr lang="fr-FR" sz="1200" dirty="0" smtClean="0">
+                <a:latin typeface="Consolas" pitchFamily="49" charset="0"/>
+                <a:cs typeface="Consolas" pitchFamily="49" charset="0"/>
+              </a:rPr>
+              <a:t>)</a:t>
+            </a:r>
+          </a:p>
+          <a:p>
+            <a:pPr>
+              <a:buNone/>
+            </a:pPr>
+            <a:r>
+              <a:rPr lang="fr-FR" sz="1200" dirty="0" err="1" smtClean="0">
+                <a:latin typeface="Consolas" pitchFamily="49" charset="0"/>
+                <a:cs typeface="Consolas" pitchFamily="49" charset="0"/>
+              </a:rPr>
+              <a:t>void</a:t>
+            </a:r>
+            <a:r>
+              <a:rPr lang="fr-FR" sz="1200" dirty="0" smtClean="0">
+                <a:latin typeface="Consolas" pitchFamily="49" charset="0"/>
+                <a:cs typeface="Consolas" pitchFamily="49" charset="0"/>
+              </a:rPr>
+              <a:t> 	</a:t>
+            </a:r>
+            <a:r>
+              <a:rPr lang="fr-FR" sz="1200" dirty="0" err="1" smtClean="0">
+                <a:latin typeface="Consolas" pitchFamily="49" charset="0"/>
+                <a:cs typeface="Consolas" pitchFamily="49" charset="0"/>
+              </a:rPr>
+              <a:t>plateauLireFichier</a:t>
             </a:r>
             <a:r>
               <a:rPr lang="fr-FR" sz="1200" dirty="0" smtClean="0">
@@ -6507,6 +9453,34 @@
                 <a:latin typeface="Consolas" pitchFamily="49" charset="0"/>
                 <a:cs typeface="Consolas" pitchFamily="49" charset="0"/>
               </a:rPr>
+              <a:t>const</a:t>
+            </a:r>
+            <a:r>
+              <a:rPr lang="fr-FR" sz="1200" dirty="0" smtClean="0">
+                <a:latin typeface="Consolas" pitchFamily="49" charset="0"/>
+                <a:cs typeface="Consolas" pitchFamily="49" charset="0"/>
+              </a:rPr>
+              <a:t> char </a:t>
+            </a:r>
+            <a:r>
+              <a:rPr lang="fr-FR" sz="1200" dirty="0" err="1" smtClean="0">
+                <a:latin typeface="Consolas" pitchFamily="49" charset="0"/>
+                <a:cs typeface="Consolas" pitchFamily="49" charset="0"/>
+              </a:rPr>
+              <a:t>filename</a:t>
+            </a:r>
+            <a:r>
+              <a:rPr lang="fr-FR" sz="1200" dirty="0" smtClean="0">
+                <a:latin typeface="Consolas" pitchFamily="49" charset="0"/>
+                <a:cs typeface="Consolas" pitchFamily="49" charset="0"/>
+              </a:rPr>
+              <a:t>[], </a:t>
+            </a:r>
+            <a:r>
+              <a:rPr lang="fr-FR" sz="1200" dirty="0" err="1" smtClean="0">
+                <a:latin typeface="Consolas" pitchFamily="49" charset="0"/>
+                <a:cs typeface="Consolas" pitchFamily="49" charset="0"/>
+              </a:rPr>
               <a:t>int</a:t>
             </a:r>
             <a:r>
@@ -6514,6 +9488,53 @@
                 <a:latin typeface="Consolas" pitchFamily="49" charset="0"/>
                 <a:cs typeface="Consolas" pitchFamily="49" charset="0"/>
               </a:rPr>
+              <a:t> *joueur)</a:t>
+            </a:r>
+          </a:p>
+          <a:p>
+            <a:pPr>
+              <a:buNone/>
+            </a:pPr>
+            <a:r>
+              <a:rPr lang="fr-FR" sz="1200" dirty="0" err="1" smtClean="0">
+                <a:latin typeface="Consolas" pitchFamily="49" charset="0"/>
+                <a:cs typeface="Consolas" pitchFamily="49" charset="0"/>
+              </a:rPr>
+              <a:t>void</a:t>
+            </a:r>
+            <a:r>
+              <a:rPr lang="fr-FR" sz="1200" dirty="0" smtClean="0">
+                <a:latin typeface="Consolas" pitchFamily="49" charset="0"/>
+                <a:cs typeface="Consolas" pitchFamily="49" charset="0"/>
+              </a:rPr>
+              <a:t> 	</a:t>
+            </a:r>
+            <a:r>
+              <a:rPr lang="fr-FR" sz="1200" dirty="0" err="1" smtClean="0">
+                <a:latin typeface="Consolas" pitchFamily="49" charset="0"/>
+                <a:cs typeface="Consolas" pitchFamily="49" charset="0"/>
+              </a:rPr>
+              <a:t>plateauEcrireFichier</a:t>
+            </a:r>
+            <a:r>
+              <a:rPr lang="fr-FR" sz="1200" dirty="0" smtClean="0">
+                <a:latin typeface="Consolas" pitchFamily="49" charset="0"/>
+                <a:cs typeface="Consolas" pitchFamily="49" charset="0"/>
+              </a:rPr>
+              <a:t> (Plateau *p, </a:t>
+            </a:r>
+            <a:r>
+              <a:rPr lang="fr-FR" sz="1200" dirty="0" err="1" smtClean="0">
+                <a:latin typeface="Consolas" pitchFamily="49" charset="0"/>
+                <a:cs typeface="Consolas" pitchFamily="49" charset="0"/>
+              </a:rPr>
+              <a:t>int</a:t>
+            </a:r>
+            <a:r>
+              <a:rPr lang="fr-FR" sz="1200" dirty="0" smtClean="0">
+                <a:latin typeface="Consolas" pitchFamily="49" charset="0"/>
+                <a:cs typeface="Consolas" pitchFamily="49" charset="0"/>
+              </a:rPr>
               <a:t> </a:t>
             </a:r>
             <a:r>
@@ -6521,7 +9542,63 @@
                 <a:latin typeface="Consolas" pitchFamily="49" charset="0"/>
                 <a:cs typeface="Consolas" pitchFamily="49" charset="0"/>
               </a:rPr>
-              <a:t>capacite</a:t>
+              <a:t>qui_joue</a:t>
+            </a:r>
+            <a:r>
+              <a:rPr lang="fr-FR" sz="1200" dirty="0" smtClean="0">
+                <a:latin typeface="Consolas" pitchFamily="49" charset="0"/>
+                <a:cs typeface="Consolas" pitchFamily="49" charset="0"/>
+              </a:rPr>
+              <a:t>, </a:t>
+            </a:r>
+            <a:r>
+              <a:rPr lang="fr-FR" sz="1200" dirty="0" err="1" smtClean="0">
+                <a:latin typeface="Consolas" pitchFamily="49" charset="0"/>
+                <a:cs typeface="Consolas" pitchFamily="49" charset="0"/>
+              </a:rPr>
+              <a:t>int</a:t>
+            </a:r>
+            <a:r>
+              <a:rPr lang="fr-FR" sz="1200" dirty="0" smtClean="0">
+                <a:latin typeface="Consolas" pitchFamily="49" charset="0"/>
+                <a:cs typeface="Consolas" pitchFamily="49" charset="0"/>
+              </a:rPr>
+              <a:t> </a:t>
+            </a:r>
+            <a:r>
+              <a:rPr lang="fr-FR" sz="1200" dirty="0" err="1" smtClean="0">
+                <a:latin typeface="Consolas" pitchFamily="49" charset="0"/>
+                <a:cs typeface="Consolas" pitchFamily="49" charset="0"/>
+              </a:rPr>
+              <a:t>contreordi</a:t>
+            </a:r>
+            <a:r>
+              <a:rPr lang="fr-FR" sz="1200" dirty="0" smtClean="0">
+                <a:latin typeface="Consolas" pitchFamily="49" charset="0"/>
+                <a:cs typeface="Consolas" pitchFamily="49" charset="0"/>
+              </a:rPr>
+              <a:t>, </a:t>
+            </a:r>
+            <a:r>
+              <a:rPr lang="fr-FR" sz="1200" dirty="0" err="1" smtClean="0">
+                <a:latin typeface="Consolas" pitchFamily="49" charset="0"/>
+                <a:cs typeface="Consolas" pitchFamily="49" charset="0"/>
+              </a:rPr>
+              <a:t>int</a:t>
+            </a:r>
+            <a:r>
+              <a:rPr lang="fr-FR" sz="1200" dirty="0" smtClean="0">
+                <a:latin typeface="Consolas" pitchFamily="49" charset="0"/>
+                <a:cs typeface="Consolas" pitchFamily="49" charset="0"/>
+              </a:rPr>
+              <a:t> </a:t>
+            </a:r>
+            <a:r>
+              <a:rPr lang="fr-FR" sz="1200" dirty="0" err="1" smtClean="0">
+                <a:latin typeface="Consolas" pitchFamily="49" charset="0"/>
+                <a:cs typeface="Consolas" pitchFamily="49" charset="0"/>
+              </a:rPr>
+              <a:t>niveauordi</a:t>
             </a:r>
             <a:r>
               <a:rPr lang="fr-FR" sz="1200" dirty="0" smtClean="0">
@@ -6540,6 +9617,114 @@
                 <a:latin typeface="Consolas" pitchFamily="49" charset="0"/>
                 <a:cs typeface="Consolas" pitchFamily="49" charset="0"/>
               </a:rPr>
+              <a:t>int</a:t>
+            </a:r>
+            <a:r>
+              <a:rPr lang="fr-FR" sz="1200" dirty="0" smtClean="0">
+                <a:latin typeface="Consolas" pitchFamily="49" charset="0"/>
+                <a:cs typeface="Consolas" pitchFamily="49" charset="0"/>
+              </a:rPr>
+              <a:t> 		</a:t>
+            </a:r>
+            <a:r>
+              <a:rPr lang="fr-FR" sz="1200" dirty="0" err="1" smtClean="0">
+                <a:latin typeface="Consolas" pitchFamily="49" charset="0"/>
+                <a:cs typeface="Consolas" pitchFamily="49" charset="0"/>
+              </a:rPr>
+              <a:t>plateauNbPossibilites</a:t>
+            </a:r>
+            <a:r>
+              <a:rPr lang="fr-FR" sz="1200" dirty="0" smtClean="0">
+                <a:latin typeface="Consolas" pitchFamily="49" charset="0"/>
+                <a:cs typeface="Consolas" pitchFamily="49" charset="0"/>
+              </a:rPr>
+              <a:t> (</a:t>
+            </a:r>
+            <a:r>
+              <a:rPr lang="fr-FR" sz="1200" dirty="0" err="1" smtClean="0">
+                <a:latin typeface="Consolas" pitchFamily="49" charset="0"/>
+                <a:cs typeface="Consolas" pitchFamily="49" charset="0"/>
+              </a:rPr>
+              <a:t>const</a:t>
+            </a:r>
+            <a:r>
+              <a:rPr lang="fr-FR" sz="1200" dirty="0" smtClean="0">
+                <a:latin typeface="Consolas" pitchFamily="49" charset="0"/>
+                <a:cs typeface="Consolas" pitchFamily="49" charset="0"/>
+              </a:rPr>
+              <a:t> Plateau *p, Case *c)</a:t>
+            </a:r>
+          </a:p>
+          <a:p>
+            <a:pPr>
+              <a:buNone/>
+            </a:pPr>
+            <a:r>
+              <a:rPr lang="fr-FR" sz="1200" dirty="0" err="1" smtClean="0">
+                <a:latin typeface="Consolas" pitchFamily="49" charset="0"/>
+                <a:cs typeface="Consolas" pitchFamily="49" charset="0"/>
+              </a:rPr>
+              <a:t>int</a:t>
+            </a:r>
+            <a:r>
+              <a:rPr lang="fr-FR" sz="1200" dirty="0" smtClean="0">
+                <a:latin typeface="Consolas" pitchFamily="49" charset="0"/>
+                <a:cs typeface="Consolas" pitchFamily="49" charset="0"/>
+              </a:rPr>
+              <a:t> 		</a:t>
+            </a:r>
+            <a:r>
+              <a:rPr lang="fr-FR" sz="1200" dirty="0" err="1" smtClean="0">
+                <a:latin typeface="Consolas" pitchFamily="49" charset="0"/>
+                <a:cs typeface="Consolas" pitchFamily="49" charset="0"/>
+              </a:rPr>
+              <a:t>plateauTestCaseProche</a:t>
+            </a:r>
+            <a:r>
+              <a:rPr lang="fr-FR" sz="1200" dirty="0" smtClean="0">
+                <a:latin typeface="Consolas" pitchFamily="49" charset="0"/>
+                <a:cs typeface="Consolas" pitchFamily="49" charset="0"/>
+              </a:rPr>
+              <a:t> (</a:t>
+            </a:r>
+            <a:r>
+              <a:rPr lang="fr-FR" sz="1200" dirty="0" err="1" smtClean="0">
+                <a:latin typeface="Consolas" pitchFamily="49" charset="0"/>
+                <a:cs typeface="Consolas" pitchFamily="49" charset="0"/>
+              </a:rPr>
+              <a:t>int</a:t>
+            </a:r>
+            <a:r>
+              <a:rPr lang="fr-FR" sz="1200" dirty="0" smtClean="0">
+                <a:latin typeface="Consolas" pitchFamily="49" charset="0"/>
+                <a:cs typeface="Consolas" pitchFamily="49" charset="0"/>
+              </a:rPr>
+              <a:t> x, </a:t>
+            </a:r>
+            <a:r>
+              <a:rPr lang="fr-FR" sz="1200" dirty="0" err="1" smtClean="0">
+                <a:latin typeface="Consolas" pitchFamily="49" charset="0"/>
+                <a:cs typeface="Consolas" pitchFamily="49" charset="0"/>
+              </a:rPr>
+              <a:t>int</a:t>
+            </a:r>
+            <a:r>
+              <a:rPr lang="fr-FR" sz="1200" dirty="0" smtClean="0">
+                <a:latin typeface="Consolas" pitchFamily="49" charset="0"/>
+                <a:cs typeface="Consolas" pitchFamily="49" charset="0"/>
+              </a:rPr>
+              <a:t> y)</a:t>
+            </a:r>
+          </a:p>
+          <a:p>
+            <a:pPr>
+              <a:buNone/>
+            </a:pPr>
+            <a:r>
+              <a:rPr lang="fr-FR" sz="1200" dirty="0" err="1" smtClean="0">
+                <a:latin typeface="Consolas" pitchFamily="49" charset="0"/>
+                <a:cs typeface="Consolas" pitchFamily="49" charset="0"/>
+              </a:rPr>
               <a:t>void</a:t>
             </a:r>
             <a:r>
@@ -6554,7 +9739,7 @@
                 <a:latin typeface="Consolas" pitchFamily="49" charset="0"/>
                 <a:cs typeface="Consolas" pitchFamily="49" charset="0"/>
               </a:rPr>
-              <a:t>plateauChangeJoueur</a:t>
+              <a:t>plateauVolerPions</a:t>
             </a:r>
             <a:r>
               <a:rPr lang="fr-FR" sz="1200" dirty="0" smtClean="0">
@@ -6587,6 +9772,147 @@
                 <a:latin typeface="Consolas" pitchFamily="49" charset="0"/>
                 <a:cs typeface="Consolas" pitchFamily="49" charset="0"/>
               </a:rPr>
+              <a:t>int</a:t>
+            </a:r>
+            <a:r>
+              <a:rPr lang="fr-FR" sz="1200" dirty="0" smtClean="0">
+                <a:latin typeface="Consolas" pitchFamily="49" charset="0"/>
+                <a:cs typeface="Consolas" pitchFamily="49" charset="0"/>
+              </a:rPr>
+              <a:t> 		</a:t>
+            </a:r>
+            <a:r>
+              <a:rPr lang="fr-FR" sz="1200" dirty="0" err="1" smtClean="0">
+                <a:latin typeface="Consolas" pitchFamily="49" charset="0"/>
+                <a:cs typeface="Consolas" pitchFamily="49" charset="0"/>
+              </a:rPr>
+              <a:t>plateauNbPionsAVoler</a:t>
+            </a:r>
+            <a:r>
+              <a:rPr lang="fr-FR" sz="1200" dirty="0" smtClean="0">
+                <a:latin typeface="Consolas" pitchFamily="49" charset="0"/>
+                <a:cs typeface="Consolas" pitchFamily="49" charset="0"/>
+              </a:rPr>
+              <a:t> (Plateau *p, Case *c, </a:t>
+            </a:r>
+            <a:r>
+              <a:rPr lang="fr-FR" sz="1200" dirty="0" err="1" smtClean="0">
+                <a:latin typeface="Consolas" pitchFamily="49" charset="0"/>
+                <a:cs typeface="Consolas" pitchFamily="49" charset="0"/>
+              </a:rPr>
+              <a:t>int</a:t>
+            </a:r>
+            <a:r>
+              <a:rPr lang="fr-FR" sz="1200" dirty="0" smtClean="0">
+                <a:latin typeface="Consolas" pitchFamily="49" charset="0"/>
+                <a:cs typeface="Consolas" pitchFamily="49" charset="0"/>
+              </a:rPr>
+              <a:t> joueur)</a:t>
+            </a:r>
+          </a:p>
+          <a:p>
+            <a:pPr>
+              <a:buNone/>
+            </a:pPr>
+            <a:r>
+              <a:rPr lang="fr-FR" sz="1200" dirty="0" err="1" smtClean="0">
+                <a:latin typeface="Consolas" pitchFamily="49" charset="0"/>
+                <a:cs typeface="Consolas" pitchFamily="49" charset="0"/>
+              </a:rPr>
+              <a:t>int</a:t>
+            </a:r>
+            <a:r>
+              <a:rPr lang="fr-FR" sz="1200" dirty="0" smtClean="0">
+                <a:latin typeface="Consolas" pitchFamily="49" charset="0"/>
+                <a:cs typeface="Consolas" pitchFamily="49" charset="0"/>
+              </a:rPr>
+              <a:t> 		</a:t>
+            </a:r>
+            <a:r>
+              <a:rPr lang="fr-FR" sz="1200" dirty="0" err="1" smtClean="0">
+                <a:latin typeface="Consolas" pitchFamily="49" charset="0"/>
+                <a:cs typeface="Consolas" pitchFamily="49" charset="0"/>
+              </a:rPr>
+              <a:t>plateauNbPionsAVolerAdjacent</a:t>
+            </a:r>
+            <a:r>
+              <a:rPr lang="fr-FR" sz="1200" dirty="0" smtClean="0">
+                <a:latin typeface="Consolas" pitchFamily="49" charset="0"/>
+                <a:cs typeface="Consolas" pitchFamily="49" charset="0"/>
+              </a:rPr>
+              <a:t> (Plateau *p, Case *c1, Case *c2, </a:t>
+            </a:r>
+            <a:r>
+              <a:rPr lang="fr-FR" sz="1200" dirty="0" err="1" smtClean="0">
+                <a:latin typeface="Consolas" pitchFamily="49" charset="0"/>
+                <a:cs typeface="Consolas" pitchFamily="49" charset="0"/>
+              </a:rPr>
+              <a:t>int</a:t>
+            </a:r>
+            <a:r>
+              <a:rPr lang="fr-FR" sz="1200" dirty="0" smtClean="0">
+                <a:latin typeface="Consolas" pitchFamily="49" charset="0"/>
+                <a:cs typeface="Consolas" pitchFamily="49" charset="0"/>
+              </a:rPr>
+              <a:t> joueur)</a:t>
+            </a:r>
+          </a:p>
+          <a:p>
+            <a:pPr>
+              <a:buNone/>
+            </a:pPr>
+            <a:r>
+              <a:rPr lang="fr-FR" sz="1200" dirty="0" err="1" smtClean="0">
+                <a:latin typeface="Consolas" pitchFamily="49" charset="0"/>
+                <a:cs typeface="Consolas" pitchFamily="49" charset="0"/>
+              </a:rPr>
+              <a:t>int</a:t>
+            </a:r>
+            <a:r>
+              <a:rPr lang="fr-FR" sz="1200" dirty="0" smtClean="0">
+                <a:latin typeface="Consolas" pitchFamily="49" charset="0"/>
+                <a:cs typeface="Consolas" pitchFamily="49" charset="0"/>
+              </a:rPr>
+              <a:t> 		</a:t>
+            </a:r>
+            <a:r>
+              <a:rPr lang="fr-FR" sz="1200" dirty="0" err="1" smtClean="0">
+                <a:latin typeface="Consolas" pitchFamily="49" charset="0"/>
+                <a:cs typeface="Consolas" pitchFamily="49" charset="0"/>
+              </a:rPr>
+              <a:t>plateauNbPionsPerdu</a:t>
+            </a:r>
+            <a:r>
+              <a:rPr lang="fr-FR" sz="1200" dirty="0" smtClean="0">
+                <a:latin typeface="Consolas" pitchFamily="49" charset="0"/>
+                <a:cs typeface="Consolas" pitchFamily="49" charset="0"/>
+              </a:rPr>
+              <a:t> (Plateau *p, Case *c, </a:t>
+            </a:r>
+            <a:r>
+              <a:rPr lang="fr-FR" sz="1200" dirty="0" err="1" smtClean="0">
+                <a:latin typeface="Consolas" pitchFamily="49" charset="0"/>
+                <a:cs typeface="Consolas" pitchFamily="49" charset="0"/>
+              </a:rPr>
+              <a:t>int</a:t>
+            </a:r>
+            <a:r>
+              <a:rPr lang="fr-FR" sz="1200" dirty="0" smtClean="0">
+                <a:latin typeface="Consolas" pitchFamily="49" charset="0"/>
+                <a:cs typeface="Consolas" pitchFamily="49" charset="0"/>
+              </a:rPr>
+              <a:t> joueur)</a:t>
+            </a:r>
+          </a:p>
+          <a:p>
+            <a:pPr>
+              <a:buNone/>
+            </a:pPr>
+            <a:r>
+              <a:rPr lang="fr-FR" sz="1200" dirty="0" err="1" smtClean="0">
+                <a:latin typeface="Consolas" pitchFamily="49" charset="0"/>
+                <a:cs typeface="Consolas" pitchFamily="49" charset="0"/>
+              </a:rPr>
               <a:t>void</a:t>
             </a:r>
             <a:r>
@@ -6601,14 +9927,56 @@
                 <a:latin typeface="Consolas" pitchFamily="49" charset="0"/>
                 <a:cs typeface="Consolas" pitchFamily="49" charset="0"/>
               </a:rPr>
-              <a:t>plateauDecrementePlacesLibres</a:t>
-            </a:r>
-            <a:r>
-              <a:rPr lang="fr-FR" sz="1200" dirty="0" smtClean="0">
-                <a:latin typeface="Consolas" pitchFamily="49" charset="0"/>
-                <a:cs typeface="Consolas" pitchFamily="49" charset="0"/>
-              </a:rPr>
-              <a:t> (Plateau *p)</a:t>
+              <a:t>changeScoreJoueur</a:t>
+            </a:r>
+            <a:r>
+              <a:rPr lang="fr-FR" sz="1200" dirty="0" smtClean="0">
+                <a:latin typeface="Consolas" pitchFamily="49" charset="0"/>
+                <a:cs typeface="Consolas" pitchFamily="49" charset="0"/>
+              </a:rPr>
+              <a:t> (Plateau *p, </a:t>
+            </a:r>
+            <a:r>
+              <a:rPr lang="fr-FR" sz="1200" dirty="0" err="1" smtClean="0">
+                <a:latin typeface="Consolas" pitchFamily="49" charset="0"/>
+                <a:cs typeface="Consolas" pitchFamily="49" charset="0"/>
+              </a:rPr>
+              <a:t>int</a:t>
+            </a:r>
+            <a:r>
+              <a:rPr lang="fr-FR" sz="1200" dirty="0" smtClean="0">
+                <a:latin typeface="Consolas" pitchFamily="49" charset="0"/>
+                <a:cs typeface="Consolas" pitchFamily="49" charset="0"/>
+              </a:rPr>
+              <a:t> joueur, </a:t>
+            </a:r>
+            <a:r>
+              <a:rPr lang="fr-FR" sz="1200" dirty="0" err="1" smtClean="0">
+                <a:latin typeface="Consolas" pitchFamily="49" charset="0"/>
+                <a:cs typeface="Consolas" pitchFamily="49" charset="0"/>
+              </a:rPr>
+              <a:t>int</a:t>
+            </a:r>
+            <a:r>
+              <a:rPr lang="fr-FR" sz="1200" dirty="0" smtClean="0">
+                <a:latin typeface="Consolas" pitchFamily="49" charset="0"/>
+                <a:cs typeface="Consolas" pitchFamily="49" charset="0"/>
+              </a:rPr>
+              <a:t> </a:t>
+            </a:r>
+            <a:r>
+              <a:rPr lang="fr-FR" sz="1200" dirty="0" err="1" smtClean="0">
+                <a:latin typeface="Consolas" pitchFamily="49" charset="0"/>
+                <a:cs typeface="Consolas" pitchFamily="49" charset="0"/>
+              </a:rPr>
+              <a:t>dec</a:t>
+            </a:r>
+            <a:r>
+              <a:rPr lang="fr-FR" sz="1200" dirty="0" smtClean="0">
+                <a:latin typeface="Consolas" pitchFamily="49" charset="0"/>
+                <a:cs typeface="Consolas" pitchFamily="49" charset="0"/>
+              </a:rPr>
+              <a:t>)</a:t>
             </a:r>
           </a:p>
           <a:p>
@@ -6627,1034 +9995,14 @@
                 <a:latin typeface="Consolas" pitchFamily="49" charset="0"/>
                 <a:cs typeface="Consolas" pitchFamily="49" charset="0"/>
               </a:rPr>
-              <a:t> 		</a:t>
-            </a:r>
-            <a:r>
-              <a:rPr lang="fr-FR" sz="1200" dirty="0" err="1" smtClean="0">
-                <a:latin typeface="Consolas" pitchFamily="49" charset="0"/>
-                <a:cs typeface="Consolas" pitchFamily="49" charset="0"/>
-              </a:rPr>
-              <a:t>plateauGetPlacesLibres</a:t>
-            </a:r>
-            <a:r>
-              <a:rPr lang="fr-FR" sz="1200" dirty="0" smtClean="0">
-                <a:latin typeface="Consolas" pitchFamily="49" charset="0"/>
-                <a:cs typeface="Consolas" pitchFamily="49" charset="0"/>
-              </a:rPr>
-              <a:t> (</a:t>
-            </a:r>
-            <a:r>
-              <a:rPr lang="fr-FR" sz="1200" dirty="0" err="1" smtClean="0">
-                <a:latin typeface="Consolas" pitchFamily="49" charset="0"/>
-                <a:cs typeface="Consolas" pitchFamily="49" charset="0"/>
-              </a:rPr>
-              <a:t>const</a:t>
-            </a:r>
-            <a:r>
-              <a:rPr lang="fr-FR" sz="1200" dirty="0" smtClean="0">
-                <a:latin typeface="Consolas" pitchFamily="49" charset="0"/>
-                <a:cs typeface="Consolas" pitchFamily="49" charset="0"/>
-              </a:rPr>
-              <a:t> Plateau *p)</a:t>
-            </a:r>
-          </a:p>
-          <a:p>
-            <a:pPr>
-              <a:buNone/>
-            </a:pPr>
-            <a:r>
-              <a:rPr lang="fr-FR" sz="1200" dirty="0" err="1" smtClean="0">
-                <a:latin typeface="Consolas" pitchFamily="49" charset="0"/>
-                <a:cs typeface="Consolas" pitchFamily="49" charset="0"/>
-              </a:rPr>
-              <a:t>int</a:t>
-            </a:r>
-            <a:r>
-              <a:rPr lang="fr-FR" sz="1200" dirty="0" smtClean="0">
-                <a:latin typeface="Consolas" pitchFamily="49" charset="0"/>
-                <a:cs typeface="Consolas" pitchFamily="49" charset="0"/>
-              </a:rPr>
-              <a:t> 		</a:t>
-            </a:r>
-            <a:r>
-              <a:rPr lang="fr-FR" sz="1200" dirty="0" err="1" smtClean="0">
-                <a:latin typeface="Consolas" pitchFamily="49" charset="0"/>
-                <a:cs typeface="Consolas" pitchFamily="49" charset="0"/>
-              </a:rPr>
-              <a:t>plateauGetCapacite</a:t>
-            </a:r>
-            <a:r>
-              <a:rPr lang="fr-FR" sz="1200" dirty="0" smtClean="0">
-                <a:latin typeface="Consolas" pitchFamily="49" charset="0"/>
-                <a:cs typeface="Consolas" pitchFamily="49" charset="0"/>
-              </a:rPr>
-              <a:t> (</a:t>
-            </a:r>
-            <a:r>
-              <a:rPr lang="fr-FR" sz="1200" dirty="0" err="1" smtClean="0">
-                <a:latin typeface="Consolas" pitchFamily="49" charset="0"/>
-                <a:cs typeface="Consolas" pitchFamily="49" charset="0"/>
-              </a:rPr>
-              <a:t>const</a:t>
-            </a:r>
-            <a:r>
-              <a:rPr lang="fr-FR" sz="1200" dirty="0" smtClean="0">
-                <a:latin typeface="Consolas" pitchFamily="49" charset="0"/>
-                <a:cs typeface="Consolas" pitchFamily="49" charset="0"/>
-              </a:rPr>
-              <a:t> Plateau *p)</a:t>
-            </a:r>
-          </a:p>
-          <a:p>
-            <a:pPr>
-              <a:buNone/>
-            </a:pPr>
-            <a:r>
-              <a:rPr lang="fr-FR" sz="1200" dirty="0" smtClean="0">
-                <a:latin typeface="Consolas" pitchFamily="49" charset="0"/>
-                <a:cs typeface="Consolas" pitchFamily="49" charset="0"/>
-              </a:rPr>
-              <a:t>Case * 	</a:t>
-            </a:r>
-            <a:r>
-              <a:rPr lang="fr-FR" sz="1200" dirty="0" err="1" smtClean="0">
-                <a:latin typeface="Consolas" pitchFamily="49" charset="0"/>
-                <a:cs typeface="Consolas" pitchFamily="49" charset="0"/>
-              </a:rPr>
-              <a:t>plateauGetCaseI</a:t>
-            </a:r>
-            <a:r>
-              <a:rPr lang="fr-FR" sz="1200" dirty="0" smtClean="0">
-                <a:latin typeface="Consolas" pitchFamily="49" charset="0"/>
-                <a:cs typeface="Consolas" pitchFamily="49" charset="0"/>
-              </a:rPr>
-              <a:t> (</a:t>
-            </a:r>
-            <a:r>
-              <a:rPr lang="fr-FR" sz="1200" dirty="0" err="1" smtClean="0">
-                <a:latin typeface="Consolas" pitchFamily="49" charset="0"/>
-                <a:cs typeface="Consolas" pitchFamily="49" charset="0"/>
-              </a:rPr>
-              <a:t>const</a:t>
-            </a:r>
-            <a:r>
-              <a:rPr lang="fr-FR" sz="1200" dirty="0" smtClean="0">
-                <a:latin typeface="Consolas" pitchFamily="49" charset="0"/>
-                <a:cs typeface="Consolas" pitchFamily="49" charset="0"/>
-              </a:rPr>
-              <a:t> Plateau *p, </a:t>
-            </a:r>
-            <a:r>
-              <a:rPr lang="fr-FR" sz="1200" dirty="0" err="1" smtClean="0">
-                <a:latin typeface="Consolas" pitchFamily="49" charset="0"/>
-                <a:cs typeface="Consolas" pitchFamily="49" charset="0"/>
-              </a:rPr>
-              <a:t>int</a:t>
-            </a:r>
-            <a:r>
-              <a:rPr lang="fr-FR" sz="1200" dirty="0" smtClean="0">
-                <a:latin typeface="Consolas" pitchFamily="49" charset="0"/>
-                <a:cs typeface="Consolas" pitchFamily="49" charset="0"/>
-              </a:rPr>
-              <a:t> i)</a:t>
-            </a:r>
-          </a:p>
-          <a:p>
-            <a:pPr>
-              <a:buNone/>
-            </a:pPr>
-            <a:r>
-              <a:rPr lang="fr-FR" sz="1200" dirty="0" err="1" smtClean="0">
-                <a:latin typeface="Consolas" pitchFamily="49" charset="0"/>
-                <a:cs typeface="Consolas" pitchFamily="49" charset="0"/>
-              </a:rPr>
-              <a:t>int</a:t>
-            </a:r>
-            <a:r>
-              <a:rPr lang="fr-FR" sz="1200" dirty="0" smtClean="0">
-                <a:latin typeface="Consolas" pitchFamily="49" charset="0"/>
-                <a:cs typeface="Consolas" pitchFamily="49" charset="0"/>
-              </a:rPr>
-              <a:t> 		</a:t>
-            </a:r>
-            <a:r>
-              <a:rPr lang="fr-FR" sz="1200" dirty="0" err="1" smtClean="0">
-                <a:latin typeface="Consolas" pitchFamily="49" charset="0"/>
-                <a:cs typeface="Consolas" pitchFamily="49" charset="0"/>
-              </a:rPr>
-              <a:t>plateauSourisDansCase</a:t>
-            </a:r>
-            <a:r>
-              <a:rPr lang="fr-FR" sz="1200" dirty="0" smtClean="0">
-                <a:latin typeface="Consolas" pitchFamily="49" charset="0"/>
-                <a:cs typeface="Consolas" pitchFamily="49" charset="0"/>
-              </a:rPr>
-              <a:t> (</a:t>
-            </a:r>
-            <a:r>
-              <a:rPr lang="fr-FR" sz="1200" dirty="0" err="1" smtClean="0">
-                <a:latin typeface="Consolas" pitchFamily="49" charset="0"/>
-                <a:cs typeface="Consolas" pitchFamily="49" charset="0"/>
-              </a:rPr>
-              <a:t>int</a:t>
-            </a:r>
-            <a:r>
-              <a:rPr lang="fr-FR" sz="1200" dirty="0" smtClean="0">
-                <a:latin typeface="Consolas" pitchFamily="49" charset="0"/>
-                <a:cs typeface="Consolas" pitchFamily="49" charset="0"/>
-              </a:rPr>
               <a:t> </a:t>
             </a:r>
             <a:r>
-              <a:rPr lang="fr-FR" sz="1200" dirty="0" err="1" smtClean="0">
-                <a:latin typeface="Consolas" pitchFamily="49" charset="0"/>
-                <a:cs typeface="Consolas" pitchFamily="49" charset="0"/>
-              </a:rPr>
-              <a:t>sx</a:t>
-            </a:r>
-            <a:r>
-              <a:rPr lang="fr-FR" sz="1200" dirty="0" smtClean="0">
-                <a:latin typeface="Consolas" pitchFamily="49" charset="0"/>
-                <a:cs typeface="Consolas" pitchFamily="49" charset="0"/>
-              </a:rPr>
-              <a:t>, </a:t>
-            </a:r>
-            <a:r>
-              <a:rPr lang="fr-FR" sz="1200" dirty="0" err="1" smtClean="0">
-                <a:latin typeface="Consolas" pitchFamily="49" charset="0"/>
-                <a:cs typeface="Consolas" pitchFamily="49" charset="0"/>
-              </a:rPr>
-              <a:t>int</a:t>
-            </a:r>
-            <a:r>
-              <a:rPr lang="fr-FR" sz="1200" dirty="0" smtClean="0">
-                <a:latin typeface="Consolas" pitchFamily="49" charset="0"/>
-                <a:cs typeface="Consolas" pitchFamily="49" charset="0"/>
-              </a:rPr>
-              <a:t> </a:t>
-            </a:r>
-            <a:r>
-              <a:rPr lang="fr-FR" sz="1200" dirty="0" err="1" smtClean="0">
-                <a:latin typeface="Consolas" pitchFamily="49" charset="0"/>
-                <a:cs typeface="Consolas" pitchFamily="49" charset="0"/>
-              </a:rPr>
-              <a:t>sy</a:t>
-            </a:r>
-            <a:r>
-              <a:rPr lang="fr-FR" sz="1200" dirty="0" smtClean="0">
-                <a:latin typeface="Consolas" pitchFamily="49" charset="0"/>
-                <a:cs typeface="Consolas" pitchFamily="49" charset="0"/>
-              </a:rPr>
-              <a:t>, </a:t>
-            </a:r>
-            <a:r>
-              <a:rPr lang="fr-FR" sz="1200" dirty="0" err="1" smtClean="0">
-                <a:latin typeface="Consolas" pitchFamily="49" charset="0"/>
-                <a:cs typeface="Consolas" pitchFamily="49" charset="0"/>
-              </a:rPr>
-              <a:t>const</a:t>
-            </a:r>
-            <a:r>
-              <a:rPr lang="fr-FR" sz="1200" dirty="0" smtClean="0">
-                <a:latin typeface="Consolas" pitchFamily="49" charset="0"/>
-                <a:cs typeface="Consolas" pitchFamily="49" charset="0"/>
-              </a:rPr>
-              <a:t> Case *c, </a:t>
-            </a:r>
-            <a:r>
-              <a:rPr lang="fr-FR" sz="1200" dirty="0" err="1" smtClean="0">
-                <a:latin typeface="Consolas" pitchFamily="49" charset="0"/>
-                <a:cs typeface="Consolas" pitchFamily="49" charset="0"/>
-              </a:rPr>
-              <a:t>int</a:t>
-            </a:r>
-            <a:r>
-              <a:rPr lang="fr-FR" sz="1200" dirty="0" smtClean="0">
-                <a:latin typeface="Consolas" pitchFamily="49" charset="0"/>
-                <a:cs typeface="Consolas" pitchFamily="49" charset="0"/>
-              </a:rPr>
-              <a:t> </a:t>
-            </a:r>
-            <a:r>
-              <a:rPr lang="fr-FR" sz="1200" dirty="0" err="1" smtClean="0">
-                <a:latin typeface="Consolas" pitchFamily="49" charset="0"/>
-                <a:cs typeface="Consolas" pitchFamily="49" charset="0"/>
-              </a:rPr>
-              <a:t>dim</a:t>
-            </a:r>
-            <a:r>
-              <a:rPr lang="fr-FR" sz="1200" dirty="0" smtClean="0">
-                <a:latin typeface="Consolas" pitchFamily="49" charset="0"/>
-                <a:cs typeface="Consolas" pitchFamily="49" charset="0"/>
-              </a:rPr>
-              <a:t>)</a:t>
-            </a:r>
-          </a:p>
-          <a:p>
-            <a:pPr>
-              <a:buNone/>
-            </a:pPr>
-            <a:r>
-              <a:rPr lang="fr-FR" sz="1200" dirty="0" smtClean="0">
-                <a:latin typeface="Consolas" pitchFamily="49" charset="0"/>
-                <a:cs typeface="Consolas" pitchFamily="49" charset="0"/>
-              </a:rPr>
-              <a:t>Case * 	</a:t>
-            </a:r>
-            <a:r>
-              <a:rPr lang="fr-FR" sz="1200" dirty="0" err="1" smtClean="0">
-                <a:latin typeface="Consolas" pitchFamily="49" charset="0"/>
-                <a:cs typeface="Consolas" pitchFamily="49" charset="0"/>
-              </a:rPr>
-              <a:t>plateauCaseSurvollee</a:t>
-            </a:r>
-            <a:r>
-              <a:rPr lang="fr-FR" sz="1200" dirty="0" smtClean="0">
-                <a:latin typeface="Consolas" pitchFamily="49" charset="0"/>
-                <a:cs typeface="Consolas" pitchFamily="49" charset="0"/>
-              </a:rPr>
-              <a:t> (</a:t>
-            </a:r>
-            <a:r>
-              <a:rPr lang="fr-FR" sz="1200" dirty="0" err="1" smtClean="0">
-                <a:latin typeface="Consolas" pitchFamily="49" charset="0"/>
-                <a:cs typeface="Consolas" pitchFamily="49" charset="0"/>
-              </a:rPr>
-              <a:t>int</a:t>
-            </a:r>
-            <a:r>
-              <a:rPr lang="fr-FR" sz="1200" dirty="0" smtClean="0">
-                <a:latin typeface="Consolas" pitchFamily="49" charset="0"/>
-                <a:cs typeface="Consolas" pitchFamily="49" charset="0"/>
-              </a:rPr>
-              <a:t> </a:t>
-            </a:r>
-            <a:r>
-              <a:rPr lang="fr-FR" sz="1200" dirty="0" err="1" smtClean="0">
-                <a:latin typeface="Consolas" pitchFamily="49" charset="0"/>
-                <a:cs typeface="Consolas" pitchFamily="49" charset="0"/>
-              </a:rPr>
-              <a:t>sx</a:t>
-            </a:r>
-            <a:r>
-              <a:rPr lang="fr-FR" sz="1200" dirty="0" smtClean="0">
-                <a:latin typeface="Consolas" pitchFamily="49" charset="0"/>
-                <a:cs typeface="Consolas" pitchFamily="49" charset="0"/>
-              </a:rPr>
-              <a:t>, </a:t>
-            </a:r>
-            <a:r>
-              <a:rPr lang="fr-FR" sz="1200" dirty="0" err="1" smtClean="0">
-                <a:latin typeface="Consolas" pitchFamily="49" charset="0"/>
-                <a:cs typeface="Consolas" pitchFamily="49" charset="0"/>
-              </a:rPr>
-              <a:t>int</a:t>
-            </a:r>
-            <a:r>
-              <a:rPr lang="fr-FR" sz="1200" dirty="0" smtClean="0">
-                <a:latin typeface="Consolas" pitchFamily="49" charset="0"/>
-                <a:cs typeface="Consolas" pitchFamily="49" charset="0"/>
-              </a:rPr>
-              <a:t> </a:t>
-            </a:r>
-            <a:r>
-              <a:rPr lang="fr-FR" sz="1200" dirty="0" err="1" smtClean="0">
-                <a:latin typeface="Consolas" pitchFamily="49" charset="0"/>
-                <a:cs typeface="Consolas" pitchFamily="49" charset="0"/>
-              </a:rPr>
-              <a:t>sy</a:t>
-            </a:r>
-            <a:r>
-              <a:rPr lang="fr-FR" sz="1200" dirty="0" smtClean="0">
-                <a:latin typeface="Consolas" pitchFamily="49" charset="0"/>
-                <a:cs typeface="Consolas" pitchFamily="49" charset="0"/>
-              </a:rPr>
-              <a:t>, </a:t>
-            </a:r>
-            <a:r>
-              <a:rPr lang="fr-FR" sz="1200" dirty="0" err="1" smtClean="0">
-                <a:latin typeface="Consolas" pitchFamily="49" charset="0"/>
-                <a:cs typeface="Consolas" pitchFamily="49" charset="0"/>
-              </a:rPr>
-              <a:t>const</a:t>
-            </a:r>
-            <a:r>
-              <a:rPr lang="fr-FR" sz="1200" dirty="0" smtClean="0">
-                <a:latin typeface="Consolas" pitchFamily="49" charset="0"/>
-                <a:cs typeface="Consolas" pitchFamily="49" charset="0"/>
-              </a:rPr>
-              <a:t> Plateau *p, </a:t>
-            </a:r>
-            <a:r>
-              <a:rPr lang="fr-FR" sz="1200" dirty="0" err="1" smtClean="0">
-                <a:latin typeface="Consolas" pitchFamily="49" charset="0"/>
-                <a:cs typeface="Consolas" pitchFamily="49" charset="0"/>
-              </a:rPr>
-              <a:t>int</a:t>
-            </a:r>
-            <a:r>
-              <a:rPr lang="fr-FR" sz="1200" dirty="0" smtClean="0">
-                <a:latin typeface="Consolas" pitchFamily="49" charset="0"/>
-                <a:cs typeface="Consolas" pitchFamily="49" charset="0"/>
-              </a:rPr>
-              <a:t> </a:t>
-            </a:r>
-            <a:r>
-              <a:rPr lang="fr-FR" sz="1200" dirty="0" err="1" smtClean="0">
-                <a:latin typeface="Consolas" pitchFamily="49" charset="0"/>
-                <a:cs typeface="Consolas" pitchFamily="49" charset="0"/>
-              </a:rPr>
-              <a:t>dim</a:t>
-            </a:r>
-            <a:r>
-              <a:rPr lang="fr-FR" sz="1200" dirty="0" smtClean="0">
-                <a:latin typeface="Consolas" pitchFamily="49" charset="0"/>
-                <a:cs typeface="Consolas" pitchFamily="49" charset="0"/>
-              </a:rPr>
-              <a:t>)</a:t>
-            </a:r>
-          </a:p>
-          <a:p>
-            <a:pPr>
-              <a:buNone/>
-            </a:pPr>
-            <a:r>
-              <a:rPr lang="fr-FR" sz="1200" dirty="0" err="1" smtClean="0">
-                <a:latin typeface="Consolas" pitchFamily="49" charset="0"/>
-                <a:cs typeface="Consolas" pitchFamily="49" charset="0"/>
-              </a:rPr>
-              <a:t>void</a:t>
-            </a:r>
-            <a:r>
-              <a:rPr lang="fr-FR" sz="1200" dirty="0" smtClean="0">
-                <a:latin typeface="Consolas" pitchFamily="49" charset="0"/>
-                <a:cs typeface="Consolas" pitchFamily="49" charset="0"/>
-              </a:rPr>
-              <a:t> 	</a:t>
-            </a:r>
-            <a:r>
-              <a:rPr lang="fr-FR" sz="1200" dirty="0" err="1" smtClean="0">
-                <a:latin typeface="Consolas" pitchFamily="49" charset="0"/>
-                <a:cs typeface="Consolas" pitchFamily="49" charset="0"/>
-              </a:rPr>
-              <a:t>plateauLireFichier</a:t>
-            </a:r>
-            <a:r>
-              <a:rPr lang="fr-FR" sz="1200" dirty="0" smtClean="0">
-                <a:latin typeface="Consolas" pitchFamily="49" charset="0"/>
-                <a:cs typeface="Consolas" pitchFamily="49" charset="0"/>
-              </a:rPr>
-              <a:t> (Plateau *p, </a:t>
-            </a:r>
-            <a:r>
-              <a:rPr lang="fr-FR" sz="1200" dirty="0" err="1" smtClean="0">
-                <a:latin typeface="Consolas" pitchFamily="49" charset="0"/>
-                <a:cs typeface="Consolas" pitchFamily="49" charset="0"/>
-              </a:rPr>
-              <a:t>const</a:t>
-            </a:r>
-            <a:r>
-              <a:rPr lang="fr-FR" sz="1200" dirty="0" smtClean="0">
-                <a:latin typeface="Consolas" pitchFamily="49" charset="0"/>
-                <a:cs typeface="Consolas" pitchFamily="49" charset="0"/>
-              </a:rPr>
-              <a:t> char </a:t>
-            </a:r>
-            <a:r>
-              <a:rPr lang="fr-FR" sz="1200" dirty="0" err="1" smtClean="0">
-                <a:latin typeface="Consolas" pitchFamily="49" charset="0"/>
-                <a:cs typeface="Consolas" pitchFamily="49" charset="0"/>
-              </a:rPr>
-              <a:t>filename</a:t>
-            </a:r>
-            <a:r>
-              <a:rPr lang="fr-FR" sz="1200" dirty="0" smtClean="0">
-                <a:latin typeface="Consolas" pitchFamily="49" charset="0"/>
-                <a:cs typeface="Consolas" pitchFamily="49" charset="0"/>
-              </a:rPr>
-              <a:t>[], </a:t>
-            </a:r>
-            <a:r>
-              <a:rPr lang="fr-FR" sz="1200" dirty="0" err="1" smtClean="0">
-                <a:latin typeface="Consolas" pitchFamily="49" charset="0"/>
-                <a:cs typeface="Consolas" pitchFamily="49" charset="0"/>
-              </a:rPr>
-              <a:t>int</a:t>
-            </a:r>
-            <a:r>
-              <a:rPr lang="fr-FR" sz="1200" dirty="0" smtClean="0">
-                <a:latin typeface="Consolas" pitchFamily="49" charset="0"/>
-                <a:cs typeface="Consolas" pitchFamily="49" charset="0"/>
-              </a:rPr>
-              <a:t> *joueur)</a:t>
-            </a:r>
-          </a:p>
-          <a:p>
-            <a:pPr>
-              <a:buNone/>
-            </a:pPr>
-            <a:r>
-              <a:rPr lang="fr-FR" sz="1200" dirty="0" err="1" smtClean="0">
-                <a:latin typeface="Consolas" pitchFamily="49" charset="0"/>
-                <a:cs typeface="Consolas" pitchFamily="49" charset="0"/>
-              </a:rPr>
-              <a:t>void</a:t>
-            </a:r>
-            <a:r>
-              <a:rPr lang="fr-FR" sz="1200" dirty="0" smtClean="0">
-                <a:latin typeface="Consolas" pitchFamily="49" charset="0"/>
-                <a:cs typeface="Consolas" pitchFamily="49" charset="0"/>
-              </a:rPr>
-              <a:t> 	</a:t>
-            </a:r>
-            <a:r>
-              <a:rPr lang="fr-FR" sz="1200" dirty="0" err="1" smtClean="0">
-                <a:latin typeface="Consolas" pitchFamily="49" charset="0"/>
-                <a:cs typeface="Consolas" pitchFamily="49" charset="0"/>
-              </a:rPr>
-              <a:t>plateauEcrireFichier</a:t>
-            </a:r>
-            <a:r>
-              <a:rPr lang="fr-FR" sz="1200" dirty="0" smtClean="0">
-                <a:latin typeface="Consolas" pitchFamily="49" charset="0"/>
-                <a:cs typeface="Consolas" pitchFamily="49" charset="0"/>
-              </a:rPr>
-              <a:t> (Plateau *p, </a:t>
-            </a:r>
-            <a:r>
-              <a:rPr lang="fr-FR" sz="1200" dirty="0" err="1" smtClean="0">
-                <a:latin typeface="Consolas" pitchFamily="49" charset="0"/>
-                <a:cs typeface="Consolas" pitchFamily="49" charset="0"/>
-              </a:rPr>
-              <a:t>int</a:t>
-            </a:r>
-            <a:r>
-              <a:rPr lang="fr-FR" sz="1200" dirty="0" smtClean="0">
-                <a:latin typeface="Consolas" pitchFamily="49" charset="0"/>
-                <a:cs typeface="Consolas" pitchFamily="49" charset="0"/>
-              </a:rPr>
-              <a:t> </a:t>
-            </a:r>
-            <a:r>
-              <a:rPr lang="fr-FR" sz="1200" dirty="0" err="1" smtClean="0">
-                <a:latin typeface="Consolas" pitchFamily="49" charset="0"/>
-                <a:cs typeface="Consolas" pitchFamily="49" charset="0"/>
-              </a:rPr>
-              <a:t>qui_joue</a:t>
-            </a:r>
-            <a:r>
-              <a:rPr lang="fr-FR" sz="1200" dirty="0" smtClean="0">
-                <a:latin typeface="Consolas" pitchFamily="49" charset="0"/>
-                <a:cs typeface="Consolas" pitchFamily="49" charset="0"/>
-              </a:rPr>
-              <a:t>, </a:t>
-            </a:r>
-            <a:r>
-              <a:rPr lang="fr-FR" sz="1200" dirty="0" err="1" smtClean="0">
-                <a:latin typeface="Consolas" pitchFamily="49" charset="0"/>
-                <a:cs typeface="Consolas" pitchFamily="49" charset="0"/>
-              </a:rPr>
-              <a:t>int</a:t>
-            </a:r>
-            <a:r>
-              <a:rPr lang="fr-FR" sz="1200" dirty="0" smtClean="0">
-                <a:latin typeface="Consolas" pitchFamily="49" charset="0"/>
-                <a:cs typeface="Consolas" pitchFamily="49" charset="0"/>
-              </a:rPr>
-              <a:t> </a:t>
-            </a:r>
-            <a:r>
-              <a:rPr lang="fr-FR" sz="1200" dirty="0" err="1" smtClean="0">
-                <a:latin typeface="Consolas" pitchFamily="49" charset="0"/>
-                <a:cs typeface="Consolas" pitchFamily="49" charset="0"/>
-              </a:rPr>
-              <a:t>contreordi</a:t>
-            </a:r>
-            <a:r>
-              <a:rPr lang="fr-FR" sz="1200" dirty="0" smtClean="0">
-                <a:latin typeface="Consolas" pitchFamily="49" charset="0"/>
-                <a:cs typeface="Consolas" pitchFamily="49" charset="0"/>
-              </a:rPr>
-              <a:t>, </a:t>
-            </a:r>
-            <a:r>
-              <a:rPr lang="fr-FR" sz="1200" dirty="0" err="1" smtClean="0">
-                <a:latin typeface="Consolas" pitchFamily="49" charset="0"/>
-                <a:cs typeface="Consolas" pitchFamily="49" charset="0"/>
-              </a:rPr>
-              <a:t>int</a:t>
-            </a:r>
-            <a:r>
-              <a:rPr lang="fr-FR" sz="1200" dirty="0" smtClean="0">
-                <a:latin typeface="Consolas" pitchFamily="49" charset="0"/>
-                <a:cs typeface="Consolas" pitchFamily="49" charset="0"/>
-              </a:rPr>
-              <a:t> </a:t>
-            </a:r>
-            <a:r>
-              <a:rPr lang="fr-FR" sz="1200" dirty="0" err="1" smtClean="0">
-                <a:latin typeface="Consolas" pitchFamily="49" charset="0"/>
-                <a:cs typeface="Consolas" pitchFamily="49" charset="0"/>
-              </a:rPr>
-              <a:t>niveauordi</a:t>
-            </a:r>
-            <a:r>
-              <a:rPr lang="fr-FR" sz="1200" dirty="0" smtClean="0">
-                <a:latin typeface="Consolas" pitchFamily="49" charset="0"/>
-                <a:cs typeface="Consolas" pitchFamily="49" charset="0"/>
-              </a:rPr>
-              <a:t>)</a:t>
-            </a:r>
-          </a:p>
-          <a:p>
-            <a:pPr>
-              <a:buNone/>
-            </a:pPr>
-            <a:r>
-              <a:rPr lang="fr-FR" sz="1200" dirty="0" err="1" smtClean="0">
-                <a:latin typeface="Consolas" pitchFamily="49" charset="0"/>
-                <a:cs typeface="Consolas" pitchFamily="49" charset="0"/>
-              </a:rPr>
-              <a:t>int</a:t>
-            </a:r>
-            <a:r>
-              <a:rPr lang="fr-FR" sz="1200" dirty="0" smtClean="0">
-                <a:latin typeface="Consolas" pitchFamily="49" charset="0"/>
-                <a:cs typeface="Consolas" pitchFamily="49" charset="0"/>
-              </a:rPr>
-              <a:t> 		</a:t>
-            </a:r>
-            <a:r>
-              <a:rPr lang="fr-FR" sz="1200" dirty="0" err="1" smtClean="0">
-                <a:latin typeface="Consolas" pitchFamily="49" charset="0"/>
-                <a:cs typeface="Consolas" pitchFamily="49" charset="0"/>
-              </a:rPr>
-              <a:t>plateauNbPossibilites</a:t>
-            </a:r>
-            <a:r>
-              <a:rPr lang="fr-FR" sz="1200" dirty="0" smtClean="0">
-                <a:latin typeface="Consolas" pitchFamily="49" charset="0"/>
-                <a:cs typeface="Consolas" pitchFamily="49" charset="0"/>
-              </a:rPr>
-              <a:t> (</a:t>
-            </a:r>
-            <a:r>
-              <a:rPr lang="fr-FR" sz="1200" dirty="0" err="1" smtClean="0">
-                <a:latin typeface="Consolas" pitchFamily="49" charset="0"/>
-                <a:cs typeface="Consolas" pitchFamily="49" charset="0"/>
-              </a:rPr>
-              <a:t>const</a:t>
-            </a:r>
-            <a:r>
-              <a:rPr lang="fr-FR" sz="1200" dirty="0" smtClean="0">
-                <a:latin typeface="Consolas" pitchFamily="49" charset="0"/>
-                <a:cs typeface="Consolas" pitchFamily="49" charset="0"/>
-              </a:rPr>
-              <a:t> Plateau *p, Case *c)</a:t>
-            </a:r>
-          </a:p>
-          <a:p>
-            <a:pPr>
-              <a:buNone/>
-            </a:pPr>
-            <a:r>
-              <a:rPr lang="fr-FR" sz="1200" dirty="0" err="1" smtClean="0">
-                <a:latin typeface="Consolas" pitchFamily="49" charset="0"/>
-                <a:cs typeface="Consolas" pitchFamily="49" charset="0"/>
-              </a:rPr>
-              <a:t>int</a:t>
-            </a:r>
-            <a:r>
-              <a:rPr lang="fr-FR" sz="1200" dirty="0" smtClean="0">
-                <a:latin typeface="Consolas" pitchFamily="49" charset="0"/>
-                <a:cs typeface="Consolas" pitchFamily="49" charset="0"/>
-              </a:rPr>
-              <a:t> 		</a:t>
-            </a:r>
-            <a:r>
-              <a:rPr lang="fr-FR" sz="1200" dirty="0" err="1" smtClean="0">
-                <a:latin typeface="Consolas" pitchFamily="49" charset="0"/>
-                <a:cs typeface="Consolas" pitchFamily="49" charset="0"/>
-              </a:rPr>
-              <a:t>plateauTestCaseProche</a:t>
-            </a:r>
-            <a:r>
-              <a:rPr lang="fr-FR" sz="1200" dirty="0" smtClean="0">
-                <a:latin typeface="Consolas" pitchFamily="49" charset="0"/>
-                <a:cs typeface="Consolas" pitchFamily="49" charset="0"/>
-              </a:rPr>
-              <a:t> (</a:t>
-            </a:r>
-            <a:r>
-              <a:rPr lang="fr-FR" sz="1200" dirty="0" err="1" smtClean="0">
-                <a:latin typeface="Consolas" pitchFamily="49" charset="0"/>
-                <a:cs typeface="Consolas" pitchFamily="49" charset="0"/>
-              </a:rPr>
-              <a:t>int</a:t>
-            </a:r>
-            <a:r>
-              <a:rPr lang="fr-FR" sz="1200" dirty="0" smtClean="0">
-                <a:latin typeface="Consolas" pitchFamily="49" charset="0"/>
-                <a:cs typeface="Consolas" pitchFamily="49" charset="0"/>
-              </a:rPr>
-              <a:t> x, </a:t>
-            </a:r>
-            <a:r>
-              <a:rPr lang="fr-FR" sz="1200" dirty="0" err="1" smtClean="0">
-                <a:latin typeface="Consolas" pitchFamily="49" charset="0"/>
-                <a:cs typeface="Consolas" pitchFamily="49" charset="0"/>
-              </a:rPr>
-              <a:t>int</a:t>
-            </a:r>
-            <a:r>
-              <a:rPr lang="fr-FR" sz="1200" dirty="0" smtClean="0">
-                <a:latin typeface="Consolas" pitchFamily="49" charset="0"/>
-                <a:cs typeface="Consolas" pitchFamily="49" charset="0"/>
-              </a:rPr>
-              <a:t> y)</a:t>
-            </a:r>
-          </a:p>
-          <a:p>
-            <a:pPr>
-              <a:buNone/>
-            </a:pPr>
-            <a:r>
-              <a:rPr lang="fr-FR" sz="1200" dirty="0" err="1" smtClean="0">
-                <a:latin typeface="Consolas" pitchFamily="49" charset="0"/>
-                <a:cs typeface="Consolas" pitchFamily="49" charset="0"/>
-              </a:rPr>
-              <a:t>void</a:t>
-            </a:r>
-            <a:r>
-              <a:rPr lang="fr-FR" sz="1200" dirty="0" smtClean="0">
-                <a:latin typeface="Consolas" pitchFamily="49" charset="0"/>
-                <a:cs typeface="Consolas" pitchFamily="49" charset="0"/>
-              </a:rPr>
-              <a:t> 	</a:t>
-            </a:r>
-            <a:r>
-              <a:rPr lang="fr-FR" sz="1200" dirty="0" err="1" smtClean="0">
-                <a:latin typeface="Consolas" pitchFamily="49" charset="0"/>
-                <a:cs typeface="Consolas" pitchFamily="49" charset="0"/>
-              </a:rPr>
-              <a:t>plateauVolerPions</a:t>
-            </a:r>
-            <a:r>
-              <a:rPr lang="fr-FR" sz="1200" dirty="0" smtClean="0">
-                <a:latin typeface="Consolas" pitchFamily="49" charset="0"/>
-                <a:cs typeface="Consolas" pitchFamily="49" charset="0"/>
-              </a:rPr>
-              <a:t> (Plateau *p, Case *c, </a:t>
-            </a:r>
-            <a:r>
-              <a:rPr lang="fr-FR" sz="1200" dirty="0" err="1" smtClean="0">
-                <a:latin typeface="Consolas" pitchFamily="49" charset="0"/>
-                <a:cs typeface="Consolas" pitchFamily="49" charset="0"/>
-              </a:rPr>
-              <a:t>int</a:t>
-            </a:r>
-            <a:r>
-              <a:rPr lang="fr-FR" sz="1200" dirty="0" smtClean="0">
-                <a:latin typeface="Consolas" pitchFamily="49" charset="0"/>
-                <a:cs typeface="Consolas" pitchFamily="49" charset="0"/>
-              </a:rPr>
-              <a:t> joueur)</a:t>
-            </a:r>
-          </a:p>
-          <a:p>
-            <a:pPr>
-              <a:buNone/>
-            </a:pPr>
-            <a:r>
-              <a:rPr lang="fr-FR" sz="1200" dirty="0" err="1" smtClean="0">
-                <a:latin typeface="Consolas" pitchFamily="49" charset="0"/>
-                <a:cs typeface="Consolas" pitchFamily="49" charset="0"/>
-              </a:rPr>
-              <a:t>int</a:t>
-            </a:r>
-            <a:r>
-              <a:rPr lang="fr-FR" sz="1200" dirty="0" smtClean="0">
-                <a:latin typeface="Consolas" pitchFamily="49" charset="0"/>
-                <a:cs typeface="Consolas" pitchFamily="49" charset="0"/>
-              </a:rPr>
-              <a:t> 		</a:t>
-            </a:r>
-            <a:r>
-              <a:rPr lang="fr-FR" sz="1200" dirty="0" err="1" smtClean="0">
-                <a:latin typeface="Consolas" pitchFamily="49" charset="0"/>
-                <a:cs typeface="Consolas" pitchFamily="49" charset="0"/>
-              </a:rPr>
-              <a:t>plateauNbPionsAVoler</a:t>
-            </a:r>
-            <a:r>
-              <a:rPr lang="fr-FR" sz="1200" dirty="0" smtClean="0">
-                <a:latin typeface="Consolas" pitchFamily="49" charset="0"/>
-                <a:cs typeface="Consolas" pitchFamily="49" charset="0"/>
-              </a:rPr>
-              <a:t> (Plateau *p, Case *c, </a:t>
-            </a:r>
-            <a:r>
-              <a:rPr lang="fr-FR" sz="1200" dirty="0" err="1" smtClean="0">
-                <a:latin typeface="Consolas" pitchFamily="49" charset="0"/>
-                <a:cs typeface="Consolas" pitchFamily="49" charset="0"/>
-              </a:rPr>
-              <a:t>int</a:t>
-            </a:r>
-            <a:r>
-              <a:rPr lang="fr-FR" sz="1200" dirty="0" smtClean="0">
-                <a:latin typeface="Consolas" pitchFamily="49" charset="0"/>
-                <a:cs typeface="Consolas" pitchFamily="49" charset="0"/>
-              </a:rPr>
-              <a:t> joueur)</a:t>
-            </a:r>
-          </a:p>
-          <a:p>
-            <a:pPr>
-              <a:buNone/>
-            </a:pPr>
-            <a:r>
-              <a:rPr lang="fr-FR" sz="1200" dirty="0" err="1" smtClean="0">
-                <a:latin typeface="Consolas" pitchFamily="49" charset="0"/>
-                <a:cs typeface="Consolas" pitchFamily="49" charset="0"/>
-              </a:rPr>
-              <a:t>int</a:t>
-            </a:r>
-            <a:r>
-              <a:rPr lang="fr-FR" sz="1200" dirty="0" smtClean="0">
-                <a:latin typeface="Consolas" pitchFamily="49" charset="0"/>
-                <a:cs typeface="Consolas" pitchFamily="49" charset="0"/>
-              </a:rPr>
-              <a:t> 		</a:t>
-            </a:r>
-            <a:r>
-              <a:rPr lang="fr-FR" sz="1200" dirty="0" err="1" smtClean="0">
-                <a:latin typeface="Consolas" pitchFamily="49" charset="0"/>
-                <a:cs typeface="Consolas" pitchFamily="49" charset="0"/>
-              </a:rPr>
-              <a:t>plateauNbPionsAVolerAdjacent</a:t>
-            </a:r>
-            <a:r>
-              <a:rPr lang="fr-FR" sz="1200" dirty="0" smtClean="0">
-                <a:latin typeface="Consolas" pitchFamily="49" charset="0"/>
-                <a:cs typeface="Consolas" pitchFamily="49" charset="0"/>
-              </a:rPr>
-              <a:t> (Plateau *p, Case *c1, Case *c2, </a:t>
-            </a:r>
-            <a:r>
-              <a:rPr lang="fr-FR" sz="1200" dirty="0" err="1" smtClean="0">
-                <a:latin typeface="Consolas" pitchFamily="49" charset="0"/>
-                <a:cs typeface="Consolas" pitchFamily="49" charset="0"/>
-              </a:rPr>
-              <a:t>int</a:t>
-            </a:r>
-            <a:r>
-              <a:rPr lang="fr-FR" sz="1200" dirty="0" smtClean="0">
-                <a:latin typeface="Consolas" pitchFamily="49" charset="0"/>
-                <a:cs typeface="Consolas" pitchFamily="49" charset="0"/>
-              </a:rPr>
-              <a:t> joueur)</a:t>
-            </a:r>
-          </a:p>
-          <a:p>
-            <a:pPr>
-              <a:buNone/>
-            </a:pPr>
-            <a:r>
-              <a:rPr lang="fr-FR" sz="1200" dirty="0" err="1" smtClean="0">
-                <a:latin typeface="Consolas" pitchFamily="49" charset="0"/>
-                <a:cs typeface="Consolas" pitchFamily="49" charset="0"/>
-              </a:rPr>
-              <a:t>int</a:t>
-            </a:r>
-            <a:r>
-              <a:rPr lang="fr-FR" sz="1200" dirty="0" smtClean="0">
-                <a:latin typeface="Consolas" pitchFamily="49" charset="0"/>
-                <a:cs typeface="Consolas" pitchFamily="49" charset="0"/>
-              </a:rPr>
-              <a:t> 		</a:t>
-            </a:r>
-            <a:r>
-              <a:rPr lang="fr-FR" sz="1200" dirty="0" err="1" smtClean="0">
-                <a:latin typeface="Consolas" pitchFamily="49" charset="0"/>
-                <a:cs typeface="Consolas" pitchFamily="49" charset="0"/>
-              </a:rPr>
-              <a:t>plateauNbPionsPerdu</a:t>
-            </a:r>
-            <a:r>
-              <a:rPr lang="fr-FR" sz="1200" dirty="0" smtClean="0">
-                <a:latin typeface="Consolas" pitchFamily="49" charset="0"/>
-                <a:cs typeface="Consolas" pitchFamily="49" charset="0"/>
-              </a:rPr>
-              <a:t> (Plateau *p, Case *c, </a:t>
-            </a:r>
-            <a:r>
-              <a:rPr lang="fr-FR" sz="1200" dirty="0" err="1" smtClean="0">
-                <a:latin typeface="Consolas" pitchFamily="49" charset="0"/>
-                <a:cs typeface="Consolas" pitchFamily="49" charset="0"/>
-              </a:rPr>
-              <a:t>int</a:t>
-            </a:r>
-            <a:r>
-              <a:rPr lang="fr-FR" sz="1200" dirty="0" smtClean="0">
-                <a:latin typeface="Consolas" pitchFamily="49" charset="0"/>
-                <a:cs typeface="Consolas" pitchFamily="49" charset="0"/>
-              </a:rPr>
-              <a:t> joueur)</a:t>
-            </a:r>
-          </a:p>
-          <a:p>
-            <a:pPr>
-              <a:buNone/>
-            </a:pPr>
-            <a:r>
-              <a:rPr lang="fr-FR" sz="1200" dirty="0" err="1" smtClean="0">
-                <a:latin typeface="Consolas" pitchFamily="49" charset="0"/>
-                <a:cs typeface="Consolas" pitchFamily="49" charset="0"/>
-              </a:rPr>
-              <a:t>void</a:t>
-            </a:r>
-            <a:r>
-              <a:rPr lang="fr-FR" sz="1200" dirty="0" smtClean="0">
-                <a:latin typeface="Consolas" pitchFamily="49" charset="0"/>
-                <a:cs typeface="Consolas" pitchFamily="49" charset="0"/>
-              </a:rPr>
-              <a:t> 	</a:t>
-            </a:r>
-            <a:r>
-              <a:rPr lang="fr-FR" sz="1200" dirty="0" err="1" smtClean="0">
-                <a:latin typeface="Consolas" pitchFamily="49" charset="0"/>
-                <a:cs typeface="Consolas" pitchFamily="49" charset="0"/>
-              </a:rPr>
-              <a:t>changeScoreJoueur</a:t>
-            </a:r>
-            <a:r>
-              <a:rPr lang="fr-FR" sz="1200" dirty="0" smtClean="0">
-                <a:latin typeface="Consolas" pitchFamily="49" charset="0"/>
-                <a:cs typeface="Consolas" pitchFamily="49" charset="0"/>
-              </a:rPr>
-              <a:t> (Plateau *p, </a:t>
-            </a:r>
-            <a:r>
-              <a:rPr lang="fr-FR" sz="1200" dirty="0" err="1" smtClean="0">
-                <a:latin typeface="Consolas" pitchFamily="49" charset="0"/>
-                <a:cs typeface="Consolas" pitchFamily="49" charset="0"/>
-              </a:rPr>
-              <a:t>int</a:t>
-            </a:r>
-            <a:r>
-              <a:rPr lang="fr-FR" sz="1200" dirty="0" smtClean="0">
-                <a:latin typeface="Consolas" pitchFamily="49" charset="0"/>
-                <a:cs typeface="Consolas" pitchFamily="49" charset="0"/>
-              </a:rPr>
-              <a:t> joueur, </a:t>
-            </a:r>
-            <a:r>
-              <a:rPr lang="fr-FR" sz="1200" dirty="0" err="1" smtClean="0">
-                <a:latin typeface="Consolas" pitchFamily="49" charset="0"/>
-                <a:cs typeface="Consolas" pitchFamily="49" charset="0"/>
-              </a:rPr>
-              <a:t>int</a:t>
-            </a:r>
-            <a:r>
-              <a:rPr lang="fr-FR" sz="1200" dirty="0" smtClean="0">
-                <a:latin typeface="Consolas" pitchFamily="49" charset="0"/>
-                <a:cs typeface="Consolas" pitchFamily="49" charset="0"/>
-              </a:rPr>
-              <a:t> </a:t>
-            </a:r>
-            <a:r>
-              <a:rPr lang="fr-FR" sz="1200" dirty="0" err="1" smtClean="0">
-                <a:latin typeface="Consolas" pitchFamily="49" charset="0"/>
-                <a:cs typeface="Consolas" pitchFamily="49" charset="0"/>
-              </a:rPr>
-              <a:t>dec</a:t>
-            </a:r>
-            <a:r>
-              <a:rPr lang="fr-FR" sz="1200" dirty="0" smtClean="0">
-                <a:latin typeface="Consolas" pitchFamily="49" charset="0"/>
-                <a:cs typeface="Consolas" pitchFamily="49" charset="0"/>
-              </a:rPr>
-              <a:t>)</a:t>
-            </a:r>
-          </a:p>
-          <a:p>
-            <a:pPr>
-              <a:buNone/>
-            </a:pPr>
-            <a:r>
-              <a:rPr lang="fr-FR" sz="1200" dirty="0" err="1" smtClean="0">
-                <a:latin typeface="Consolas" pitchFamily="49" charset="0"/>
-                <a:cs typeface="Consolas" pitchFamily="49" charset="0"/>
-              </a:rPr>
-              <a:t>int</a:t>
-            </a:r>
-            <a:r>
-              <a:rPr lang="fr-FR" sz="1200" dirty="0" smtClean="0">
-                <a:latin typeface="Consolas" pitchFamily="49" charset="0"/>
-                <a:cs typeface="Consolas" pitchFamily="49" charset="0"/>
-              </a:rPr>
-              <a:t> 		</a:t>
-            </a:r>
-            <a:r>
-              <a:rPr lang="fr-FR" sz="1200" dirty="0" err="1" smtClean="0">
-                <a:latin typeface="Consolas" pitchFamily="49" charset="0"/>
-                <a:cs typeface="Consolas" pitchFamily="49" charset="0"/>
-              </a:rPr>
-              <a:t>plateauGetScore</a:t>
-            </a:r>
-            <a:r>
-              <a:rPr lang="fr-FR" sz="1200" dirty="0" smtClean="0">
-                <a:latin typeface="Consolas" pitchFamily="49" charset="0"/>
-                <a:cs typeface="Consolas" pitchFamily="49" charset="0"/>
-              </a:rPr>
-              <a:t> (</a:t>
-            </a:r>
-            <a:r>
-              <a:rPr lang="fr-FR" sz="1200" dirty="0" err="1" smtClean="0">
-                <a:latin typeface="Consolas" pitchFamily="49" charset="0"/>
-                <a:cs typeface="Consolas" pitchFamily="49" charset="0"/>
-              </a:rPr>
-              <a:t>const</a:t>
-            </a:r>
-            <a:r>
-              <a:rPr lang="fr-FR" sz="1200" dirty="0" smtClean="0">
-                <a:latin typeface="Consolas" pitchFamily="49" charset="0"/>
-                <a:cs typeface="Consolas" pitchFamily="49" charset="0"/>
-              </a:rPr>
-              <a:t> Plateau *p, </a:t>
-            </a:r>
-            <a:r>
-              <a:rPr lang="fr-FR" sz="1200" dirty="0" err="1" smtClean="0">
-                <a:latin typeface="Consolas" pitchFamily="49" charset="0"/>
-                <a:cs typeface="Consolas" pitchFamily="49" charset="0"/>
-              </a:rPr>
-              <a:t>int</a:t>
-            </a:r>
-            <a:r>
-              <a:rPr lang="fr-FR" sz="1200" dirty="0" smtClean="0">
-                <a:latin typeface="Consolas" pitchFamily="49" charset="0"/>
-                <a:cs typeface="Consolas" pitchFamily="49" charset="0"/>
-              </a:rPr>
-              <a:t> j)</a:t>
-            </a:r>
-          </a:p>
-          <a:p>
-            <a:pPr>
-              <a:buNone/>
-            </a:pPr>
-            <a:r>
-              <a:rPr lang="fr-FR" sz="1200" dirty="0" err="1" smtClean="0">
-                <a:latin typeface="Consolas" pitchFamily="49" charset="0"/>
-                <a:cs typeface="Consolas" pitchFamily="49" charset="0"/>
-              </a:rPr>
-              <a:t>int</a:t>
-            </a:r>
-            <a:r>
-              <a:rPr lang="fr-FR" sz="1200" dirty="0" smtClean="0">
-                <a:latin typeface="Consolas" pitchFamily="49" charset="0"/>
-                <a:cs typeface="Consolas" pitchFamily="49" charset="0"/>
-              </a:rPr>
-              <a:t> 		</a:t>
+              <a:rPr lang="fr-FR" sz="1200" dirty="0" smtClean="0">
+                <a:latin typeface="Consolas" pitchFamily="49" charset="0"/>
+                <a:cs typeface="Consolas" pitchFamily="49" charset="0"/>
+              </a:rPr>
+              <a:t>		</a:t>
             </a:r>
             <a:r>
               <a:rPr lang="fr-FR" sz="1200" dirty="0" err="1" smtClean="0">
@@ -7923,9 +10271,61 @@
           <a:lstStyle/>
           <a:p>
             <a:r>
+              <a:rPr lang="fr-FR" dirty="0" smtClean="0"/>
+              <a:t>Mickaël Rivollet, Thibault Lazert - UE LIF7 - Semestre printemps 2012 - Hexxagon</a:t>
+            </a:r>
+            <a:endParaRPr lang="fr-FR" dirty="0"/>
+          </a:p>
+        </p:txBody>
+      </p:sp>
+      <p:sp>
+        <p:nvSpPr>
+          <p:cNvPr id="2" name="Espace réservé de la date 1"/>
+          <p:cNvSpPr>
+            <a:spLocks noGrp="1"/>
+          </p:cNvSpPr>
+          <p:nvPr>
+            <p:ph type="dt" sz="half" idx="10"/>
+          </p:nvPr>
+        </p:nvSpPr>
+        <p:spPr/>
+        <p:txBody>
+          <a:bodyPr/>
+          <a:lstStyle/>
+          <a:p>
+            <a:r>
               <a:rPr lang="fr-FR" smtClean="0"/>
-              <a:t>Mickaël Rivollet, Thibault Lazert - UE LIF7 - Semestre printemps 2012 - Hexxagon</a:t>
-            </a:r>
+              <a:t>7 juin 2012</a:t>
+            </a:r>
+            <a:endParaRPr lang="fr-FR" dirty="0"/>
+          </a:p>
+        </p:txBody>
+      </p:sp>
+      <p:sp>
+        <p:nvSpPr>
+          <p:cNvPr id="6" name="Espace réservé du numéro de diapositive 5"/>
+          <p:cNvSpPr>
+            <a:spLocks noGrp="1"/>
+          </p:cNvSpPr>
+          <p:nvPr>
+            <p:ph type="sldNum" sz="quarter" idx="12"/>
+          </p:nvPr>
+        </p:nvSpPr>
+        <p:spPr/>
+        <p:txBody>
+          <a:bodyPr/>
+          <a:lstStyle/>
+          <a:p>
+            <a:fld id="{D1F1D131-41E1-4141-9181-81A171513161}" type="slidenum">
+              <a:rPr lang="fr-FR" sz="1200" smtClean="0">
+                <a:solidFill>
+                  <a:srgbClr val="8B8B8B"/>
+                </a:solidFill>
+                <a:latin typeface="Calibri"/>
+              </a:rPr>
+              <a:pPr/>
+              <a:t>6</a:t>
+            </a:fld>
             <a:endParaRPr lang="fr-FR" dirty="0"/>
           </a:p>
         </p:txBody>
@@ -7935,6 +10335,18 @@
   <p:clrMapOvr>
     <a:masterClrMapping/>
   </p:clrMapOvr>
+  <mc:AlternateContent xmlns:mc="http://schemas.openxmlformats.org/markup-compatibility/2006">
+    <mc:Choice xmlns:p14="http://schemas.microsoft.com/office/powerpoint/2010/main" Requires="p14">
+      <p:transition spd="slow" p14:dur="800">
+        <p14:honeycomb/>
+      </p:transition>
+    </mc:Choice>
+    <mc:Fallback>
+      <p:transition spd="slow">
+        <p:fade/>
+      </p:transition>
+    </mc:Fallback>
+  </mc:AlternateContent>
   <p:timing>
     <p:tnLst>
       <p:par>
@@ -8607,9 +11019,61 @@
           <a:lstStyle/>
           <a:p>
             <a:r>
+              <a:rPr lang="fr-FR" dirty="0" smtClean="0"/>
+              <a:t>Mickaël Rivollet, Thibault Lazert - UE LIF7 - Semestre printemps 2012 - Hexxagon</a:t>
+            </a:r>
+            <a:endParaRPr lang="fr-FR" dirty="0"/>
+          </a:p>
+        </p:txBody>
+      </p:sp>
+      <p:sp>
+        <p:nvSpPr>
+          <p:cNvPr id="2" name="Espace réservé de la date 1"/>
+          <p:cNvSpPr>
+            <a:spLocks noGrp="1"/>
+          </p:cNvSpPr>
+          <p:nvPr>
+            <p:ph type="dt" sz="half" idx="10"/>
+          </p:nvPr>
+        </p:nvSpPr>
+        <p:spPr/>
+        <p:txBody>
+          <a:bodyPr/>
+          <a:lstStyle/>
+          <a:p>
+            <a:r>
               <a:rPr lang="fr-FR" smtClean="0"/>
-              <a:t>Mickaël Rivollet, Thibault Lazert - UE LIF7 - Semestre printemps 2012 - Hexxagon</a:t>
-            </a:r>
+              <a:t>7 juin 2012</a:t>
+            </a:r>
+            <a:endParaRPr lang="fr-FR" dirty="0"/>
+          </a:p>
+        </p:txBody>
+      </p:sp>
+      <p:sp>
+        <p:nvSpPr>
+          <p:cNvPr id="6" name="Espace réservé du numéro de diapositive 5"/>
+          <p:cNvSpPr>
+            <a:spLocks noGrp="1"/>
+          </p:cNvSpPr>
+          <p:nvPr>
+            <p:ph type="sldNum" sz="quarter" idx="12"/>
+          </p:nvPr>
+        </p:nvSpPr>
+        <p:spPr/>
+        <p:txBody>
+          <a:bodyPr/>
+          <a:lstStyle/>
+          <a:p>
+            <a:fld id="{D1F1D131-41E1-4141-9181-81A171513161}" type="slidenum">
+              <a:rPr lang="fr-FR" sz="1200" smtClean="0">
+                <a:solidFill>
+                  <a:srgbClr val="8B8B8B"/>
+                </a:solidFill>
+                <a:latin typeface="Calibri"/>
+              </a:rPr>
+              <a:pPr/>
+              <a:t>7</a:t>
+            </a:fld>
             <a:endParaRPr lang="fr-FR" dirty="0"/>
           </a:p>
         </p:txBody>
@@ -8619,6 +11083,18 @@
   <p:clrMapOvr>
     <a:masterClrMapping/>
   </p:clrMapOvr>
+  <mc:AlternateContent xmlns:mc="http://schemas.openxmlformats.org/markup-compatibility/2006">
+    <mc:Choice xmlns:p14="http://schemas.microsoft.com/office/powerpoint/2010/main" Requires="p14">
+      <p:transition spd="slow" p14:dur="800">
+        <p14:honeycomb/>
+      </p:transition>
+    </mc:Choice>
+    <mc:Fallback>
+      <p:transition spd="slow">
+        <p:fade/>
+      </p:transition>
+    </mc:Fallback>
+  </mc:AlternateContent>
   <p:timing>
     <p:tnLst>
       <p:par>
@@ -8791,11 +11267,134 @@
               </a:rPr>
               <a:t>)</a:t>
             </a:r>
+          </a:p>
+          <a:p>
+            <a:pPr>
+              <a:buNone/>
+            </a:pPr>
             <a:endParaRPr lang="fr-FR" sz="1200" dirty="0">
               <a:latin typeface="Consolas" pitchFamily="49" charset="0"/>
               <a:cs typeface="Consolas" pitchFamily="49" charset="0"/>
             </a:endParaRPr>
           </a:p>
+          <a:p>
+            <a:pPr>
+              <a:buNone/>
+            </a:pPr>
+            <a:r>
+              <a:rPr lang="fr-FR" sz="1200" b="1" dirty="0" smtClean="0">
+                <a:latin typeface="Verdana" pitchFamily="34" charset="0"/>
+                <a:ea typeface="Verdana" pitchFamily="34" charset="0"/>
+                <a:cs typeface="Verdana" pitchFamily="34" charset="0"/>
+              </a:rPr>
+              <a:t>Principe :</a:t>
+            </a:r>
+          </a:p>
+          <a:p>
+            <a:pPr>
+              <a:buNone/>
+            </a:pPr>
+            <a:r>
+              <a:rPr lang="fr-FR" sz="1200" dirty="0" smtClean="0">
+                <a:latin typeface="Verdana" pitchFamily="34" charset="0"/>
+                <a:ea typeface="Verdana" pitchFamily="34" charset="0"/>
+                <a:cs typeface="Verdana" pitchFamily="34" charset="0"/>
+              </a:rPr>
+              <a:t>Cette fonction calcule le prochain mouvement de l’ordinateur.</a:t>
+            </a:r>
+            <a:endParaRPr lang="fr-FR" sz="1200" dirty="0" smtClean="0">
+              <a:latin typeface="Verdana" pitchFamily="34" charset="0"/>
+              <a:ea typeface="Verdana" pitchFamily="34" charset="0"/>
+              <a:cs typeface="Verdana" pitchFamily="34" charset="0"/>
+            </a:endParaRPr>
+          </a:p>
+          <a:p>
+            <a:pPr>
+              <a:buNone/>
+            </a:pPr>
+            <a:endParaRPr lang="fr-FR" sz="1200" dirty="0">
+              <a:latin typeface="Verdana" pitchFamily="34" charset="0"/>
+              <a:ea typeface="Verdana" pitchFamily="34" charset="0"/>
+              <a:cs typeface="Verdana" pitchFamily="34" charset="0"/>
+            </a:endParaRPr>
+          </a:p>
+          <a:p>
+            <a:pPr>
+              <a:buNone/>
+            </a:pPr>
+            <a:r>
+              <a:rPr lang="fr-FR" sz="1200" b="1" dirty="0" smtClean="0">
+                <a:latin typeface="Verdana" pitchFamily="34" charset="0"/>
+                <a:ea typeface="Verdana" pitchFamily="34" charset="0"/>
+                <a:cs typeface="Verdana" pitchFamily="34" charset="0"/>
+              </a:rPr>
+              <a:t>Fonctionnalités :</a:t>
+            </a:r>
+          </a:p>
+          <a:p>
+            <a:r>
+              <a:rPr lang="fr-FR" sz="1200" dirty="0" smtClean="0">
+                <a:latin typeface="Verdana" pitchFamily="34" charset="0"/>
+                <a:ea typeface="Verdana" pitchFamily="34" charset="0"/>
+                <a:cs typeface="Verdana" pitchFamily="34" charset="0"/>
+              </a:rPr>
+              <a:t>Détection des cases à défendre ou à attaquer en priorité</a:t>
+            </a:r>
+          </a:p>
+          <a:p>
+            <a:r>
+              <a:rPr lang="fr-FR" sz="1200" dirty="0" smtClean="0">
+                <a:latin typeface="Verdana" pitchFamily="34" charset="0"/>
+                <a:ea typeface="Verdana" pitchFamily="34" charset="0"/>
+                <a:cs typeface="Verdana" pitchFamily="34" charset="0"/>
+              </a:rPr>
+              <a:t>Calcul du nombre de pions adverses à voler</a:t>
+            </a:r>
+          </a:p>
+          <a:p>
+            <a:r>
+              <a:rPr lang="fr-FR" sz="1200" dirty="0" smtClean="0">
+                <a:latin typeface="Verdana" pitchFamily="34" charset="0"/>
+                <a:ea typeface="Verdana" pitchFamily="34" charset="0"/>
+                <a:cs typeface="Verdana" pitchFamily="34" charset="0"/>
+              </a:rPr>
+              <a:t>Différents tests effectués :</a:t>
+            </a:r>
+            <a:endParaRPr lang="fr-FR" sz="2400" dirty="0" smtClean="0">
+              <a:latin typeface="Verdana" pitchFamily="34" charset="0"/>
+              <a:ea typeface="Verdana" pitchFamily="34" charset="0"/>
+              <a:cs typeface="Verdana" pitchFamily="34" charset="0"/>
+            </a:endParaRPr>
+          </a:p>
+          <a:p>
+            <a:pPr lvl="1"/>
+            <a:r>
+              <a:rPr lang="fr-FR" sz="1200" dirty="0" smtClean="0">
+                <a:latin typeface="Verdana" pitchFamily="34" charset="0"/>
+                <a:ea typeface="Verdana" pitchFamily="34" charset="0"/>
+                <a:cs typeface="Verdana" pitchFamily="34" charset="0"/>
+              </a:rPr>
+              <a:t>Calcul de la meilleure place pour l’ordinateur</a:t>
+            </a:r>
+          </a:p>
+          <a:p>
+            <a:pPr lvl="1"/>
+            <a:r>
+              <a:rPr lang="fr-FR" sz="1200" dirty="0" smtClean="0">
+                <a:latin typeface="Verdana" pitchFamily="34" charset="0"/>
+                <a:ea typeface="Verdana" pitchFamily="34" charset="0"/>
+                <a:cs typeface="Verdana" pitchFamily="34" charset="0"/>
+              </a:rPr>
+              <a:t>Calcul des risques au pro rata du nombre de pièces volées</a:t>
+            </a:r>
+          </a:p>
+          <a:p>
+            <a:endParaRPr lang="fr-FR" sz="1400" dirty="0">
+              <a:latin typeface="Verdana" pitchFamily="34" charset="0"/>
+              <a:ea typeface="Verdana" pitchFamily="34" charset="0"/>
+              <a:cs typeface="Verdana" pitchFamily="34" charset="0"/>
+            </a:endParaRPr>
+          </a:p>
         </p:txBody>
       </p:sp>
       <p:sp>
@@ -8814,9 +11413,61 @@
           <a:lstStyle/>
           <a:p>
             <a:r>
+              <a:rPr lang="fr-FR" dirty="0" smtClean="0"/>
+              <a:t>Mickaël Rivollet, Thibault Lazert - UE LIF7 - Semestre printemps 2012 - Hexxagon</a:t>
+            </a:r>
+            <a:endParaRPr lang="fr-FR" dirty="0"/>
+          </a:p>
+        </p:txBody>
+      </p:sp>
+      <p:sp>
+        <p:nvSpPr>
+          <p:cNvPr id="2" name="Espace réservé de la date 1"/>
+          <p:cNvSpPr>
+            <a:spLocks noGrp="1"/>
+          </p:cNvSpPr>
+          <p:nvPr>
+            <p:ph type="dt" sz="half" idx="10"/>
+          </p:nvPr>
+        </p:nvSpPr>
+        <p:spPr/>
+        <p:txBody>
+          <a:bodyPr/>
+          <a:lstStyle/>
+          <a:p>
+            <a:r>
               <a:rPr lang="fr-FR" smtClean="0"/>
-              <a:t>Mickaël Rivollet, Thibault Lazert - UE LIF7 - Semestre printemps 2012 - Hexxagon</a:t>
-            </a:r>
+              <a:t>7 juin 2012</a:t>
+            </a:r>
+            <a:endParaRPr lang="fr-FR" dirty="0"/>
+          </a:p>
+        </p:txBody>
+      </p:sp>
+      <p:sp>
+        <p:nvSpPr>
+          <p:cNvPr id="6" name="Espace réservé du numéro de diapositive 5"/>
+          <p:cNvSpPr>
+            <a:spLocks noGrp="1"/>
+          </p:cNvSpPr>
+          <p:nvPr>
+            <p:ph type="sldNum" sz="quarter" idx="12"/>
+          </p:nvPr>
+        </p:nvSpPr>
+        <p:spPr/>
+        <p:txBody>
+          <a:bodyPr/>
+          <a:lstStyle/>
+          <a:p>
+            <a:fld id="{D1F1D131-41E1-4141-9181-81A171513161}" type="slidenum">
+              <a:rPr lang="fr-FR" sz="1200" smtClean="0">
+                <a:solidFill>
+                  <a:srgbClr val="8B8B8B"/>
+                </a:solidFill>
+                <a:latin typeface="Calibri"/>
+              </a:rPr>
+              <a:pPr/>
+              <a:t>8</a:t>
+            </a:fld>
             <a:endParaRPr lang="fr-FR" dirty="0"/>
           </a:p>
         </p:txBody>
@@ -8826,6 +11477,18 @@
   <p:clrMapOvr>
     <a:masterClrMapping/>
   </p:clrMapOvr>
+  <mc:AlternateContent xmlns:mc="http://schemas.openxmlformats.org/markup-compatibility/2006">
+    <mc:Choice xmlns:p14="http://schemas.microsoft.com/office/powerpoint/2010/main" Requires="p14">
+      <p:transition spd="slow" p14:dur="800">
+        <p14:honeycomb/>
+      </p:transition>
+    </mc:Choice>
+    <mc:Fallback>
+      <p:transition spd="slow">
+        <p:fade/>
+      </p:transition>
+    </mc:Fallback>
+  </mc:AlternateContent>
   <p:timing>
     <p:tnLst>
       <p:par>
@@ -8901,12 +11564,98 @@
             <a:pPr>
               <a:buNone/>
             </a:pPr>
-            <a:r>
-              <a:rPr lang="fr-FR" sz="1200" dirty="0" smtClean="0">
-                <a:latin typeface="Consolas" pitchFamily="49" charset="0"/>
-                <a:cs typeface="Consolas" pitchFamily="49" charset="0"/>
-              </a:rPr>
-              <a:t>Rectangle 	xy2rect (</a:t>
+            <a:endParaRPr lang="fr-FR" sz="1200" dirty="0" smtClean="0">
+              <a:latin typeface="Consolas" pitchFamily="49" charset="0"/>
+              <a:cs typeface="Consolas" pitchFamily="49" charset="0"/>
+            </a:endParaRPr>
+          </a:p>
+          <a:p>
+            <a:pPr>
+              <a:buNone/>
+            </a:pPr>
+            <a:r>
+              <a:rPr lang="fr-FR" sz="1200" b="1" dirty="0" smtClean="0">
+                <a:latin typeface="Consolas" pitchFamily="49" charset="0"/>
+                <a:cs typeface="Consolas" pitchFamily="49" charset="0"/>
+              </a:rPr>
+              <a:t>Fonctions d’affichage :</a:t>
+            </a:r>
+            <a:endParaRPr lang="fr-FR" sz="1200" b="1" dirty="0">
+              <a:latin typeface="Consolas" pitchFamily="49" charset="0"/>
+              <a:cs typeface="Consolas" pitchFamily="49" charset="0"/>
+            </a:endParaRPr>
+          </a:p>
+          <a:p>
+            <a:pPr>
+              <a:buNone/>
+            </a:pPr>
+            <a:r>
+              <a:rPr lang="fr-FR" sz="1200" dirty="0" smtClean="0">
+                <a:latin typeface="Consolas" pitchFamily="49" charset="0"/>
+                <a:cs typeface="Consolas" pitchFamily="49" charset="0"/>
+              </a:rPr>
+              <a:t>Ces fonctions utilisent la SDL.</a:t>
+            </a:r>
+          </a:p>
+          <a:p>
+            <a:pPr>
+              <a:buNone/>
+            </a:pPr>
+            <a:endParaRPr lang="fr-FR" sz="1200" dirty="0">
+              <a:latin typeface="Consolas" pitchFamily="49" charset="0"/>
+              <a:cs typeface="Consolas" pitchFamily="49" charset="0"/>
+            </a:endParaRPr>
+          </a:p>
+          <a:p>
+            <a:pPr>
+              <a:buNone/>
+            </a:pPr>
+            <a:r>
+              <a:rPr lang="fr-FR" sz="1200" b="1" dirty="0" smtClean="0">
+                <a:latin typeface="Consolas" pitchFamily="49" charset="0"/>
+                <a:cs typeface="Consolas" pitchFamily="49" charset="0"/>
+              </a:rPr>
+              <a:t>Modularité du code :</a:t>
+            </a:r>
+          </a:p>
+          <a:p>
+            <a:pPr>
+              <a:buNone/>
+            </a:pPr>
+            <a:r>
+              <a:rPr lang="fr-FR" sz="1200" dirty="0" smtClean="0">
+                <a:latin typeface="Consolas" pitchFamily="49" charset="0"/>
+                <a:cs typeface="Consolas" pitchFamily="49" charset="0"/>
+              </a:rPr>
+              <a:t>Il serait possible de programmer ce module en utilisant une autre librairie sans changer les autres modules.</a:t>
+            </a:r>
+          </a:p>
+          <a:p>
+            <a:pPr>
+              <a:buNone/>
+            </a:pPr>
+            <a:endParaRPr lang="fr-FR" sz="1200" dirty="0">
+              <a:latin typeface="Consolas" pitchFamily="49" charset="0"/>
+              <a:cs typeface="Consolas" pitchFamily="49" charset="0"/>
+            </a:endParaRPr>
+          </a:p>
+          <a:p>
+            <a:pPr>
+              <a:buNone/>
+            </a:pPr>
+            <a:r>
+              <a:rPr lang="fr-FR" sz="1200" dirty="0" smtClean="0">
+                <a:latin typeface="Consolas" pitchFamily="49" charset="0"/>
+                <a:cs typeface="Consolas" pitchFamily="49" charset="0"/>
+              </a:rPr>
+              <a:t>Rectangle </a:t>
+            </a:r>
+            <a:r>
+              <a:rPr lang="fr-FR" sz="1200" dirty="0" smtClean="0">
+                <a:latin typeface="Consolas" pitchFamily="49" charset="0"/>
+                <a:cs typeface="Consolas" pitchFamily="49" charset="0"/>
+              </a:rPr>
+              <a:t>	xy2rect (</a:t>
             </a:r>
             <a:r>
               <a:rPr lang="fr-FR" sz="1200" dirty="0" err="1" smtClean="0">
@@ -9719,220 +12468,10 @@
               </a:rPr>
               <a:t>)</a:t>
             </a:r>
-          </a:p>
-          <a:p>
-            <a:pPr>
-              <a:buNone/>
-            </a:pPr>
-            <a:r>
-              <a:rPr lang="fr-FR" sz="1200" dirty="0" err="1" smtClean="0">
-                <a:latin typeface="Consolas" pitchFamily="49" charset="0"/>
-                <a:cs typeface="Consolas" pitchFamily="49" charset="0"/>
-              </a:rPr>
-              <a:t>void</a:t>
-            </a:r>
-            <a:r>
-              <a:rPr lang="fr-FR" sz="1200" dirty="0" smtClean="0">
-                <a:latin typeface="Consolas" pitchFamily="49" charset="0"/>
-                <a:cs typeface="Consolas" pitchFamily="49" charset="0"/>
-              </a:rPr>
-              <a:t> 	</a:t>
-            </a:r>
-            <a:r>
-              <a:rPr lang="fr-FR" sz="1200" dirty="0" err="1" smtClean="0">
-                <a:latin typeface="Consolas" pitchFamily="49" charset="0"/>
-                <a:cs typeface="Consolas" pitchFamily="49" charset="0"/>
-              </a:rPr>
-              <a:t>afficheFree</a:t>
-            </a:r>
-            <a:r>
-              <a:rPr lang="fr-FR" sz="1200" dirty="0" smtClean="0">
-                <a:latin typeface="Consolas" pitchFamily="49" charset="0"/>
-                <a:cs typeface="Consolas" pitchFamily="49" charset="0"/>
-              </a:rPr>
-              <a:t> (Image *</a:t>
-            </a:r>
-            <a:r>
-              <a:rPr lang="fr-FR" sz="1200" dirty="0" err="1" smtClean="0">
-                <a:latin typeface="Consolas" pitchFamily="49" charset="0"/>
-                <a:cs typeface="Consolas" pitchFamily="49" charset="0"/>
-              </a:rPr>
-              <a:t>img</a:t>
-            </a:r>
-            <a:r>
-              <a:rPr lang="fr-FR" sz="1200" dirty="0" smtClean="0">
-                <a:latin typeface="Consolas" pitchFamily="49" charset="0"/>
-                <a:cs typeface="Consolas" pitchFamily="49" charset="0"/>
-              </a:rPr>
-              <a:t>)</a:t>
-            </a:r>
-          </a:p>
-          <a:p>
-            <a:pPr>
-              <a:buNone/>
-            </a:pPr>
-            <a:r>
-              <a:rPr lang="fr-FR" sz="1200" dirty="0" err="1" smtClean="0">
-                <a:latin typeface="Consolas" pitchFamily="49" charset="0"/>
-                <a:cs typeface="Consolas" pitchFamily="49" charset="0"/>
-              </a:rPr>
-              <a:t>void</a:t>
-            </a:r>
-            <a:r>
-              <a:rPr lang="fr-FR" sz="1200" dirty="0" smtClean="0">
-                <a:latin typeface="Consolas" pitchFamily="49" charset="0"/>
-                <a:cs typeface="Consolas" pitchFamily="49" charset="0"/>
-              </a:rPr>
-              <a:t> 	</a:t>
-            </a:r>
-            <a:r>
-              <a:rPr lang="fr-FR" sz="1200" dirty="0" err="1" smtClean="0">
-                <a:latin typeface="Consolas" pitchFamily="49" charset="0"/>
-                <a:cs typeface="Consolas" pitchFamily="49" charset="0"/>
-              </a:rPr>
-              <a:t>afficheQuit</a:t>
-            </a:r>
-            <a:r>
-              <a:rPr lang="fr-FR" sz="1200" dirty="0" smtClean="0">
-                <a:latin typeface="Consolas" pitchFamily="49" charset="0"/>
-                <a:cs typeface="Consolas" pitchFamily="49" charset="0"/>
-              </a:rPr>
-              <a:t> ()</a:t>
-            </a:r>
-          </a:p>
-          <a:p>
-            <a:pPr>
-              <a:buNone/>
-            </a:pPr>
-            <a:r>
-              <a:rPr lang="fr-FR" sz="1200" dirty="0" err="1" smtClean="0">
-                <a:latin typeface="Consolas" pitchFamily="49" charset="0"/>
-                <a:cs typeface="Consolas" pitchFamily="49" charset="0"/>
-              </a:rPr>
-              <a:t>void</a:t>
-            </a:r>
-            <a:r>
-              <a:rPr lang="fr-FR" sz="1200" dirty="0" smtClean="0">
-                <a:latin typeface="Consolas" pitchFamily="49" charset="0"/>
-                <a:cs typeface="Consolas" pitchFamily="49" charset="0"/>
-              </a:rPr>
-              <a:t> 	</a:t>
-            </a:r>
-            <a:r>
-              <a:rPr lang="fr-FR" sz="1200" dirty="0" err="1" smtClean="0">
-                <a:latin typeface="Consolas" pitchFamily="49" charset="0"/>
-                <a:cs typeface="Consolas" pitchFamily="49" charset="0"/>
-              </a:rPr>
-              <a:t>afficheVideEcran</a:t>
-            </a:r>
-            <a:r>
-              <a:rPr lang="fr-FR" sz="1200" dirty="0" smtClean="0">
-                <a:latin typeface="Consolas" pitchFamily="49" charset="0"/>
-                <a:cs typeface="Consolas" pitchFamily="49" charset="0"/>
-              </a:rPr>
-              <a:t> (Image *</a:t>
-            </a:r>
-            <a:r>
-              <a:rPr lang="fr-FR" sz="1200" dirty="0" err="1" smtClean="0">
-                <a:latin typeface="Consolas" pitchFamily="49" charset="0"/>
-                <a:cs typeface="Consolas" pitchFamily="49" charset="0"/>
-              </a:rPr>
-              <a:t>ecran</a:t>
-            </a:r>
-            <a:r>
-              <a:rPr lang="fr-FR" sz="1200" dirty="0" smtClean="0">
-                <a:latin typeface="Consolas" pitchFamily="49" charset="0"/>
-                <a:cs typeface="Consolas" pitchFamily="49" charset="0"/>
-              </a:rPr>
-              <a:t>)</a:t>
-            </a:r>
-          </a:p>
-          <a:p>
-            <a:pPr>
-              <a:buNone/>
-            </a:pPr>
-            <a:r>
-              <a:rPr lang="fr-FR" sz="1200" dirty="0" smtClean="0">
-                <a:latin typeface="Consolas" pitchFamily="49" charset="0"/>
-                <a:cs typeface="Consolas" pitchFamily="49" charset="0"/>
-              </a:rPr>
-              <a:t>Image * 	</a:t>
-            </a:r>
-            <a:r>
-              <a:rPr lang="fr-FR" sz="1200" dirty="0" err="1" smtClean="0">
-                <a:latin typeface="Consolas" pitchFamily="49" charset="0"/>
-                <a:cs typeface="Consolas" pitchFamily="49" charset="0"/>
-              </a:rPr>
-              <a:t>afficheChargeImage</a:t>
-            </a:r>
-            <a:r>
-              <a:rPr lang="fr-FR" sz="1200" dirty="0" smtClean="0">
-                <a:latin typeface="Consolas" pitchFamily="49" charset="0"/>
-                <a:cs typeface="Consolas" pitchFamily="49" charset="0"/>
-              </a:rPr>
-              <a:t> (char fichier[])</a:t>
-            </a:r>
-          </a:p>
-          <a:p>
-            <a:pPr>
-              <a:buNone/>
-            </a:pPr>
-            <a:r>
-              <a:rPr lang="fr-FR" sz="1200" dirty="0" err="1" smtClean="0">
-                <a:latin typeface="Consolas" pitchFamily="49" charset="0"/>
-                <a:cs typeface="Consolas" pitchFamily="49" charset="0"/>
-              </a:rPr>
-              <a:t>int</a:t>
-            </a:r>
-            <a:r>
-              <a:rPr lang="fr-FR" sz="1200" dirty="0" smtClean="0">
-                <a:latin typeface="Consolas" pitchFamily="49" charset="0"/>
-                <a:cs typeface="Consolas" pitchFamily="49" charset="0"/>
-              </a:rPr>
-              <a:t> 		</a:t>
-            </a:r>
-            <a:r>
-              <a:rPr lang="fr-FR" sz="1200" dirty="0" err="1" smtClean="0">
-                <a:latin typeface="Consolas" pitchFamily="49" charset="0"/>
-                <a:cs typeface="Consolas" pitchFamily="49" charset="0"/>
-              </a:rPr>
-              <a:t>afficheEvenements</a:t>
-            </a:r>
-            <a:r>
-              <a:rPr lang="fr-FR" sz="1200" dirty="0" smtClean="0">
-                <a:latin typeface="Consolas" pitchFamily="49" charset="0"/>
-                <a:cs typeface="Consolas" pitchFamily="49" charset="0"/>
-              </a:rPr>
-              <a:t> (</a:t>
-            </a:r>
-            <a:r>
-              <a:rPr lang="fr-FR" sz="1200" dirty="0" err="1" smtClean="0">
-                <a:latin typeface="Consolas" pitchFamily="49" charset="0"/>
-                <a:cs typeface="Consolas" pitchFamily="49" charset="0"/>
-              </a:rPr>
-              <a:t>Evenements</a:t>
-            </a:r>
-            <a:r>
-              <a:rPr lang="fr-FR" sz="1200" dirty="0" smtClean="0">
-                <a:latin typeface="Consolas" pitchFamily="49" charset="0"/>
-                <a:cs typeface="Consolas" pitchFamily="49" charset="0"/>
-              </a:rPr>
-              <a:t> *</a:t>
-            </a:r>
-            <a:r>
-              <a:rPr lang="fr-FR" sz="1200" dirty="0" err="1" smtClean="0">
-                <a:latin typeface="Consolas" pitchFamily="49" charset="0"/>
-                <a:cs typeface="Consolas" pitchFamily="49" charset="0"/>
-              </a:rPr>
-              <a:t>ev</a:t>
-            </a:r>
-            <a:r>
-              <a:rPr lang="fr-FR" sz="1200" dirty="0" smtClean="0">
-                <a:latin typeface="Consolas" pitchFamily="49" charset="0"/>
-                <a:cs typeface="Consolas" pitchFamily="49" charset="0"/>
-              </a:rPr>
-              <a:t>)</a:t>
-            </a:r>
+            <a:endParaRPr lang="fr-FR" sz="1200" dirty="0" smtClean="0">
+              <a:latin typeface="Consolas" pitchFamily="49" charset="0"/>
+              <a:cs typeface="Consolas" pitchFamily="49" charset="0"/>
+            </a:endParaRPr>
           </a:p>
         </p:txBody>
       </p:sp>
@@ -9952,9 +12491,61 @@
           <a:lstStyle/>
           <a:p>
             <a:r>
+              <a:rPr lang="fr-FR" dirty="0" smtClean="0"/>
+              <a:t>Mickaël Rivollet, Thibault Lazert - UE LIF7 - Semestre printemps 2012 - Hexxagon</a:t>
+            </a:r>
+            <a:endParaRPr lang="fr-FR" dirty="0"/>
+          </a:p>
+        </p:txBody>
+      </p:sp>
+      <p:sp>
+        <p:nvSpPr>
+          <p:cNvPr id="2" name="Espace réservé de la date 1"/>
+          <p:cNvSpPr>
+            <a:spLocks noGrp="1"/>
+          </p:cNvSpPr>
+          <p:nvPr>
+            <p:ph type="dt" sz="half" idx="10"/>
+          </p:nvPr>
+        </p:nvSpPr>
+        <p:spPr/>
+        <p:txBody>
+          <a:bodyPr/>
+          <a:lstStyle/>
+          <a:p>
+            <a:r>
               <a:rPr lang="fr-FR" smtClean="0"/>
-              <a:t>Mickaël Rivollet, Thibault Lazert - UE LIF7 - Semestre printemps 2012 - Hexxagon</a:t>
-            </a:r>
+              <a:t>7 juin 2012</a:t>
+            </a:r>
+            <a:endParaRPr lang="fr-FR" dirty="0"/>
+          </a:p>
+        </p:txBody>
+      </p:sp>
+      <p:sp>
+        <p:nvSpPr>
+          <p:cNvPr id="6" name="Espace réservé du numéro de diapositive 5"/>
+          <p:cNvSpPr>
+            <a:spLocks noGrp="1"/>
+          </p:cNvSpPr>
+          <p:nvPr>
+            <p:ph type="sldNum" sz="quarter" idx="12"/>
+          </p:nvPr>
+        </p:nvSpPr>
+        <p:spPr/>
+        <p:txBody>
+          <a:bodyPr/>
+          <a:lstStyle/>
+          <a:p>
+            <a:fld id="{D1F1D131-41E1-4141-9181-81A171513161}" type="slidenum">
+              <a:rPr lang="fr-FR" sz="1200" smtClean="0">
+                <a:solidFill>
+                  <a:srgbClr val="8B8B8B"/>
+                </a:solidFill>
+                <a:latin typeface="Calibri"/>
+              </a:rPr>
+              <a:pPr/>
+              <a:t>9</a:t>
+            </a:fld>
             <a:endParaRPr lang="fr-FR" dirty="0"/>
           </a:p>
         </p:txBody>
@@ -9964,6 +12555,18 @@
   <p:clrMapOvr>
     <a:masterClrMapping/>
   </p:clrMapOvr>
+  <mc:AlternateContent xmlns:mc="http://schemas.openxmlformats.org/markup-compatibility/2006">
+    <mc:Choice xmlns:p14="http://schemas.microsoft.com/office/powerpoint/2010/main" Requires="p14">
+      <p:transition spd="slow" p14:dur="800">
+        <p14:honeycomb/>
+      </p:transition>
+    </mc:Choice>
+    <mc:Fallback>
+      <p:transition spd="slow">
+        <p:fade/>
+      </p:transition>
+    </mc:Fallback>
+  </mc:AlternateContent>
   <p:timing>
     <p:tnLst>
       <p:par>
